--- a/material/18_CSharp_WPF (고급 컨트롤, 외부 라이브러리).pptx
+++ b/material/18_CSharp_WPF (고급 컨트롤, 외부 라이브러리).pptx
@@ -5,54 +5,51 @@
     <p:sldMasterId id="2147483672" r:id="rId1"/>
   </p:sldMasterIdLst>
   <p:notesMasterIdLst>
-    <p:notesMasterId r:id="rId30"/>
+    <p:notesMasterId r:id="rId22"/>
   </p:notesMasterIdLst>
   <p:sldIdLst>
-    <p:sldId id="692" r:id="rId2"/>
-    <p:sldId id="693" r:id="rId3"/>
-    <p:sldId id="694" r:id="rId4"/>
-    <p:sldId id="695" r:id="rId5"/>
-    <p:sldId id="696" r:id="rId6"/>
-    <p:sldId id="697" r:id="rId7"/>
-    <p:sldId id="698" r:id="rId8"/>
-    <p:sldId id="699" r:id="rId9"/>
-    <p:sldId id="700" r:id="rId10"/>
-    <p:sldId id="701" r:id="rId11"/>
-    <p:sldId id="702" r:id="rId12"/>
-    <p:sldId id="703" r:id="rId13"/>
-    <p:sldId id="704" r:id="rId14"/>
-    <p:sldId id="705" r:id="rId15"/>
-    <p:sldId id="706" r:id="rId16"/>
-    <p:sldId id="707" r:id="rId17"/>
-    <p:sldId id="708" r:id="rId18"/>
-    <p:sldId id="710" r:id="rId19"/>
-    <p:sldId id="711" r:id="rId20"/>
-    <p:sldId id="730" r:id="rId21"/>
-    <p:sldId id="731" r:id="rId22"/>
-    <p:sldId id="732" r:id="rId23"/>
-    <p:sldId id="733" r:id="rId24"/>
-    <p:sldId id="679" r:id="rId25"/>
-    <p:sldId id="734" r:id="rId26"/>
-    <p:sldId id="735" r:id="rId27"/>
-    <p:sldId id="736" r:id="rId28"/>
-    <p:sldId id="737" r:id="rId29"/>
+    <p:sldId id="738" r:id="rId2"/>
+    <p:sldId id="692" r:id="rId3"/>
+    <p:sldId id="693" r:id="rId4"/>
+    <p:sldId id="694" r:id="rId5"/>
+    <p:sldId id="695" r:id="rId6"/>
+    <p:sldId id="696" r:id="rId7"/>
+    <p:sldId id="697" r:id="rId8"/>
+    <p:sldId id="698" r:id="rId9"/>
+    <p:sldId id="699" r:id="rId10"/>
+    <p:sldId id="700" r:id="rId11"/>
+    <p:sldId id="701" r:id="rId12"/>
+    <p:sldId id="702" r:id="rId13"/>
+    <p:sldId id="703" r:id="rId14"/>
+    <p:sldId id="704" r:id="rId15"/>
+    <p:sldId id="705" r:id="rId16"/>
+    <p:sldId id="706" r:id="rId17"/>
+    <p:sldId id="707" r:id="rId18"/>
+    <p:sldId id="708" r:id="rId19"/>
+    <p:sldId id="710" r:id="rId20"/>
+    <p:sldId id="711" r:id="rId21"/>
   </p:sldIdLst>
   <p:sldSz cx="12192000" cy="6858000"/>
   <p:notesSz cx="6858000" cy="9144000"/>
   <p:embeddedFontLst>
     <p:embeddedFont>
-      <p:font typeface="Pretendard Black" panose="020B0600000101010101" charset="0"/>
-      <p:bold r:id="rId31"/>
+      <p:font typeface="Pretendard Black" panose="02000A03000000020004" pitchFamily="2" charset="-127"/>
+      <p:bold r:id="rId23"/>
     </p:embeddedFont>
     <p:embeddedFont>
-      <p:font typeface="Pretendard GOV" panose="02000503000000020004" pitchFamily="2" charset="-127"/>
-      <p:regular r:id="rId32"/>
-      <p:bold r:id="rId33"/>
+      <p:font typeface="Pretendard GOV" panose="020B0600000101010101" charset="-127"/>
+      <p:regular r:id="rId24"/>
+      <p:bold r:id="rId25"/>
+    </p:embeddedFont>
+    <p:embeddedFont>
+      <p:font typeface="Pretendard" panose="02000503000000020004" pitchFamily="2" charset="-127"/>
+      <p:regular r:id="rId26"/>
+      <p:bold r:id="rId27"/>
     </p:embeddedFont>
     <p:embeddedFont>
       <p:font typeface="맑은 고딕" panose="020B0503020000020004" pitchFamily="50" charset="-127"/>
-      <p:regular r:id="rId34"/>
-      <p:bold r:id="rId35"/>
+      <p:regular r:id="rId28"/>
+      <p:bold r:id="rId29"/>
     </p:embeddedFont>
   </p:embeddedFontLst>
   <p:defaultTextStyle>
@@ -243,7 +240,7 @@
           <a:p>
             <a:fld id="{2EF3F159-7250-4DD4-91C2-13B35D56E1AF}" type="datetimeFigureOut">
               <a:rPr lang="ko-KR" altLang="en-US" smtClean="0"/>
-              <a:t>2025-05-19</a:t>
+              <a:t>2025-05-22</a:t>
             </a:fld>
             <a:endParaRPr lang="ko-KR" altLang="en-US"/>
           </a:p>
@@ -555,56 +552,45 @@
           <a:lstStyle/>
           <a:p>
             <a:r>
-              <a:rPr lang="en-US" altLang="ko-KR" dirty="0"/>
-              <a:t>Embedded Resource: </a:t>
-            </a:r>
-            <a:r>
-              <a:rPr lang="ko-KR" altLang="en-US" dirty="0"/>
-              <a:t>주로 데이터 파일</a:t>
-            </a:r>
-            <a:r>
-              <a:rPr lang="en-US" altLang="ko-KR" dirty="0"/>
-              <a:t>, </a:t>
-            </a:r>
-            <a:r>
-              <a:rPr lang="ko-KR" altLang="en-US" dirty="0"/>
-              <a:t>이미지 등 비정적 파일을 어셈블리에 포함시킬 때 사용</a:t>
-            </a:r>
-            <a:r>
-              <a:rPr lang="en-US" altLang="ko-KR" dirty="0"/>
+              <a:rPr lang="ko-KR" altLang="en-US"/>
+              <a:t>새로운 언어를 배울 때는 내가 알고 있는 기존 언어와 차이점만 기억을 하면 됨</a:t>
+            </a:r>
+            <a:r>
+              <a:rPr lang="en-US" altLang="ko-KR"/>
               <a:t>.</a:t>
             </a:r>
           </a:p>
           <a:p>
-            <a:r>
-              <a:rPr lang="en-US" altLang="ko-KR" dirty="0"/>
-              <a:t>Resource: WPF </a:t>
-            </a:r>
-            <a:r>
-              <a:rPr lang="ko-KR" altLang="en-US" dirty="0"/>
-              <a:t>애플리케이션 내에서 스타일</a:t>
-            </a:r>
-            <a:r>
-              <a:rPr lang="en-US" altLang="ko-KR" dirty="0"/>
-              <a:t>, </a:t>
-            </a:r>
-            <a:r>
-              <a:rPr lang="ko-KR" altLang="en-US" dirty="0"/>
-              <a:t>컨트롤 템플릿 등 </a:t>
-            </a:r>
-            <a:r>
-              <a:rPr lang="en-US" altLang="ko-KR" dirty="0"/>
-              <a:t>UI </a:t>
-            </a:r>
-            <a:r>
-              <a:rPr lang="ko-KR" altLang="en-US" dirty="0"/>
-              <a:t>관련 리소스를 정의할 때 사용</a:t>
-            </a:r>
-            <a:r>
-              <a:rPr lang="en-US" altLang="ko-KR" dirty="0"/>
+            <a:endParaRPr lang="en-US" altLang="ko-KR"/>
+          </a:p>
+          <a:p>
+            <a:r>
+              <a:rPr lang="ko-KR" altLang="en-US"/>
+              <a:t>자세한 문법 또는 함수의 사용법은 그때그때 검색을 통해 찾아보고 적용하면 됨</a:t>
+            </a:r>
+            <a:r>
+              <a:rPr lang="en-US" altLang="ko-KR"/>
+              <a:t>. </a:t>
+            </a:r>
+          </a:p>
+          <a:p>
+            <a:endParaRPr lang="en-US" altLang="ko-KR"/>
+          </a:p>
+          <a:p>
+            <a:r>
+              <a:rPr lang="ko-KR" altLang="en-US"/>
+              <a:t>이론을 충분히 공부하고 무언가 시작하기 보다는 일단 시작하고 부딪히는 곳을 적극적으로 검색하여 찾아보며 해결해나가는 것이 훨씬 좋음</a:t>
+            </a:r>
+            <a:r>
+              <a:rPr lang="en-US" altLang="ko-KR"/>
               <a:t>.</a:t>
             </a:r>
-            <a:endParaRPr lang="ko-KR" altLang="en-US" dirty="0"/>
+          </a:p>
+          <a:p>
+            <a:endParaRPr lang="en-US" altLang="ko-KR"/>
+          </a:p>
+          <a:p>
+            <a:endParaRPr lang="ko-KR" altLang="en-US"/>
           </a:p>
         </p:txBody>
       </p:sp>
@@ -625,7 +611,7 @@
           <a:p>
             <a:fld id="{C09E5BFC-1559-42F1-8940-AB342D56BF02}" type="slidenum">
               <a:rPr lang="ko-KR" altLang="en-US" smtClean="0"/>
-              <a:t>7</a:t>
+              <a:t>1</a:t>
             </a:fld>
             <a:endParaRPr lang="ko-KR" altLang="en-US"/>
           </a:p>
@@ -634,7 +620,7 @@
     </p:spTree>
     <p:extLst>
       <p:ext uri="{BB962C8B-B14F-4D97-AF65-F5344CB8AC3E}">
-        <p14:creationId xmlns:p14="http://schemas.microsoft.com/office/powerpoint/2010/main" val="3115622358"/>
+        <p14:creationId xmlns:p14="http://schemas.microsoft.com/office/powerpoint/2010/main" val="1599141341"/>
       </p:ext>
     </p:extLst>
   </p:cSld>
@@ -689,45 +675,49 @@
           <a:lstStyle/>
           <a:p>
             <a:r>
-              <a:rPr lang="ko-KR" altLang="en-US"/>
-              <a:t>새로운 언어를 배울 때는 내가 알고 있는 기존 언어와 차이점만 기억을 하면 됨</a:t>
-            </a:r>
-            <a:r>
-              <a:rPr lang="en-US" altLang="ko-KR"/>
-              <a:t>.</a:t>
-            </a:r>
-          </a:p>
-          <a:p>
-            <a:endParaRPr lang="en-US" altLang="ko-KR"/>
-          </a:p>
-          <a:p>
-            <a:r>
-              <a:rPr lang="ko-KR" altLang="en-US"/>
-              <a:t>자세한 문법 또는 함수의 사용법은 그때그때 검색을 통해 찾아보고 적용하면 됨</a:t>
-            </a:r>
-            <a:r>
-              <a:rPr lang="en-US" altLang="ko-KR"/>
-              <a:t>. </a:t>
-            </a:r>
-          </a:p>
-          <a:p>
-            <a:endParaRPr lang="en-US" altLang="ko-KR"/>
-          </a:p>
-          <a:p>
-            <a:r>
-              <a:rPr lang="ko-KR" altLang="en-US"/>
-              <a:t>이론을 충분히 공부하고 무언가 시작하기 보다는 일단 시작하고 부딪히는 곳을 적극적으로 검색하여 찾아보며 해결해나가는 것이 훨씬 좋음</a:t>
-            </a:r>
-            <a:r>
-              <a:rPr lang="en-US" altLang="ko-KR"/>
-              <a:t>.</a:t>
-            </a:r>
-          </a:p>
-          <a:p>
-            <a:endParaRPr lang="en-US" altLang="ko-KR"/>
-          </a:p>
-          <a:p>
-            <a:endParaRPr lang="ko-KR" altLang="en-US"/>
+              <a:rPr lang="ko-KR" altLang="en-US" dirty="0" smtClean="0"/>
+              <a:t>이 슬라이드는 </a:t>
+            </a:r>
+            <a:r>
+              <a:rPr lang="en-US" altLang="ko-KR" b="1" dirty="0" err="1" smtClean="0"/>
+              <a:t>WinForms</a:t>
+            </a:r>
+            <a:r>
+              <a:rPr lang="en-US" altLang="ko-KR" b="1" dirty="0" smtClean="0"/>
+              <a:t>/</a:t>
+            </a:r>
+            <a:r>
+              <a:rPr lang="ko-KR" altLang="en-US" b="1" dirty="0" smtClean="0"/>
+              <a:t>초기 </a:t>
+            </a:r>
+            <a:r>
+              <a:rPr lang="en-US" altLang="ko-KR" b="1" dirty="0" smtClean="0"/>
+              <a:t>.NET </a:t>
+            </a:r>
+            <a:r>
+              <a:rPr lang="ko-KR" altLang="en-US" b="1" dirty="0" smtClean="0"/>
+              <a:t>교육자료에서 사용되던 </a:t>
+            </a:r>
+            <a:r>
+              <a:rPr lang="ko-KR" altLang="en-US" b="1" dirty="0" err="1" smtClean="0"/>
+              <a:t>방식인듯</a:t>
+            </a:r>
+            <a:r>
+              <a:rPr lang="ko-KR" altLang="en-US" b="1" dirty="0" smtClean="0"/>
+              <a:t> 함</a:t>
+            </a:r>
+            <a:endParaRPr lang="en-US" altLang="ko-KR" b="1" dirty="0" smtClean="0"/>
+          </a:p>
+          <a:p>
+            <a:r>
+              <a:rPr lang="en-US" altLang="ko-KR" b="1" dirty="0" smtClean="0"/>
+              <a:t>WPF</a:t>
+            </a:r>
+            <a:r>
+              <a:rPr lang="ko-KR" altLang="en-US" b="1" dirty="0" smtClean="0"/>
+              <a:t>에선 안씀</a:t>
+            </a:r>
+            <a:endParaRPr lang="ko-KR" altLang="en-US" dirty="0"/>
           </a:p>
         </p:txBody>
       </p:sp>
@@ -738,7 +728,7 @@
             <a:spLocks noGrp="1"/>
           </p:cNvSpPr>
           <p:nvPr>
-            <p:ph type="sldNum" sz="quarter" idx="5"/>
+            <p:ph type="sldNum" sz="quarter" idx="10"/>
           </p:nvPr>
         </p:nvSpPr>
         <p:spPr/>
@@ -748,7 +738,7 @@
           <a:p>
             <a:fld id="{C09E5BFC-1559-42F1-8940-AB342D56BF02}" type="slidenum">
               <a:rPr lang="ko-KR" altLang="en-US" smtClean="0"/>
-              <a:t>20</a:t>
+              <a:t>4</a:t>
             </a:fld>
             <a:endParaRPr lang="ko-KR" altLang="en-US"/>
           </a:p>
@@ -757,7 +747,1432 @@
     </p:spTree>
     <p:extLst>
       <p:ext uri="{BB962C8B-B14F-4D97-AF65-F5344CB8AC3E}">
-        <p14:creationId xmlns:p14="http://schemas.microsoft.com/office/powerpoint/2010/main" val="3940979676"/>
+        <p14:creationId xmlns:p14="http://schemas.microsoft.com/office/powerpoint/2010/main" val="3190933436"/>
+      </p:ext>
+    </p:extLst>
+  </p:cSld>
+  <p:clrMapOvr>
+    <a:masterClrMapping/>
+  </p:clrMapOvr>
+</p:notes>
+</file>
+
+<file path=ppt/notesSlides/notesSlide3.xml><?xml version="1.0" encoding="utf-8"?>
+<p:notes xmlns:a="http://schemas.openxmlformats.org/drawingml/2006/main" xmlns:r="http://schemas.openxmlformats.org/officeDocument/2006/relationships" xmlns:p="http://schemas.openxmlformats.org/presentationml/2006/main">
+  <p:cSld>
+    <p:spTree>
+      <p:nvGrpSpPr>
+        <p:cNvPr id="1" name=""/>
+        <p:cNvGrpSpPr/>
+        <p:nvPr/>
+      </p:nvGrpSpPr>
+      <p:grpSpPr>
+        <a:xfrm>
+          <a:off x="0" y="0"/>
+          <a:ext cx="0" cy="0"/>
+          <a:chOff x="0" y="0"/>
+          <a:chExt cx="0" cy="0"/>
+        </a:xfrm>
+      </p:grpSpPr>
+      <p:sp>
+        <p:nvSpPr>
+          <p:cNvPr id="2" name="슬라이드 이미지 개체 틀 1"/>
+          <p:cNvSpPr>
+            <a:spLocks noGrp="1" noRot="1" noChangeAspect="1"/>
+          </p:cNvSpPr>
+          <p:nvPr>
+            <p:ph type="sldImg"/>
+          </p:nvPr>
+        </p:nvSpPr>
+        <p:spPr/>
+      </p:sp>
+      <p:sp>
+        <p:nvSpPr>
+          <p:cNvPr id="3" name="슬라이드 노트 개체 틀 2"/>
+          <p:cNvSpPr>
+            <a:spLocks noGrp="1"/>
+          </p:cNvSpPr>
+          <p:nvPr>
+            <p:ph type="body" idx="1"/>
+          </p:nvPr>
+        </p:nvSpPr>
+        <p:spPr/>
+        <p:txBody>
+          <a:bodyPr/>
+          <a:lstStyle/>
+          <a:p>
+            <a:r>
+              <a:rPr lang="en-US" altLang="ko-KR" dirty="0" smtClean="0"/>
+              <a:t>URI</a:t>
+            </a:r>
+            <a:r>
+              <a:rPr lang="ko-KR" altLang="en-US" dirty="0" smtClean="0"/>
+              <a:t>는 컴퓨터가 접근할 수 있는 자원</a:t>
+            </a:r>
+            <a:r>
+              <a:rPr lang="en-US" altLang="ko-KR" dirty="0" smtClean="0"/>
+              <a:t>(</a:t>
+            </a:r>
+            <a:r>
+              <a:rPr lang="ko-KR" altLang="en-US" dirty="0" smtClean="0"/>
+              <a:t>리소스</a:t>
+            </a:r>
+            <a:r>
+              <a:rPr lang="en-US" altLang="ko-KR" dirty="0" smtClean="0"/>
+              <a:t>)</a:t>
+            </a:r>
+            <a:r>
+              <a:rPr lang="ko-KR" altLang="en-US" dirty="0" smtClean="0"/>
+              <a:t>의 위치를 식별하는 문자열</a:t>
+            </a:r>
+            <a:endParaRPr lang="en-US" altLang="ko-KR" dirty="0" smtClean="0"/>
+          </a:p>
+          <a:p>
+            <a:r>
+              <a:rPr lang="ko-KR" altLang="en-US" dirty="0" err="1" smtClean="0"/>
+              <a:t>웹페이지</a:t>
+            </a:r>
+            <a:r>
+              <a:rPr lang="ko-KR" altLang="en-US" dirty="0" smtClean="0"/>
+              <a:t> 주소</a:t>
+            </a:r>
+            <a:r>
+              <a:rPr lang="en-US" altLang="ko-KR" dirty="0" smtClean="0"/>
+              <a:t>: https://www.naver.com</a:t>
+            </a:r>
+          </a:p>
+          <a:p>
+            <a:r>
+              <a:rPr lang="ko-KR" altLang="en-US" dirty="0" smtClean="0"/>
+              <a:t>로컬 파일 경로</a:t>
+            </a:r>
+            <a:r>
+              <a:rPr lang="en-US" altLang="ko-KR" dirty="0" smtClean="0"/>
+              <a:t>: C:/Users/damon/dog.jpg</a:t>
+            </a:r>
+          </a:p>
+          <a:p>
+            <a:r>
+              <a:rPr lang="ko-KR" altLang="en-US" dirty="0" smtClean="0"/>
+              <a:t>이메일 주소</a:t>
+            </a:r>
+            <a:r>
+              <a:rPr lang="en-US" altLang="ko-KR" dirty="0" smtClean="0"/>
+              <a:t>: mailto:hello@example.com</a:t>
+            </a:r>
+            <a:br>
+              <a:rPr lang="en-US" altLang="ko-KR" dirty="0" smtClean="0"/>
+            </a:br>
+            <a:r>
+              <a:rPr lang="ko-KR" altLang="en-US" dirty="0" smtClean="0"/>
+              <a:t>이런 건 전부 </a:t>
+            </a:r>
+            <a:r>
+              <a:rPr lang="en-US" altLang="ko-KR" dirty="0" smtClean="0"/>
+              <a:t>URI</a:t>
+            </a:r>
+            <a:r>
+              <a:rPr lang="ko-KR" altLang="en-US" dirty="0" smtClean="0"/>
+              <a:t>입니다</a:t>
+            </a:r>
+            <a:r>
+              <a:rPr lang="en-US" altLang="ko-KR" dirty="0" smtClean="0"/>
+              <a:t>.</a:t>
+            </a:r>
+          </a:p>
+          <a:p>
+            <a:endParaRPr lang="en-US" altLang="ko-KR" dirty="0" smtClean="0"/>
+          </a:p>
+          <a:p>
+            <a:r>
+              <a:rPr lang="en-US" altLang="ko-KR" dirty="0" smtClean="0"/>
+              <a:t>URL</a:t>
+            </a:r>
+            <a:r>
+              <a:rPr lang="ko-KR" altLang="en-US" dirty="0" smtClean="0"/>
+              <a:t>은 </a:t>
+            </a:r>
+            <a:r>
+              <a:rPr lang="en-US" altLang="ko-KR" dirty="0" smtClean="0"/>
+              <a:t>URI</a:t>
+            </a:r>
+            <a:r>
+              <a:rPr lang="ko-KR" altLang="en-US" dirty="0" smtClean="0"/>
+              <a:t>의 일종</a:t>
+            </a:r>
+            <a:endParaRPr lang="en-US" altLang="ko-KR" dirty="0" smtClean="0"/>
+          </a:p>
+          <a:p>
+            <a:r>
+              <a:rPr lang="en-US" altLang="ko-KR" dirty="0" smtClean="0"/>
+              <a:t>URI </a:t>
+            </a:r>
+            <a:r>
+              <a:rPr lang="ko-KR" altLang="en-US" dirty="0" smtClean="0"/>
+              <a:t>중 </a:t>
+            </a:r>
+            <a:r>
+              <a:rPr lang="en-US" altLang="ko-KR" dirty="0" smtClean="0"/>
+              <a:t>"</a:t>
+            </a:r>
+            <a:r>
+              <a:rPr lang="ko-KR" altLang="en-US" dirty="0" smtClean="0"/>
+              <a:t>위치</a:t>
+            </a:r>
+            <a:r>
+              <a:rPr lang="en-US" altLang="ko-KR" dirty="0" smtClean="0"/>
+              <a:t>(Location)"</a:t>
+            </a:r>
+            <a:r>
+              <a:rPr lang="ko-KR" altLang="en-US" dirty="0" smtClean="0"/>
+              <a:t>를 포함한 것 </a:t>
+            </a:r>
+            <a:r>
+              <a:rPr lang="en-US" altLang="ko-KR" dirty="0" smtClean="0"/>
+              <a:t>https://www.google.com</a:t>
+            </a:r>
+          </a:p>
+          <a:p>
+            <a:endParaRPr lang="en-US" altLang="ko-KR" b="1" dirty="0" smtClean="0"/>
+          </a:p>
+          <a:p>
+            <a:r>
+              <a:rPr lang="en-US" altLang="ko-KR" b="1" dirty="0" smtClean="0"/>
+              <a:t>C#</a:t>
+            </a:r>
+            <a:r>
+              <a:rPr lang="ko-KR" altLang="en-US" b="1" dirty="0" smtClean="0"/>
+              <a:t>에서 </a:t>
+            </a:r>
+            <a:r>
+              <a:rPr lang="en-US" altLang="ko-KR" b="1" dirty="0" smtClean="0"/>
+              <a:t>URL</a:t>
+            </a:r>
+            <a:r>
+              <a:rPr lang="ko-KR" altLang="en-US" b="1" dirty="0" smtClean="0"/>
+              <a:t>를 </a:t>
+            </a:r>
+            <a:r>
+              <a:rPr lang="ko-KR" altLang="en-US" b="1" dirty="0" err="1" smtClean="0"/>
+              <a:t>왜써</a:t>
+            </a:r>
+            <a:r>
+              <a:rPr lang="en-US" altLang="ko-KR" b="1" dirty="0" smtClean="0"/>
+              <a:t>?</a:t>
+            </a:r>
+          </a:p>
+          <a:p>
+            <a:r>
+              <a:rPr lang="ko-KR" altLang="en-US" dirty="0" smtClean="0"/>
+              <a:t>이미지</a:t>
+            </a:r>
+            <a:r>
+              <a:rPr lang="en-US" altLang="ko-KR" dirty="0" smtClean="0"/>
+              <a:t>, </a:t>
+            </a:r>
+            <a:r>
+              <a:rPr lang="ko-KR" altLang="en-US" dirty="0" smtClean="0"/>
+              <a:t>웹사이트</a:t>
+            </a:r>
+            <a:r>
+              <a:rPr lang="en-US" altLang="ko-KR" dirty="0" smtClean="0"/>
+              <a:t>, </a:t>
+            </a:r>
+            <a:r>
+              <a:rPr lang="ko-KR" altLang="en-US" dirty="0" smtClean="0"/>
+              <a:t>파일</a:t>
+            </a:r>
+            <a:r>
+              <a:rPr lang="en-US" altLang="ko-KR" dirty="0" smtClean="0"/>
+              <a:t>, </a:t>
+            </a:r>
+            <a:r>
+              <a:rPr lang="ko-KR" altLang="en-US" dirty="0" smtClean="0"/>
+              <a:t>리소스 등 </a:t>
+            </a:r>
+            <a:r>
+              <a:rPr lang="ko-KR" altLang="en-US" b="1" dirty="0" smtClean="0"/>
+              <a:t>경로를 안전하게 표현</a:t>
+            </a:r>
+            <a:r>
+              <a:rPr lang="ko-KR" altLang="en-US" dirty="0" smtClean="0"/>
+              <a:t>하기 위해 사용</a:t>
+            </a:r>
+            <a:endParaRPr lang="en-US" altLang="ko-KR" b="1" dirty="0" smtClean="0"/>
+          </a:p>
+          <a:p>
+            <a:r>
+              <a:rPr lang="ko-KR" altLang="en-US" dirty="0" smtClean="0"/>
+              <a:t>경로로 문자열 대신 </a:t>
+            </a:r>
+            <a:r>
+              <a:rPr lang="en-US" altLang="ko-KR" dirty="0" smtClean="0"/>
+              <a:t>Uri </a:t>
+            </a:r>
+            <a:r>
+              <a:rPr lang="ko-KR" altLang="en-US" dirty="0" smtClean="0"/>
+              <a:t>객체</a:t>
+            </a:r>
+            <a:endParaRPr lang="en-US" altLang="ko-KR" dirty="0" smtClean="0"/>
+          </a:p>
+          <a:p>
+            <a:endParaRPr lang="en-US" altLang="ko-KR" b="1" dirty="0" smtClean="0"/>
+          </a:p>
+          <a:p>
+            <a:r>
+              <a:rPr lang="en-US" altLang="ko-KR" dirty="0" err="1" smtClean="0"/>
+              <a:t>siteUri</a:t>
+            </a:r>
+            <a:r>
+              <a:rPr lang="en-US" altLang="ko-KR" dirty="0" smtClean="0"/>
+              <a:t>: </a:t>
+            </a:r>
+            <a:r>
+              <a:rPr lang="ko-KR" altLang="en-US" dirty="0" smtClean="0"/>
+              <a:t>웹 사이트 주소를 나타내는 </a:t>
+            </a:r>
+            <a:r>
+              <a:rPr lang="en-US" altLang="ko-KR" dirty="0" smtClean="0"/>
+              <a:t>Uri </a:t>
+            </a:r>
+            <a:r>
+              <a:rPr lang="ko-KR" altLang="en-US" dirty="0" smtClean="0"/>
+              <a:t>객체 </a:t>
+            </a:r>
+            <a:r>
+              <a:rPr lang="en-US" altLang="ko-KR" dirty="0" smtClean="0"/>
+              <a:t>– </a:t>
+            </a:r>
+            <a:r>
+              <a:rPr lang="ko-KR" altLang="en-US" dirty="0" smtClean="0"/>
+              <a:t>그 중 </a:t>
+            </a:r>
+            <a:r>
+              <a:rPr lang="en-US" altLang="ko-KR" dirty="0" smtClean="0"/>
+              <a:t>URL</a:t>
+            </a:r>
+          </a:p>
+          <a:p>
+            <a:r>
+              <a:rPr lang="en-US" altLang="ko-KR" dirty="0" err="1" smtClean="0"/>
+              <a:t>fileUri</a:t>
+            </a:r>
+            <a:r>
+              <a:rPr lang="en-US" altLang="ko-KR" dirty="0" smtClean="0"/>
+              <a:t>: </a:t>
+            </a:r>
+            <a:r>
+              <a:rPr lang="ko-KR" altLang="en-US" dirty="0" smtClean="0"/>
+              <a:t>윈도우의 파일 경로를 나타내는 </a:t>
+            </a:r>
+            <a:r>
+              <a:rPr lang="en-US" altLang="ko-KR" dirty="0" smtClean="0"/>
+              <a:t>Uri </a:t>
+            </a:r>
+            <a:r>
+              <a:rPr lang="ko-KR" altLang="en-US" dirty="0" smtClean="0"/>
+              <a:t>객체</a:t>
+            </a:r>
+            <a:endParaRPr lang="ko-KR" altLang="en-US" dirty="0"/>
+          </a:p>
+        </p:txBody>
+      </p:sp>
+      <p:sp>
+        <p:nvSpPr>
+          <p:cNvPr id="4" name="슬라이드 번호 개체 틀 3"/>
+          <p:cNvSpPr>
+            <a:spLocks noGrp="1"/>
+          </p:cNvSpPr>
+          <p:nvPr>
+            <p:ph type="sldNum" sz="quarter" idx="10"/>
+          </p:nvPr>
+        </p:nvSpPr>
+        <p:spPr/>
+        <p:txBody>
+          <a:bodyPr/>
+          <a:lstStyle/>
+          <a:p>
+            <a:fld id="{C09E5BFC-1559-42F1-8940-AB342D56BF02}" type="slidenum">
+              <a:rPr lang="ko-KR" altLang="en-US" smtClean="0"/>
+              <a:t>6</a:t>
+            </a:fld>
+            <a:endParaRPr lang="ko-KR" altLang="en-US"/>
+          </a:p>
+        </p:txBody>
+      </p:sp>
+    </p:spTree>
+    <p:extLst>
+      <p:ext uri="{BB962C8B-B14F-4D97-AF65-F5344CB8AC3E}">
+        <p14:creationId xmlns:p14="http://schemas.microsoft.com/office/powerpoint/2010/main" val="1565238481"/>
+      </p:ext>
+    </p:extLst>
+  </p:cSld>
+  <p:clrMapOvr>
+    <a:masterClrMapping/>
+  </p:clrMapOvr>
+</p:notes>
+</file>
+
+<file path=ppt/notesSlides/notesSlide4.xml><?xml version="1.0" encoding="utf-8"?>
+<p:notes xmlns:a="http://schemas.openxmlformats.org/drawingml/2006/main" xmlns:r="http://schemas.openxmlformats.org/officeDocument/2006/relationships" xmlns:p="http://schemas.openxmlformats.org/presentationml/2006/main">
+  <p:cSld>
+    <p:spTree>
+      <p:nvGrpSpPr>
+        <p:cNvPr id="1" name=""/>
+        <p:cNvGrpSpPr/>
+        <p:nvPr/>
+      </p:nvGrpSpPr>
+      <p:grpSpPr>
+        <a:xfrm>
+          <a:off x="0" y="0"/>
+          <a:ext cx="0" cy="0"/>
+          <a:chOff x="0" y="0"/>
+          <a:chExt cx="0" cy="0"/>
+        </a:xfrm>
+      </p:grpSpPr>
+      <p:sp>
+        <p:nvSpPr>
+          <p:cNvPr id="2" name="슬라이드 이미지 개체 틀 1"/>
+          <p:cNvSpPr>
+            <a:spLocks noGrp="1" noRot="1" noChangeAspect="1"/>
+          </p:cNvSpPr>
+          <p:nvPr>
+            <p:ph type="sldImg"/>
+          </p:nvPr>
+        </p:nvSpPr>
+        <p:spPr/>
+      </p:sp>
+      <p:sp>
+        <p:nvSpPr>
+          <p:cNvPr id="3" name="슬라이드 노트 개체 틀 2"/>
+          <p:cNvSpPr>
+            <a:spLocks noGrp="1"/>
+          </p:cNvSpPr>
+          <p:nvPr>
+            <p:ph type="body" idx="1"/>
+          </p:nvPr>
+        </p:nvSpPr>
+        <p:spPr/>
+        <p:txBody>
+          <a:bodyPr/>
+          <a:lstStyle/>
+          <a:p>
+            <a:r>
+              <a:rPr lang="en-US" altLang="ko-KR" dirty="0" smtClean="0"/>
+              <a:t>C#</a:t>
+            </a:r>
+            <a:r>
+              <a:rPr lang="ko-KR" altLang="en-US" dirty="0" smtClean="0"/>
+              <a:t>의 </a:t>
+            </a:r>
+            <a:r>
+              <a:rPr lang="en-US" altLang="ko-KR" dirty="0" smtClean="0"/>
+              <a:t>Uri </a:t>
+            </a:r>
+            <a:r>
+              <a:rPr lang="ko-KR" altLang="en-US" dirty="0" smtClean="0"/>
+              <a:t>클래스는 경로가 어떤 방식인지 명확히 알려줘야 합니다</a:t>
+            </a:r>
+            <a:endParaRPr lang="en-US" altLang="ko-KR" dirty="0" smtClean="0"/>
+          </a:p>
+          <a:p>
+            <a:r>
+              <a:rPr lang="en-US" altLang="ko-KR" dirty="0" smtClean="0"/>
+              <a:t>new Uri(</a:t>
+            </a:r>
+            <a:r>
+              <a:rPr lang="ko-KR" altLang="en-US" dirty="0" smtClean="0"/>
+              <a:t>경로</a:t>
+            </a:r>
+            <a:r>
+              <a:rPr lang="en-US" altLang="ko-KR" dirty="0" smtClean="0"/>
+              <a:t>, </a:t>
+            </a:r>
+            <a:r>
+              <a:rPr lang="en-US" altLang="ko-KR" dirty="0" err="1" smtClean="0"/>
+              <a:t>UriKind</a:t>
+            </a:r>
+            <a:r>
+              <a:rPr lang="en-US" altLang="ko-KR" dirty="0" smtClean="0"/>
+              <a:t>.???) </a:t>
+            </a:r>
+            <a:r>
+              <a:rPr lang="ko-KR" altLang="en-US" dirty="0" smtClean="0"/>
+              <a:t>형태로 </a:t>
+            </a:r>
+            <a:r>
+              <a:rPr lang="ko-KR" altLang="en-US" b="1" dirty="0" smtClean="0"/>
+              <a:t>경로 타입을 선택</a:t>
+            </a:r>
+            <a:endParaRPr lang="en-US" altLang="ko-KR" b="1" dirty="0" smtClean="0"/>
+          </a:p>
+          <a:p>
+            <a:endParaRPr lang="en-US" altLang="ko-KR" b="1" dirty="0" smtClean="0"/>
+          </a:p>
+          <a:p>
+            <a:r>
+              <a:rPr lang="en-US" altLang="ko-KR" dirty="0" smtClean="0"/>
+              <a:t>// [1] </a:t>
+            </a:r>
+            <a:r>
+              <a:rPr lang="ko-KR" altLang="en-US" dirty="0" err="1" smtClean="0"/>
+              <a:t>상대경로</a:t>
+            </a:r>
+            <a:r>
+              <a:rPr lang="ko-KR" altLang="en-US" dirty="0" smtClean="0"/>
+              <a:t> </a:t>
+            </a:r>
+            <a:r>
+              <a:rPr lang="en-US" altLang="ko-KR" dirty="0" smtClean="0"/>
+              <a:t>+ Resource </a:t>
+            </a:r>
+            <a:r>
+              <a:rPr lang="ko-KR" altLang="en-US" dirty="0" smtClean="0"/>
+              <a:t>방식 </a:t>
+            </a:r>
+            <a:r>
+              <a:rPr lang="en-US" altLang="ko-KR" dirty="0" smtClean="0"/>
+              <a:t>(Pack URI </a:t>
+            </a:r>
+            <a:r>
+              <a:rPr lang="ko-KR" altLang="en-US" dirty="0" smtClean="0"/>
+              <a:t>형식 </a:t>
+            </a:r>
+            <a:r>
+              <a:rPr lang="ko-KR" altLang="en-US" dirty="0" err="1" smtClean="0"/>
+              <a:t>축약형</a:t>
+            </a:r>
+            <a:r>
+              <a:rPr lang="en-US" altLang="ko-KR" dirty="0" smtClean="0"/>
+              <a:t>) - </a:t>
+            </a:r>
+            <a:r>
+              <a:rPr lang="ko-KR" altLang="en-US" dirty="0" smtClean="0"/>
+              <a:t>실행파일 기준 상대경로로 해석</a:t>
+            </a:r>
+            <a:endParaRPr lang="en-US" altLang="ko-KR" dirty="0" smtClean="0"/>
+          </a:p>
+          <a:p>
+            <a:r>
+              <a:rPr lang="en-US" altLang="ko-KR" dirty="0" err="1" smtClean="0"/>
+              <a:t>var</a:t>
+            </a:r>
+            <a:r>
+              <a:rPr lang="en-US" altLang="ko-KR" dirty="0" smtClean="0"/>
+              <a:t> uriSource1 = new Uri(@"/WpfApp3;component/Resources/dog.jpg", </a:t>
+            </a:r>
+            <a:r>
+              <a:rPr lang="en-US" altLang="ko-KR" dirty="0" err="1" smtClean="0"/>
+              <a:t>UriKind.Relative</a:t>
+            </a:r>
+            <a:r>
+              <a:rPr lang="en-US" altLang="ko-KR" dirty="0" smtClean="0"/>
+              <a:t>);</a:t>
+            </a:r>
+          </a:p>
+          <a:p>
+            <a:endParaRPr lang="en-US" altLang="ko-KR" dirty="0" smtClean="0"/>
+          </a:p>
+          <a:p>
+            <a:r>
+              <a:rPr lang="en-US" altLang="ko-KR" dirty="0" smtClean="0"/>
+              <a:t>// [2] </a:t>
+            </a:r>
+            <a:r>
+              <a:rPr lang="ko-KR" altLang="en-US" dirty="0" err="1" smtClean="0"/>
+              <a:t>절대경로</a:t>
+            </a:r>
+            <a:r>
+              <a:rPr lang="ko-KR" altLang="en-US" dirty="0" smtClean="0"/>
+              <a:t> </a:t>
+            </a:r>
+            <a:r>
+              <a:rPr lang="en-US" altLang="ko-KR" dirty="0" smtClean="0"/>
+              <a:t>- Content </a:t>
+            </a:r>
+            <a:r>
+              <a:rPr lang="ko-KR" altLang="en-US" dirty="0" smtClean="0"/>
+              <a:t>방식</a:t>
+            </a:r>
+            <a:r>
+              <a:rPr lang="en-US" altLang="ko-KR" dirty="0" smtClean="0"/>
+              <a:t>, </a:t>
+            </a:r>
+            <a:r>
+              <a:rPr lang="ko-KR" altLang="en-US" dirty="0" smtClean="0"/>
+              <a:t>실제 파일 경로 </a:t>
+            </a:r>
+            <a:r>
+              <a:rPr lang="en-US" altLang="ko-KR" dirty="0" smtClean="0"/>
+              <a:t>- C:\, http:// </a:t>
+            </a:r>
+            <a:r>
+              <a:rPr lang="ko-KR" altLang="en-US" dirty="0" smtClean="0"/>
+              <a:t>등 </a:t>
+            </a:r>
+            <a:r>
+              <a:rPr lang="ko-KR" altLang="en-US" dirty="0" err="1" smtClean="0"/>
+              <a:t>절대경로</a:t>
+            </a:r>
+            <a:r>
+              <a:rPr lang="ko-KR" altLang="en-US" dirty="0" smtClean="0"/>
+              <a:t> 해석</a:t>
+            </a:r>
+          </a:p>
+          <a:p>
+            <a:r>
+              <a:rPr lang="en-US" altLang="ko-KR" dirty="0" err="1" smtClean="0"/>
+              <a:t>var</a:t>
+            </a:r>
+            <a:r>
+              <a:rPr lang="en-US" altLang="ko-KR" dirty="0" smtClean="0"/>
+              <a:t> uriSource2 = new Uri(@"D:/Source/WpfApp3/Resources/dog.jpg", </a:t>
+            </a:r>
+            <a:r>
+              <a:rPr lang="en-US" altLang="ko-KR" dirty="0" err="1" smtClean="0"/>
+              <a:t>UriKind.Absolute</a:t>
+            </a:r>
+            <a:r>
+              <a:rPr lang="en-US" altLang="ko-KR" dirty="0" smtClean="0"/>
+              <a:t>);</a:t>
+            </a:r>
+          </a:p>
+          <a:p>
+            <a:endParaRPr lang="en-US" altLang="ko-KR" dirty="0" smtClean="0"/>
+          </a:p>
+          <a:p>
+            <a:r>
+              <a:rPr lang="en-US" altLang="ko-KR" dirty="0" smtClean="0"/>
+              <a:t>// [3] </a:t>
+            </a:r>
+            <a:r>
+              <a:rPr lang="ko-KR" altLang="en-US" dirty="0" smtClean="0"/>
+              <a:t>상대 </a:t>
+            </a:r>
+            <a:r>
+              <a:rPr lang="en-US" altLang="ko-KR" dirty="0" smtClean="0"/>
+              <a:t>or </a:t>
+            </a:r>
+            <a:r>
+              <a:rPr lang="ko-KR" altLang="en-US" dirty="0" smtClean="0"/>
+              <a:t>절대 </a:t>
+            </a:r>
+            <a:r>
+              <a:rPr lang="ko-KR" altLang="en-US" dirty="0" err="1" smtClean="0"/>
+              <a:t>자동판단</a:t>
+            </a:r>
+            <a:r>
+              <a:rPr lang="ko-KR" altLang="en-US" dirty="0" smtClean="0"/>
+              <a:t> </a:t>
+            </a:r>
+            <a:r>
+              <a:rPr lang="en-US" altLang="ko-KR" dirty="0" smtClean="0"/>
+              <a:t>- </a:t>
+            </a:r>
+            <a:r>
+              <a:rPr lang="ko-KR" altLang="en-US" dirty="0" smtClean="0"/>
+              <a:t>둘 중 자동 판별</a:t>
+            </a:r>
+          </a:p>
+          <a:p>
+            <a:r>
+              <a:rPr lang="en-US" altLang="ko-KR" dirty="0" err="1" smtClean="0"/>
+              <a:t>var</a:t>
+            </a:r>
+            <a:r>
+              <a:rPr lang="en-US" altLang="ko-KR" dirty="0" smtClean="0"/>
+              <a:t> uriSource3 = new Uri(@"/WpfApp3;component/Resources/dog.jpg", </a:t>
+            </a:r>
+            <a:r>
+              <a:rPr lang="en-US" altLang="ko-KR" dirty="0" err="1" smtClean="0"/>
+              <a:t>UriKind.RelativeOrAbsolute</a:t>
+            </a:r>
+            <a:r>
+              <a:rPr lang="en-US" altLang="ko-KR" dirty="0" smtClean="0"/>
+              <a:t>);</a:t>
+            </a:r>
+          </a:p>
+          <a:p>
+            <a:endParaRPr lang="en-US" altLang="ko-KR" dirty="0" smtClean="0"/>
+          </a:p>
+          <a:p>
+            <a:r>
+              <a:rPr lang="en-US" altLang="ko-KR" dirty="0" smtClean="0"/>
+              <a:t>@?</a:t>
+            </a:r>
+          </a:p>
+          <a:p>
+            <a:r>
+              <a:rPr lang="en-US" altLang="ko-KR" dirty="0" smtClean="0"/>
+              <a:t>(</a:t>
+            </a:r>
+            <a:r>
+              <a:rPr lang="ko-KR" altLang="en-US" dirty="0" smtClean="0"/>
+              <a:t>있는 그대로의 문자열</a:t>
+            </a:r>
+            <a:r>
+              <a:rPr lang="en-US" altLang="ko-KR" dirty="0" smtClean="0"/>
+              <a:t>)</a:t>
+            </a:r>
+          </a:p>
+          <a:p>
+            <a:r>
+              <a:rPr lang="ko-KR" altLang="en-US" dirty="0" smtClean="0"/>
+              <a:t>경로에서 </a:t>
+            </a:r>
+            <a:r>
+              <a:rPr lang="en-US" altLang="ko-KR" dirty="0" smtClean="0"/>
+              <a:t>\ </a:t>
+            </a:r>
+            <a:r>
+              <a:rPr lang="ko-KR" altLang="en-US" dirty="0" smtClean="0"/>
+              <a:t>같은 이스케이프 문자를 피하기 위해 사용</a:t>
+            </a:r>
+            <a:endParaRPr lang="en-US" altLang="ko-KR" dirty="0" smtClean="0"/>
+          </a:p>
+          <a:p>
+            <a:endParaRPr lang="en-US" altLang="ko-KR" dirty="0" smtClean="0"/>
+          </a:p>
+          <a:p>
+            <a:r>
+              <a:rPr lang="en-US" altLang="ko-KR" dirty="0" smtClean="0"/>
+              <a:t>Pack URI</a:t>
+            </a:r>
+            <a:r>
+              <a:rPr lang="ko-KR" altLang="en-US" dirty="0" smtClean="0"/>
+              <a:t>란</a:t>
+            </a:r>
+            <a:r>
+              <a:rPr lang="en-US" altLang="ko-KR" dirty="0" smtClean="0"/>
+              <a:t>?</a:t>
+            </a:r>
+          </a:p>
+          <a:p>
+            <a:r>
+              <a:rPr lang="en-US" altLang="ko-KR" dirty="0" smtClean="0"/>
+              <a:t>WPF </a:t>
+            </a:r>
+            <a:r>
+              <a:rPr lang="ko-KR" altLang="en-US" dirty="0" smtClean="0"/>
+              <a:t>전용 리소스를 참조할 수 있는 특별한 </a:t>
+            </a:r>
+            <a:r>
+              <a:rPr lang="en-US" altLang="ko-KR" dirty="0" smtClean="0"/>
+              <a:t>URI </a:t>
+            </a:r>
+            <a:r>
+              <a:rPr lang="ko-KR" altLang="en-US" dirty="0" smtClean="0"/>
+              <a:t>체계</a:t>
+            </a:r>
+            <a:endParaRPr lang="en-US" altLang="ko-KR" dirty="0" smtClean="0"/>
+          </a:p>
+          <a:p>
+            <a:r>
+              <a:rPr lang="en-US" altLang="ko-KR" dirty="0" smtClean="0"/>
+              <a:t>WPF</a:t>
+            </a:r>
+            <a:r>
+              <a:rPr lang="ko-KR" altLang="en-US" dirty="0" smtClean="0"/>
+              <a:t>에서는 단순한 경로</a:t>
+            </a:r>
+            <a:r>
+              <a:rPr lang="en-US" altLang="ko-KR" dirty="0" smtClean="0"/>
+              <a:t>("Assets/dog.jpg")</a:t>
+            </a:r>
+            <a:r>
+              <a:rPr lang="ko-KR" altLang="en-US" dirty="0" smtClean="0"/>
+              <a:t>로는</a:t>
+            </a:r>
+            <a:br>
+              <a:rPr lang="ko-KR" altLang="en-US" dirty="0" smtClean="0"/>
+            </a:br>
+            <a:r>
+              <a:rPr lang="ko-KR" altLang="en-US" dirty="0" smtClean="0"/>
+              <a:t>외부 </a:t>
+            </a:r>
+            <a:r>
+              <a:rPr lang="en-US" altLang="ko-KR" dirty="0" smtClean="0"/>
+              <a:t>DLL</a:t>
+            </a:r>
+            <a:r>
+              <a:rPr lang="ko-KR" altLang="en-US" dirty="0" smtClean="0"/>
+              <a:t>이나 </a:t>
+            </a:r>
+            <a:r>
+              <a:rPr lang="en-US" altLang="ko-KR" dirty="0" err="1" smtClean="0"/>
+              <a:t>ResourceDictionary</a:t>
+            </a:r>
+            <a:r>
+              <a:rPr lang="en-US" altLang="ko-KR" dirty="0" smtClean="0"/>
+              <a:t> </a:t>
+            </a:r>
+            <a:r>
+              <a:rPr lang="ko-KR" altLang="en-US" dirty="0" smtClean="0"/>
+              <a:t>스타일에서 </a:t>
+            </a:r>
+            <a:r>
+              <a:rPr lang="ko-KR" altLang="en-US" b="1" dirty="0" smtClean="0"/>
+              <a:t>리소스를 찾을 수 없는 경우가 많습니다</a:t>
+            </a:r>
+            <a:r>
+              <a:rPr lang="en-US" altLang="ko-KR" b="1" dirty="0" smtClean="0"/>
+              <a:t>.</a:t>
+            </a:r>
+            <a:r>
+              <a:rPr lang="ko-KR" altLang="en-US" dirty="0" smtClean="0"/>
+              <a:t/>
+            </a:r>
+            <a:br>
+              <a:rPr lang="ko-KR" altLang="en-US" dirty="0" smtClean="0"/>
+            </a:br>
+            <a:r>
+              <a:rPr lang="ko-KR" altLang="en-US" dirty="0" smtClean="0"/>
+              <a:t>그래서 정확히 경로를 지정하기 위해 </a:t>
+            </a:r>
+            <a:r>
+              <a:rPr lang="en-US" altLang="ko-KR" b="1" dirty="0" smtClean="0"/>
+              <a:t>pack://</a:t>
+            </a:r>
+            <a:r>
+              <a:rPr lang="ko-KR" altLang="en-US" b="1" dirty="0" smtClean="0"/>
+              <a:t>로 시작하는 </a:t>
+            </a:r>
+            <a:r>
+              <a:rPr lang="en-US" altLang="ko-KR" b="1" dirty="0" smtClean="0"/>
+              <a:t>URI</a:t>
+            </a:r>
+            <a:r>
+              <a:rPr lang="ko-KR" altLang="en-US" dirty="0" smtClean="0"/>
+              <a:t>를 사용</a:t>
+            </a:r>
+            <a:endParaRPr lang="ko-KR" altLang="en-US" dirty="0"/>
+          </a:p>
+        </p:txBody>
+      </p:sp>
+      <p:sp>
+        <p:nvSpPr>
+          <p:cNvPr id="4" name="슬라이드 번호 개체 틀 3"/>
+          <p:cNvSpPr>
+            <a:spLocks noGrp="1"/>
+          </p:cNvSpPr>
+          <p:nvPr>
+            <p:ph type="sldNum" sz="quarter" idx="10"/>
+          </p:nvPr>
+        </p:nvSpPr>
+        <p:spPr/>
+        <p:txBody>
+          <a:bodyPr/>
+          <a:lstStyle/>
+          <a:p>
+            <a:fld id="{C09E5BFC-1559-42F1-8940-AB342D56BF02}" type="slidenum">
+              <a:rPr lang="ko-KR" altLang="en-US" smtClean="0"/>
+              <a:t>7</a:t>
+            </a:fld>
+            <a:endParaRPr lang="ko-KR" altLang="en-US"/>
+          </a:p>
+        </p:txBody>
+      </p:sp>
+    </p:spTree>
+    <p:extLst>
+      <p:ext uri="{BB962C8B-B14F-4D97-AF65-F5344CB8AC3E}">
+        <p14:creationId xmlns:p14="http://schemas.microsoft.com/office/powerpoint/2010/main" val="3477538877"/>
+      </p:ext>
+    </p:extLst>
+  </p:cSld>
+  <p:clrMapOvr>
+    <a:masterClrMapping/>
+  </p:clrMapOvr>
+</p:notes>
+</file>
+
+<file path=ppt/notesSlides/notesSlide5.xml><?xml version="1.0" encoding="utf-8"?>
+<p:notes xmlns:a="http://schemas.openxmlformats.org/drawingml/2006/main" xmlns:r="http://schemas.openxmlformats.org/officeDocument/2006/relationships" xmlns:p="http://schemas.openxmlformats.org/presentationml/2006/main">
+  <p:cSld>
+    <p:spTree>
+      <p:nvGrpSpPr>
+        <p:cNvPr id="1" name=""/>
+        <p:cNvGrpSpPr/>
+        <p:nvPr/>
+      </p:nvGrpSpPr>
+      <p:grpSpPr>
+        <a:xfrm>
+          <a:off x="0" y="0"/>
+          <a:ext cx="0" cy="0"/>
+          <a:chOff x="0" y="0"/>
+          <a:chExt cx="0" cy="0"/>
+        </a:xfrm>
+      </p:grpSpPr>
+      <p:sp>
+        <p:nvSpPr>
+          <p:cNvPr id="2" name="슬라이드 이미지 개체 틀 1"/>
+          <p:cNvSpPr>
+            <a:spLocks noGrp="1" noRot="1" noChangeAspect="1"/>
+          </p:cNvSpPr>
+          <p:nvPr>
+            <p:ph type="sldImg"/>
+          </p:nvPr>
+        </p:nvSpPr>
+        <p:spPr/>
+      </p:sp>
+      <p:sp>
+        <p:nvSpPr>
+          <p:cNvPr id="3" name="슬라이드 노트 개체 틀 2"/>
+          <p:cNvSpPr>
+            <a:spLocks noGrp="1"/>
+          </p:cNvSpPr>
+          <p:nvPr>
+            <p:ph type="body" idx="1"/>
+          </p:nvPr>
+        </p:nvSpPr>
+        <p:spPr/>
+        <p:txBody>
+          <a:bodyPr/>
+          <a:lstStyle/>
+          <a:p>
+            <a:r>
+              <a:rPr lang="en-US" altLang="ko-KR" dirty="0"/>
+              <a:t>Embedded Resource: </a:t>
+            </a:r>
+            <a:r>
+              <a:rPr lang="ko-KR" altLang="en-US" dirty="0"/>
+              <a:t>주로 데이터 파일</a:t>
+            </a:r>
+            <a:r>
+              <a:rPr lang="en-US" altLang="ko-KR" dirty="0"/>
+              <a:t>, </a:t>
+            </a:r>
+            <a:r>
+              <a:rPr lang="ko-KR" altLang="en-US" dirty="0"/>
+              <a:t>이미지 등 비정적 파일을 어셈블리에 포함시킬 때 사용</a:t>
+            </a:r>
+            <a:r>
+              <a:rPr lang="en-US" altLang="ko-KR" dirty="0"/>
+              <a:t>.</a:t>
+            </a:r>
+          </a:p>
+          <a:p>
+            <a:r>
+              <a:rPr lang="en-US" altLang="ko-KR" dirty="0"/>
+              <a:t>Resource: WPF </a:t>
+            </a:r>
+            <a:r>
+              <a:rPr lang="ko-KR" altLang="en-US" dirty="0"/>
+              <a:t>애플리케이션 내에서 스타일</a:t>
+            </a:r>
+            <a:r>
+              <a:rPr lang="en-US" altLang="ko-KR" dirty="0"/>
+              <a:t>, </a:t>
+            </a:r>
+            <a:r>
+              <a:rPr lang="ko-KR" altLang="en-US" dirty="0"/>
+              <a:t>컨트롤 템플릿 등 </a:t>
+            </a:r>
+            <a:r>
+              <a:rPr lang="en-US" altLang="ko-KR" dirty="0"/>
+              <a:t>UI </a:t>
+            </a:r>
+            <a:r>
+              <a:rPr lang="ko-KR" altLang="en-US" dirty="0"/>
+              <a:t>관련 리소스를 정의할 때 사용</a:t>
+            </a:r>
+            <a:r>
+              <a:rPr lang="en-US" altLang="ko-KR" dirty="0" smtClean="0"/>
+              <a:t>.</a:t>
+            </a:r>
+          </a:p>
+          <a:p>
+            <a:endParaRPr lang="en-US" altLang="ko-KR" dirty="0" smtClean="0"/>
+          </a:p>
+          <a:p>
+            <a:r>
+              <a:rPr lang="en-US" altLang="ko-KR" dirty="0" smtClean="0"/>
+              <a:t>- Build Action</a:t>
+            </a:r>
+          </a:p>
+          <a:p>
+            <a:r>
+              <a:rPr lang="en-US" altLang="ko-KR" dirty="0" smtClean="0"/>
+              <a:t>Visual Studio</a:t>
+            </a:r>
+            <a:r>
+              <a:rPr lang="ko-KR" altLang="en-US" dirty="0" smtClean="0"/>
+              <a:t>에서 </a:t>
+            </a:r>
+            <a:r>
+              <a:rPr lang="ko-KR" altLang="en-US" b="1" dirty="0" smtClean="0"/>
+              <a:t>파일을 프로젝트에 추가했을 때</a:t>
+            </a:r>
+            <a:r>
+              <a:rPr lang="en-US" altLang="ko-KR" dirty="0" smtClean="0"/>
+              <a:t>,</a:t>
+            </a:r>
+            <a:br>
+              <a:rPr lang="en-US" altLang="ko-KR" dirty="0" smtClean="0"/>
+            </a:br>
+            <a:r>
+              <a:rPr lang="ko-KR" altLang="en-US" dirty="0" smtClean="0"/>
+              <a:t>해당 파일을 </a:t>
+            </a:r>
+            <a:r>
+              <a:rPr lang="ko-KR" altLang="en-US" b="1" dirty="0" smtClean="0"/>
+              <a:t>빌드할 때 어떻게 처리할지를 정하는 </a:t>
+            </a:r>
+            <a:r>
+              <a:rPr lang="ko-KR" altLang="en-US" b="1" dirty="0" err="1" smtClean="0"/>
+              <a:t>설정값</a:t>
+            </a:r>
+            <a:endParaRPr lang="en-US" altLang="ko-KR" b="1" dirty="0" smtClean="0"/>
+          </a:p>
+          <a:p>
+            <a:endParaRPr lang="en-US" altLang="ko-KR" b="1" dirty="0" smtClean="0"/>
+          </a:p>
+          <a:p>
+            <a:r>
+              <a:rPr lang="en-US" altLang="ko-KR" dirty="0" smtClean="0"/>
+              <a:t>None</a:t>
+            </a:r>
+          </a:p>
+          <a:p>
+            <a:r>
+              <a:rPr lang="ko-KR" altLang="en-US" dirty="0" smtClean="0"/>
+              <a:t>아무 작업 안 함</a:t>
+            </a:r>
+            <a:r>
+              <a:rPr lang="en-US" altLang="ko-KR" dirty="0" smtClean="0"/>
+              <a:t>. </a:t>
+            </a:r>
+            <a:r>
+              <a:rPr lang="ko-KR" altLang="en-US" dirty="0" smtClean="0"/>
+              <a:t>빌드 대상이 아님</a:t>
+            </a:r>
+            <a:endParaRPr lang="en-US" altLang="ko-KR" dirty="0" smtClean="0"/>
+          </a:p>
+          <a:p>
+            <a:r>
+              <a:rPr lang="ko-KR" altLang="en-US" dirty="0" smtClean="0"/>
+              <a:t>실행 파일에도 포함 ❌</a:t>
+            </a:r>
+            <a:r>
+              <a:rPr lang="en-US" altLang="ko-KR" dirty="0" smtClean="0"/>
+              <a:t>, </a:t>
+            </a:r>
+            <a:r>
+              <a:rPr lang="ko-KR" altLang="en-US" dirty="0" smtClean="0"/>
+              <a:t>복사도 ❌</a:t>
+            </a:r>
+            <a:endParaRPr lang="en-US" altLang="ko-KR" dirty="0" smtClean="0"/>
+          </a:p>
+          <a:p>
+            <a:endParaRPr lang="en-US" altLang="ko-KR" dirty="0" smtClean="0"/>
+          </a:p>
+          <a:p>
+            <a:r>
+              <a:rPr lang="en-US" altLang="ko-KR" dirty="0" smtClean="0"/>
+              <a:t>Embedded Resource</a:t>
+            </a:r>
+          </a:p>
+          <a:p>
+            <a:r>
+              <a:rPr lang="en-US" altLang="ko-KR" dirty="0" smtClean="0"/>
+              <a:t>DLL </a:t>
+            </a:r>
+            <a:r>
+              <a:rPr lang="ko-KR" altLang="en-US" dirty="0" smtClean="0"/>
+              <a:t>또는 </a:t>
+            </a:r>
+            <a:r>
+              <a:rPr lang="en-US" altLang="ko-KR" dirty="0" smtClean="0"/>
+              <a:t>EXE </a:t>
+            </a:r>
+            <a:r>
+              <a:rPr lang="ko-KR" altLang="en-US" dirty="0" smtClean="0"/>
+              <a:t>안에 바이너리로 포함됨 </a:t>
+            </a:r>
+            <a:r>
+              <a:rPr lang="en-US" altLang="ko-KR" dirty="0" smtClean="0"/>
+              <a:t>– WPF </a:t>
+            </a:r>
+            <a:r>
+              <a:rPr lang="ko-KR" altLang="en-US" dirty="0" smtClean="0"/>
+              <a:t>에서 거의 안씀</a:t>
+            </a:r>
+            <a:endParaRPr lang="en-US" altLang="ko-KR" dirty="0" smtClean="0"/>
+          </a:p>
+          <a:p>
+            <a:endParaRPr lang="en-US" altLang="ko-KR" dirty="0" smtClean="0"/>
+          </a:p>
+          <a:p>
+            <a:r>
+              <a:rPr lang="en-US" altLang="ko-KR" dirty="0" smtClean="0"/>
+              <a:t>Resource</a:t>
+            </a:r>
+          </a:p>
+          <a:p>
+            <a:r>
+              <a:rPr lang="en-US" altLang="ko-KR" dirty="0" smtClean="0"/>
+              <a:t>WPF</a:t>
+            </a:r>
+            <a:r>
+              <a:rPr lang="ko-KR" altLang="en-US" dirty="0" smtClean="0"/>
+              <a:t>에서 </a:t>
+            </a:r>
+            <a:r>
+              <a:rPr lang="en-US" altLang="ko-KR" dirty="0" smtClean="0"/>
+              <a:t>XAML </a:t>
+            </a:r>
+            <a:r>
+              <a:rPr lang="ko-KR" altLang="en-US" dirty="0" smtClean="0"/>
+              <a:t>또는 </a:t>
+            </a:r>
+            <a:r>
+              <a:rPr lang="en-US" altLang="ko-KR" dirty="0" smtClean="0"/>
+              <a:t>URI</a:t>
+            </a:r>
+            <a:r>
+              <a:rPr lang="ko-KR" altLang="en-US" dirty="0" smtClean="0"/>
+              <a:t>로 접근 가능한 리소스</a:t>
+            </a:r>
+            <a:endParaRPr lang="en-US" altLang="ko-KR" dirty="0" smtClean="0"/>
+          </a:p>
+          <a:p>
+            <a:r>
+              <a:rPr lang="ko-KR" altLang="en-US" dirty="0" smtClean="0"/>
+              <a:t>실행 파일 또는 </a:t>
+            </a:r>
+            <a:r>
+              <a:rPr lang="en-US" altLang="ko-KR" dirty="0" smtClean="0"/>
+              <a:t>DLL </a:t>
+            </a:r>
+            <a:r>
+              <a:rPr lang="ko-KR" altLang="en-US" dirty="0" smtClean="0"/>
+              <a:t>안에 포함됨</a:t>
+            </a:r>
+            <a:endParaRPr lang="ko-KR" altLang="en-US" dirty="0"/>
+          </a:p>
+        </p:txBody>
+      </p:sp>
+      <p:sp>
+        <p:nvSpPr>
+          <p:cNvPr id="4" name="슬라이드 번호 개체 틀 3"/>
+          <p:cNvSpPr>
+            <a:spLocks noGrp="1"/>
+          </p:cNvSpPr>
+          <p:nvPr>
+            <p:ph type="sldNum" sz="quarter" idx="5"/>
+          </p:nvPr>
+        </p:nvSpPr>
+        <p:spPr/>
+        <p:txBody>
+          <a:bodyPr/>
+          <a:lstStyle/>
+          <a:p>
+            <a:fld id="{C09E5BFC-1559-42F1-8940-AB342D56BF02}" type="slidenum">
+              <a:rPr lang="ko-KR" altLang="en-US" smtClean="0"/>
+              <a:t>8</a:t>
+            </a:fld>
+            <a:endParaRPr lang="ko-KR" altLang="en-US"/>
+          </a:p>
+        </p:txBody>
+      </p:sp>
+    </p:spTree>
+    <p:extLst>
+      <p:ext uri="{BB962C8B-B14F-4D97-AF65-F5344CB8AC3E}">
+        <p14:creationId xmlns:p14="http://schemas.microsoft.com/office/powerpoint/2010/main" val="3115622358"/>
+      </p:ext>
+    </p:extLst>
+  </p:cSld>
+  <p:clrMapOvr>
+    <a:masterClrMapping/>
+  </p:clrMapOvr>
+</p:notes>
+</file>
+
+<file path=ppt/notesSlides/notesSlide6.xml><?xml version="1.0" encoding="utf-8"?>
+<p:notes xmlns:a="http://schemas.openxmlformats.org/drawingml/2006/main" xmlns:r="http://schemas.openxmlformats.org/officeDocument/2006/relationships" xmlns:p="http://schemas.openxmlformats.org/presentationml/2006/main">
+  <p:cSld>
+    <p:spTree>
+      <p:nvGrpSpPr>
+        <p:cNvPr id="1" name=""/>
+        <p:cNvGrpSpPr/>
+        <p:nvPr/>
+      </p:nvGrpSpPr>
+      <p:grpSpPr>
+        <a:xfrm>
+          <a:off x="0" y="0"/>
+          <a:ext cx="0" cy="0"/>
+          <a:chOff x="0" y="0"/>
+          <a:chExt cx="0" cy="0"/>
+        </a:xfrm>
+      </p:grpSpPr>
+      <p:sp>
+        <p:nvSpPr>
+          <p:cNvPr id="2" name="슬라이드 이미지 개체 틀 1"/>
+          <p:cNvSpPr>
+            <a:spLocks noGrp="1" noRot="1" noChangeAspect="1"/>
+          </p:cNvSpPr>
+          <p:nvPr>
+            <p:ph type="sldImg"/>
+          </p:nvPr>
+        </p:nvSpPr>
+        <p:spPr/>
+      </p:sp>
+      <p:sp>
+        <p:nvSpPr>
+          <p:cNvPr id="3" name="슬라이드 노트 개체 틀 2"/>
+          <p:cNvSpPr>
+            <a:spLocks noGrp="1"/>
+          </p:cNvSpPr>
+          <p:nvPr>
+            <p:ph type="body" idx="1"/>
+          </p:nvPr>
+        </p:nvSpPr>
+        <p:spPr/>
+        <p:txBody>
+          <a:bodyPr/>
+          <a:lstStyle/>
+          <a:p>
+            <a:endParaRPr lang="ko-KR" altLang="en-US" dirty="0"/>
+          </a:p>
+        </p:txBody>
+      </p:sp>
+      <p:sp>
+        <p:nvSpPr>
+          <p:cNvPr id="4" name="슬라이드 번호 개체 틀 3"/>
+          <p:cNvSpPr>
+            <a:spLocks noGrp="1"/>
+          </p:cNvSpPr>
+          <p:nvPr>
+            <p:ph type="sldNum" sz="quarter" idx="10"/>
+          </p:nvPr>
+        </p:nvSpPr>
+        <p:spPr/>
+        <p:txBody>
+          <a:bodyPr/>
+          <a:lstStyle/>
+          <a:p>
+            <a:fld id="{C09E5BFC-1559-42F1-8940-AB342D56BF02}" type="slidenum">
+              <a:rPr lang="ko-KR" altLang="en-US" smtClean="0"/>
+              <a:t>9</a:t>
+            </a:fld>
+            <a:endParaRPr lang="ko-KR" altLang="en-US"/>
+          </a:p>
+        </p:txBody>
+      </p:sp>
+    </p:spTree>
+    <p:extLst>
+      <p:ext uri="{BB962C8B-B14F-4D97-AF65-F5344CB8AC3E}">
+        <p14:creationId xmlns:p14="http://schemas.microsoft.com/office/powerpoint/2010/main" val="1450777556"/>
+      </p:ext>
+    </p:extLst>
+  </p:cSld>
+  <p:clrMapOvr>
+    <a:masterClrMapping/>
+  </p:clrMapOvr>
+</p:notes>
+</file>
+
+<file path=ppt/notesSlides/notesSlide7.xml><?xml version="1.0" encoding="utf-8"?>
+<p:notes xmlns:a="http://schemas.openxmlformats.org/drawingml/2006/main" xmlns:r="http://schemas.openxmlformats.org/officeDocument/2006/relationships" xmlns:p="http://schemas.openxmlformats.org/presentationml/2006/main">
+  <p:cSld>
+    <p:spTree>
+      <p:nvGrpSpPr>
+        <p:cNvPr id="1" name=""/>
+        <p:cNvGrpSpPr/>
+        <p:nvPr/>
+      </p:nvGrpSpPr>
+      <p:grpSpPr>
+        <a:xfrm>
+          <a:off x="0" y="0"/>
+          <a:ext cx="0" cy="0"/>
+          <a:chOff x="0" y="0"/>
+          <a:chExt cx="0" cy="0"/>
+        </a:xfrm>
+      </p:grpSpPr>
+      <p:sp>
+        <p:nvSpPr>
+          <p:cNvPr id="2" name="슬라이드 이미지 개체 틀 1"/>
+          <p:cNvSpPr>
+            <a:spLocks noGrp="1" noRot="1" noChangeAspect="1"/>
+          </p:cNvSpPr>
+          <p:nvPr>
+            <p:ph type="sldImg"/>
+          </p:nvPr>
+        </p:nvSpPr>
+        <p:spPr/>
+      </p:sp>
+      <p:sp>
+        <p:nvSpPr>
+          <p:cNvPr id="3" name="슬라이드 노트 개체 틀 2"/>
+          <p:cNvSpPr>
+            <a:spLocks noGrp="1"/>
+          </p:cNvSpPr>
+          <p:nvPr>
+            <p:ph type="body" idx="1"/>
+          </p:nvPr>
+        </p:nvSpPr>
+        <p:spPr/>
+        <p:txBody>
+          <a:bodyPr/>
+          <a:lstStyle/>
+          <a:p>
+            <a:endParaRPr lang="ko-KR" altLang="en-US" dirty="0"/>
+          </a:p>
+        </p:txBody>
+      </p:sp>
+      <p:sp>
+        <p:nvSpPr>
+          <p:cNvPr id="4" name="슬라이드 번호 개체 틀 3"/>
+          <p:cNvSpPr>
+            <a:spLocks noGrp="1"/>
+          </p:cNvSpPr>
+          <p:nvPr>
+            <p:ph type="sldNum" sz="quarter" idx="10"/>
+          </p:nvPr>
+        </p:nvSpPr>
+        <p:spPr/>
+        <p:txBody>
+          <a:bodyPr/>
+          <a:lstStyle/>
+          <a:p>
+            <a:fld id="{C09E5BFC-1559-42F1-8940-AB342D56BF02}" type="slidenum">
+              <a:rPr lang="ko-KR" altLang="en-US" smtClean="0"/>
+              <a:t>13</a:t>
+            </a:fld>
+            <a:endParaRPr lang="ko-KR" altLang="en-US"/>
+          </a:p>
+        </p:txBody>
+      </p:sp>
+    </p:spTree>
+    <p:extLst>
+      <p:ext uri="{BB962C8B-B14F-4D97-AF65-F5344CB8AC3E}">
+        <p14:creationId xmlns:p14="http://schemas.microsoft.com/office/powerpoint/2010/main" val="3705854966"/>
+      </p:ext>
+    </p:extLst>
+  </p:cSld>
+  <p:clrMapOvr>
+    <a:masterClrMapping/>
+  </p:clrMapOvr>
+</p:notes>
+</file>
+
+<file path=ppt/notesSlides/notesSlide8.xml><?xml version="1.0" encoding="utf-8"?>
+<p:notes xmlns:a="http://schemas.openxmlformats.org/drawingml/2006/main" xmlns:r="http://schemas.openxmlformats.org/officeDocument/2006/relationships" xmlns:p="http://schemas.openxmlformats.org/presentationml/2006/main">
+  <p:cSld>
+    <p:spTree>
+      <p:nvGrpSpPr>
+        <p:cNvPr id="1" name=""/>
+        <p:cNvGrpSpPr/>
+        <p:nvPr/>
+      </p:nvGrpSpPr>
+      <p:grpSpPr>
+        <a:xfrm>
+          <a:off x="0" y="0"/>
+          <a:ext cx="0" cy="0"/>
+          <a:chOff x="0" y="0"/>
+          <a:chExt cx="0" cy="0"/>
+        </a:xfrm>
+      </p:grpSpPr>
+      <p:sp>
+        <p:nvSpPr>
+          <p:cNvPr id="2" name="슬라이드 이미지 개체 틀 1"/>
+          <p:cNvSpPr>
+            <a:spLocks noGrp="1" noRot="1" noChangeAspect="1"/>
+          </p:cNvSpPr>
+          <p:nvPr>
+            <p:ph type="sldImg"/>
+          </p:nvPr>
+        </p:nvSpPr>
+        <p:spPr/>
+      </p:sp>
+      <p:sp>
+        <p:nvSpPr>
+          <p:cNvPr id="3" name="슬라이드 노트 개체 틀 2"/>
+          <p:cNvSpPr>
+            <a:spLocks noGrp="1"/>
+          </p:cNvSpPr>
+          <p:nvPr>
+            <p:ph type="body" idx="1"/>
+          </p:nvPr>
+        </p:nvSpPr>
+        <p:spPr/>
+        <p:txBody>
+          <a:bodyPr/>
+          <a:lstStyle/>
+          <a:p>
+            <a:r>
+              <a:rPr lang="ko-KR" altLang="en-US" dirty="0" smtClean="0"/>
+              <a:t>학생들이 자주 쓰는 </a:t>
+            </a:r>
+            <a:r>
+              <a:rPr lang="en-US" altLang="ko-KR" dirty="0" smtClean="0"/>
+              <a:t>"</a:t>
+            </a:r>
+            <a:r>
+              <a:rPr lang="en-US" altLang="ko-KR" dirty="0" err="1" smtClean="0"/>
+              <a:t>AutoGenerateColumns</a:t>
+            </a:r>
+            <a:r>
+              <a:rPr lang="en-US" altLang="ko-KR" dirty="0" smtClean="0"/>
+              <a:t> = True" </a:t>
+            </a:r>
+            <a:r>
+              <a:rPr lang="ko-KR" altLang="en-US" dirty="0" smtClean="0"/>
+              <a:t>자동 열 생성 방식 대신</a:t>
+            </a:r>
+            <a:r>
+              <a:rPr lang="en-US" altLang="ko-KR" dirty="0" smtClean="0"/>
+              <a:t>,</a:t>
+            </a:r>
+            <a:br>
+              <a:rPr lang="en-US" altLang="ko-KR" dirty="0" smtClean="0"/>
+            </a:br>
+            <a:r>
+              <a:rPr lang="ko-KR" altLang="en-US" b="1" dirty="0" err="1" smtClean="0"/>
+              <a:t>커스텀</a:t>
+            </a:r>
+            <a:r>
+              <a:rPr lang="ko-KR" altLang="en-US" b="1" dirty="0" smtClean="0"/>
+              <a:t> 컬럼 헤더를 수동으로 구성하는 법</a:t>
+            </a:r>
+            <a:r>
+              <a:rPr lang="ko-KR" altLang="en-US" dirty="0" smtClean="0"/>
+              <a:t>을 보여주고 있어요</a:t>
+            </a:r>
+            <a:r>
+              <a:rPr lang="en-US" altLang="ko-KR" dirty="0" smtClean="0"/>
+              <a:t>.</a:t>
+            </a:r>
+            <a:endParaRPr lang="ko-KR" altLang="en-US" dirty="0"/>
+          </a:p>
+        </p:txBody>
+      </p:sp>
+      <p:sp>
+        <p:nvSpPr>
+          <p:cNvPr id="4" name="슬라이드 번호 개체 틀 3"/>
+          <p:cNvSpPr>
+            <a:spLocks noGrp="1"/>
+          </p:cNvSpPr>
+          <p:nvPr>
+            <p:ph type="sldNum" sz="quarter" idx="10"/>
+          </p:nvPr>
+        </p:nvSpPr>
+        <p:spPr/>
+        <p:txBody>
+          <a:bodyPr/>
+          <a:lstStyle/>
+          <a:p>
+            <a:fld id="{C09E5BFC-1559-42F1-8940-AB342D56BF02}" type="slidenum">
+              <a:rPr lang="ko-KR" altLang="en-US" smtClean="0"/>
+              <a:t>15</a:t>
+            </a:fld>
+            <a:endParaRPr lang="ko-KR" altLang="en-US"/>
+          </a:p>
+        </p:txBody>
+      </p:sp>
+    </p:spTree>
+    <p:extLst>
+      <p:ext uri="{BB962C8B-B14F-4D97-AF65-F5344CB8AC3E}">
+        <p14:creationId xmlns:p14="http://schemas.microsoft.com/office/powerpoint/2010/main" val="3844026903"/>
       </p:ext>
     </p:extLst>
   </p:cSld>
@@ -908,7 +2323,7 @@
           <a:p>
             <a:fld id="{442BEE3F-2E9A-4FD8-8B8A-8619F3E161C0}" type="datetime1">
               <a:rPr lang="ko-KR" altLang="en-US" smtClean="0"/>
-              <a:t>2025-05-19</a:t>
+              <a:t>2025-05-22</a:t>
             </a:fld>
             <a:endParaRPr lang="ko-KR" altLang="en-US"/>
           </a:p>
@@ -1094,7 +2509,7 @@
           <a:p>
             <a:fld id="{2EAE422B-0E68-47B5-84BB-CA2BDA8EE46C}" type="datetime1">
               <a:rPr lang="ko-KR" altLang="en-US" smtClean="0"/>
-              <a:t>2025-05-19</a:t>
+              <a:t>2025-05-22</a:t>
             </a:fld>
             <a:endParaRPr lang="ko-KR" altLang="en-US"/>
           </a:p>
@@ -1302,7 +2717,7 @@
           <a:p>
             <a:fld id="{AF7C623F-179B-417F-99B6-50F6DF228D4B}" type="datetime1">
               <a:rPr lang="ko-KR" altLang="en-US" smtClean="0"/>
-              <a:t>2025-05-19</a:t>
+              <a:t>2025-05-22</a:t>
             </a:fld>
             <a:endParaRPr lang="ko-KR" altLang="en-US"/>
           </a:p>
@@ -1544,7 +2959,7 @@
           <a:p>
             <a:fld id="{0F78D9C4-20C1-4B15-A116-16DC77AD9A1E}" type="datetime1">
               <a:rPr lang="ko-KR" altLang="en-US" smtClean="0"/>
-              <a:t>2025-05-19</a:t>
+              <a:t>2025-05-22</a:t>
             </a:fld>
             <a:endParaRPr lang="ko-KR" altLang="en-US"/>
           </a:p>
@@ -1819,7 +3234,7 @@
           <a:p>
             <a:fld id="{C7F43723-C509-4DEA-8428-B50818F79709}" type="datetime1">
               <a:rPr lang="ko-KR" altLang="en-US" smtClean="0"/>
-              <a:t>2025-05-19</a:t>
+              <a:t>2025-05-22</a:t>
             </a:fld>
             <a:endParaRPr lang="ko-KR" altLang="en-US"/>
           </a:p>
@@ -2084,7 +3499,7 @@
           <a:p>
             <a:fld id="{5D2B7482-EE74-4DBD-97F4-D0DAC0C0E4E5}" type="datetime1">
               <a:rPr lang="ko-KR" altLang="en-US" smtClean="0"/>
-              <a:t>2025-05-19</a:t>
+              <a:t>2025-05-22</a:t>
             </a:fld>
             <a:endParaRPr lang="ko-KR" altLang="en-US"/>
           </a:p>
@@ -2497,7 +3912,7 @@
           <a:p>
             <a:fld id="{051A8C49-CED7-4A86-9B4A-621D7F62EE92}" type="datetime1">
               <a:rPr lang="ko-KR" altLang="en-US" smtClean="0"/>
-              <a:t>2025-05-19</a:t>
+              <a:t>2025-05-22</a:t>
             </a:fld>
             <a:endParaRPr lang="ko-KR" altLang="en-US"/>
           </a:p>
@@ -2644,7 +4059,7 @@
           <a:p>
             <a:fld id="{84082D76-7079-412D-848B-E1B9E7A6A286}" type="datetime1">
               <a:rPr lang="ko-KR" altLang="en-US" smtClean="0"/>
-              <a:t>2025-05-19</a:t>
+              <a:t>2025-05-22</a:t>
             </a:fld>
             <a:endParaRPr lang="ko-KR" altLang="en-US"/>
           </a:p>
@@ -2757,7 +4172,7 @@
           <a:p>
             <a:fld id="{10C5FEB5-5F88-4F49-9108-1795E314F09F}" type="datetime1">
               <a:rPr lang="ko-KR" altLang="en-US" smtClean="0"/>
-              <a:t>2025-05-19</a:t>
+              <a:t>2025-05-22</a:t>
             </a:fld>
             <a:endParaRPr lang="ko-KR" altLang="en-US"/>
           </a:p>
@@ -3068,7 +4483,7 @@
           <a:p>
             <a:fld id="{E37ABBEE-D8D4-48AD-9887-4DC578B8A684}" type="datetime1">
               <a:rPr lang="ko-KR" altLang="en-US" smtClean="0"/>
-              <a:t>2025-05-19</a:t>
+              <a:t>2025-05-22</a:t>
             </a:fld>
             <a:endParaRPr lang="ko-KR" altLang="en-US"/>
           </a:p>
@@ -3359,7 +4774,7 @@
           <a:p>
             <a:fld id="{A2D6A55C-F3DD-45DD-9D50-F8680410167D}" type="datetime1">
               <a:rPr lang="ko-KR" altLang="en-US" smtClean="0"/>
-              <a:t>2025-05-19</a:t>
+              <a:t>2025-05-22</a:t>
             </a:fld>
             <a:endParaRPr lang="ko-KR" altLang="en-US"/>
           </a:p>
@@ -3603,7 +5018,7 @@
             <a:fld id="{7F5E23C3-0E3D-4E4E-8486-D7FB4C073DC1}" type="datetime1">
               <a:rPr lang="ko-KR" altLang="en-US" smtClean="0"/>
               <a:pPr/>
-              <a:t>2025-05-19</a:t>
+              <a:t>2025-05-22</a:t>
             </a:fld>
             <a:endParaRPr lang="ko-KR" altLang="en-US" dirty="0"/>
           </a:p>
@@ -4067,34 +5482,51 @@
           <p:cNvPr id="2" name="제목 1">
             <a:extLst>
               <a:ext uri="{FF2B5EF4-FFF2-40B4-BE49-F238E27FC236}">
-                <a16:creationId xmlns:a16="http://schemas.microsoft.com/office/drawing/2014/main" id="{FF6F4E9B-7388-97E9-9E63-C391980784FE}"/>
-              </a:ext>
-            </a:extLst>
-          </p:cNvPr>
-          <p:cNvSpPr>
-            <a:spLocks noGrp="1"/>
-          </p:cNvSpPr>
-          <p:nvPr>
-            <p:ph type="title"/>
-          </p:nvPr>
-        </p:nvSpPr>
-        <p:spPr/>
-        <p:txBody>
-          <a:bodyPr/>
-          <a:lstStyle/>
-          <a:p>
-            <a:r>
-              <a:rPr lang="ko-KR" altLang="en-US"/>
+                <a16:creationId xmlns:a16="http://schemas.microsoft.com/office/drawing/2014/main" id="{5CB49C79-8DE4-4842-D1E6-927CDD6D4464}"/>
+              </a:ext>
+            </a:extLst>
+          </p:cNvPr>
+          <p:cNvSpPr>
+            <a:spLocks noGrp="1"/>
+          </p:cNvSpPr>
+          <p:nvPr>
+            <p:ph type="ctrTitle"/>
+          </p:nvPr>
+        </p:nvSpPr>
+        <p:spPr>
+          <a:xfrm>
+            <a:off x="3065599" y="2864795"/>
+            <a:ext cx="6060801" cy="974422"/>
+          </a:xfrm>
+        </p:spPr>
+        <p:txBody>
+          <a:bodyPr>
+            <a:noAutofit/>
+          </a:bodyPr>
+          <a:lstStyle/>
+          <a:p>
+            <a:pPr>
+              <a:lnSpc>
+                <a:spcPct val="150000"/>
+              </a:lnSpc>
+            </a:pPr>
+            <a:r>
+              <a:rPr lang="ko-KR" altLang="en-US" dirty="0" err="1" smtClean="0"/>
               <a:t>도구상자</a:t>
             </a:r>
             <a:r>
-              <a:rPr lang="en-US" altLang="ko-KR"/>
-              <a:t> - </a:t>
-            </a:r>
-            <a:r>
-              <a:rPr lang="ko-KR" altLang="en-US"/>
-              <a:t>이미지</a:t>
-            </a:r>
+              <a:rPr lang="ko-KR" altLang="en-US" dirty="0" smtClean="0"/>
+              <a:t> </a:t>
+            </a:r>
+            <a:r>
+              <a:rPr lang="en-US" altLang="ko-KR" dirty="0" smtClean="0"/>
+              <a:t>- </a:t>
+            </a:r>
+            <a:r>
+              <a:rPr lang="ko-KR" altLang="en-US" dirty="0" smtClean="0"/>
+              <a:t>심화</a:t>
+            </a:r>
+            <a:endParaRPr lang="ko-KR" altLang="en-US" dirty="0"/>
           </a:p>
         </p:txBody>
       </p:sp>
@@ -4103,7 +5535,7 @@
           <p:cNvPr id="4" name="날짜 개체 틀 3">
             <a:extLst>
               <a:ext uri="{FF2B5EF4-FFF2-40B4-BE49-F238E27FC236}">
-                <a16:creationId xmlns:a16="http://schemas.microsoft.com/office/drawing/2014/main" id="{3D63D705-7C15-33E0-BE4F-6DB21E173FA3}"/>
+                <a16:creationId xmlns:a16="http://schemas.microsoft.com/office/drawing/2014/main" id="{20223B3B-2FCF-58AF-BC81-E9824EB6B19E}"/>
               </a:ext>
             </a:extLst>
           </p:cNvPr>
@@ -4119,9 +5551,9 @@
           <a:bodyPr/>
           <a:lstStyle/>
           <a:p>
-            <a:fld id="{0F78D9C4-20C1-4B15-A116-16DC77AD9A1E}" type="datetime1">
+            <a:fld id="{2E2BEDFA-D8AA-4914-9440-7DF713C99FA9}" type="datetime1">
               <a:rPr lang="ko-KR" altLang="en-US" smtClean="0"/>
-              <a:t>2025-05-19</a:t>
+              <a:t>2025-05-22</a:t>
             </a:fld>
             <a:endParaRPr lang="ko-KR" altLang="en-US"/>
           </a:p>
@@ -4129,10 +5561,10 @@
       </p:sp>
       <p:sp>
         <p:nvSpPr>
-          <p:cNvPr id="5" name="슬라이드 번호 개체 틀 4">
-            <a:extLst>
-              <a:ext uri="{FF2B5EF4-FFF2-40B4-BE49-F238E27FC236}">
-                <a16:creationId xmlns:a16="http://schemas.microsoft.com/office/drawing/2014/main" id="{236BE420-8F8C-85E9-FF1E-568D045CF6EF}"/>
+          <p:cNvPr id="6" name="슬라이드 번호 개체 틀 5">
+            <a:extLst>
+              <a:ext uri="{FF2B5EF4-FFF2-40B4-BE49-F238E27FC236}">
+                <a16:creationId xmlns:a16="http://schemas.microsoft.com/office/drawing/2014/main" id="{AC7112DC-52CD-A148-06F6-6813E1A67427}"/>
               </a:ext>
             </a:extLst>
           </p:cNvPr>
@@ -4156,247 +5588,10 @@
           </a:p>
         </p:txBody>
       </p:sp>
-      <p:pic>
-        <p:nvPicPr>
-          <p:cNvPr id="6" name="그림 5">
-            <a:extLst>
-              <a:ext uri="{FF2B5EF4-FFF2-40B4-BE49-F238E27FC236}">
-                <a16:creationId xmlns:a16="http://schemas.microsoft.com/office/drawing/2014/main" id="{98FFFFCB-4C5A-6D8F-9AA3-F46C250A8EFA}"/>
-              </a:ext>
-            </a:extLst>
-          </p:cNvPr>
-          <p:cNvPicPr>
-            <a:picLocks noChangeAspect="1"/>
-          </p:cNvPicPr>
-          <p:nvPr/>
-        </p:nvPicPr>
-        <p:blipFill>
-          <a:blip r:embed="rId2"/>
-          <a:stretch>
-            <a:fillRect/>
-          </a:stretch>
-        </p:blipFill>
-        <p:spPr>
-          <a:xfrm>
-            <a:off x="559789" y="2085815"/>
-            <a:ext cx="2448267" cy="2600688"/>
-          </a:xfrm>
-          <a:prstGeom prst="rect">
-            <a:avLst/>
-          </a:prstGeom>
-        </p:spPr>
-      </p:pic>
-      <p:sp>
-        <p:nvSpPr>
-          <p:cNvPr id="7" name="TextBox 6">
-            <a:extLst>
-              <a:ext uri="{FF2B5EF4-FFF2-40B4-BE49-F238E27FC236}">
-                <a16:creationId xmlns:a16="http://schemas.microsoft.com/office/drawing/2014/main" id="{13C65611-A061-9051-E750-BB48F5C7B009}"/>
-              </a:ext>
-            </a:extLst>
-          </p:cNvPr>
-          <p:cNvSpPr txBox="1"/>
-          <p:nvPr/>
-        </p:nvSpPr>
-        <p:spPr>
-          <a:xfrm>
-            <a:off x="542236" y="4781320"/>
-            <a:ext cx="2483372" cy="369332"/>
-          </a:xfrm>
-          <a:prstGeom prst="rect">
-            <a:avLst/>
-          </a:prstGeom>
-          <a:noFill/>
-        </p:spPr>
-        <p:txBody>
-          <a:bodyPr wrap="none" rtlCol="0">
-            <a:spAutoFit/>
-          </a:bodyPr>
-          <a:lstStyle/>
-          <a:p>
-            <a:r>
-              <a:rPr lang="ko-KR" altLang="en-US"/>
-              <a:t>이미지를 표시하는데 사용</a:t>
-            </a:r>
-          </a:p>
-        </p:txBody>
-      </p:sp>
-      <p:pic>
-        <p:nvPicPr>
-          <p:cNvPr id="20" name="그림 19">
-            <a:extLst>
-              <a:ext uri="{FF2B5EF4-FFF2-40B4-BE49-F238E27FC236}">
-                <a16:creationId xmlns:a16="http://schemas.microsoft.com/office/drawing/2014/main" id="{6F91286F-8AA8-1DBA-2381-425FF5E81AF9}"/>
-              </a:ext>
-            </a:extLst>
-          </p:cNvPr>
-          <p:cNvPicPr>
-            <a:picLocks noChangeAspect="1"/>
-          </p:cNvPicPr>
-          <p:nvPr/>
-        </p:nvPicPr>
-        <p:blipFill>
-          <a:blip r:embed="rId3"/>
-          <a:stretch>
-            <a:fillRect/>
-          </a:stretch>
-        </p:blipFill>
-        <p:spPr>
-          <a:xfrm>
-            <a:off x="3680041" y="3919187"/>
-            <a:ext cx="2629267" cy="1724266"/>
-          </a:xfrm>
-          <a:prstGeom prst="rect">
-            <a:avLst/>
-          </a:prstGeom>
-        </p:spPr>
-      </p:pic>
-      <p:cxnSp>
-        <p:nvCxnSpPr>
-          <p:cNvPr id="22" name="직선 연결선 21">
-            <a:extLst>
-              <a:ext uri="{FF2B5EF4-FFF2-40B4-BE49-F238E27FC236}">
-                <a16:creationId xmlns:a16="http://schemas.microsoft.com/office/drawing/2014/main" id="{1750827E-4188-EFBF-C7C8-A7DCE84E3EB6}"/>
-              </a:ext>
-            </a:extLst>
-          </p:cNvPr>
-          <p:cNvCxnSpPr/>
-          <p:nvPr/>
-        </p:nvCxnSpPr>
-        <p:spPr>
-          <a:xfrm>
-            <a:off x="4131325" y="5199961"/>
-            <a:ext cx="627961" cy="0"/>
-          </a:xfrm>
-          <a:prstGeom prst="line">
-            <a:avLst/>
-          </a:prstGeom>
-        </p:spPr>
-        <p:style>
-          <a:lnRef idx="3">
-            <a:schemeClr val="accent2"/>
-          </a:lnRef>
-          <a:fillRef idx="0">
-            <a:schemeClr val="accent2"/>
-          </a:fillRef>
-          <a:effectRef idx="2">
-            <a:schemeClr val="accent2"/>
-          </a:effectRef>
-          <a:fontRef idx="minor">
-            <a:schemeClr val="tx1"/>
-          </a:fontRef>
-        </p:style>
-      </p:cxnSp>
-      <p:pic>
-        <p:nvPicPr>
-          <p:cNvPr id="24" name="그림 23">
-            <a:extLst>
-              <a:ext uri="{FF2B5EF4-FFF2-40B4-BE49-F238E27FC236}">
-                <a16:creationId xmlns:a16="http://schemas.microsoft.com/office/drawing/2014/main" id="{A5966DD1-9F48-D58A-24C7-45C145AD6544}"/>
-              </a:ext>
-            </a:extLst>
-          </p:cNvPr>
-          <p:cNvPicPr>
-            <a:picLocks noChangeAspect="1"/>
-          </p:cNvPicPr>
-          <p:nvPr/>
-        </p:nvPicPr>
-        <p:blipFill>
-          <a:blip r:embed="rId4"/>
-          <a:stretch>
-            <a:fillRect/>
-          </a:stretch>
-        </p:blipFill>
-        <p:spPr>
-          <a:xfrm>
-            <a:off x="3328410" y="1421176"/>
-            <a:ext cx="7956665" cy="4568041"/>
-          </a:xfrm>
-          <a:prstGeom prst="rect">
-            <a:avLst/>
-          </a:prstGeom>
-        </p:spPr>
-      </p:pic>
-      <p:cxnSp>
-        <p:nvCxnSpPr>
-          <p:cNvPr id="26" name="직선 화살표 연결선 25">
-            <a:extLst>
-              <a:ext uri="{FF2B5EF4-FFF2-40B4-BE49-F238E27FC236}">
-                <a16:creationId xmlns:a16="http://schemas.microsoft.com/office/drawing/2014/main" id="{A3A3D15D-2C13-901F-9CA4-6BC982B76341}"/>
-              </a:ext>
-            </a:extLst>
-          </p:cNvPr>
-          <p:cNvCxnSpPr>
-            <a:cxnSpLocks/>
-          </p:cNvCxnSpPr>
-          <p:nvPr/>
-        </p:nvCxnSpPr>
-        <p:spPr>
-          <a:xfrm>
-            <a:off x="5420299" y="3573423"/>
-            <a:ext cx="4028501" cy="1113080"/>
-          </a:xfrm>
-          <a:prstGeom prst="straightConnector1">
-            <a:avLst/>
-          </a:prstGeom>
-          <a:ln>
-            <a:tailEnd type="triangle"/>
-          </a:ln>
-        </p:spPr>
-        <p:style>
-          <a:lnRef idx="3">
-            <a:schemeClr val="accent2"/>
-          </a:lnRef>
-          <a:fillRef idx="0">
-            <a:schemeClr val="accent2"/>
-          </a:fillRef>
-          <a:effectRef idx="2">
-            <a:schemeClr val="accent2"/>
-          </a:effectRef>
-          <a:fontRef idx="minor">
-            <a:schemeClr val="tx1"/>
-          </a:fontRef>
-        </p:style>
-      </p:cxnSp>
-      <p:sp>
-        <p:nvSpPr>
-          <p:cNvPr id="27" name="TextBox 26">
-            <a:extLst>
-              <a:ext uri="{FF2B5EF4-FFF2-40B4-BE49-F238E27FC236}">
-                <a16:creationId xmlns:a16="http://schemas.microsoft.com/office/drawing/2014/main" id="{ED9F7672-A06C-0DD7-BF44-798D096F74B0}"/>
-              </a:ext>
-            </a:extLst>
-          </p:cNvPr>
-          <p:cNvSpPr txBox="1"/>
-          <p:nvPr/>
-        </p:nvSpPr>
-        <p:spPr>
-          <a:xfrm>
-            <a:off x="6514188" y="4054403"/>
-            <a:ext cx="780983" cy="369332"/>
-          </a:xfrm>
-          <a:prstGeom prst="rect">
-            <a:avLst/>
-          </a:prstGeom>
-          <a:noFill/>
-        </p:spPr>
-        <p:txBody>
-          <a:bodyPr wrap="none" rtlCol="0">
-            <a:spAutoFit/>
-          </a:bodyPr>
-          <a:lstStyle/>
-          <a:p>
-            <a:r>
-              <a:rPr lang="ko-KR" altLang="en-US"/>
-              <a:t>드래그</a:t>
-            </a:r>
-          </a:p>
-        </p:txBody>
-      </p:sp>
     </p:spTree>
     <p:extLst>
       <p:ext uri="{BB962C8B-B14F-4D97-AF65-F5344CB8AC3E}">
-        <p14:creationId xmlns:p14="http://schemas.microsoft.com/office/powerpoint/2010/main" val="1418886457"/>
+        <p14:creationId xmlns:p14="http://schemas.microsoft.com/office/powerpoint/2010/main" val="126048645"/>
       </p:ext>
     </p:extLst>
   </p:cSld>
@@ -4461,42 +5656,6 @@
       </p:sp>
       <p:sp>
         <p:nvSpPr>
-          <p:cNvPr id="8" name="내용 개체 틀 7">
-            <a:extLst>
-              <a:ext uri="{FF2B5EF4-FFF2-40B4-BE49-F238E27FC236}">
-                <a16:creationId xmlns:a16="http://schemas.microsoft.com/office/drawing/2014/main" id="{F38B58EF-EFE1-CD74-A87B-94F17C1D73E0}"/>
-              </a:ext>
-            </a:extLst>
-          </p:cNvPr>
-          <p:cNvSpPr>
-            <a:spLocks noGrp="1"/>
-          </p:cNvSpPr>
-          <p:nvPr>
-            <p:ph idx="1"/>
-          </p:nvPr>
-        </p:nvSpPr>
-        <p:spPr/>
-        <p:txBody>
-          <a:bodyPr/>
-          <a:lstStyle/>
-          <a:p>
-            <a:r>
-              <a:rPr lang="en-US" altLang="ko-KR" dirty="0" err="1"/>
-              <a:t>xaml</a:t>
-            </a:r>
-            <a:r>
-              <a:rPr lang="en-US" altLang="ko-KR" dirty="0"/>
-              <a:t> </a:t>
-            </a:r>
-            <a:r>
-              <a:rPr lang="ko-KR" altLang="en-US" dirty="0"/>
-              <a:t>코드에서 변경하기</a:t>
-            </a:r>
-          </a:p>
-        </p:txBody>
-      </p:sp>
-      <p:sp>
-        <p:nvSpPr>
           <p:cNvPr id="4" name="날짜 개체 틀 3">
             <a:extLst>
               <a:ext uri="{FF2B5EF4-FFF2-40B4-BE49-F238E27FC236}">
@@ -4518,7 +5677,7 @@
           <a:p>
             <a:fld id="{0F78D9C4-20C1-4B15-A116-16DC77AD9A1E}" type="datetime1">
               <a:rPr lang="ko-KR" altLang="en-US" smtClean="0"/>
-              <a:t>2025-05-19</a:t>
+              <a:t>2025-05-22</a:t>
             </a:fld>
             <a:endParaRPr lang="ko-KR" altLang="en-US"/>
           </a:p>
@@ -4548,6 +5707,195 @@
             <a:fld id="{083A2CE0-18CD-4102-B738-4ACFF9E68BA4}" type="slidenum">
               <a:rPr lang="ko-KR" altLang="en-US" smtClean="0"/>
               <a:t>10</a:t>
+            </a:fld>
+            <a:endParaRPr lang="ko-KR" altLang="en-US"/>
+          </a:p>
+        </p:txBody>
+      </p:sp>
+      <p:pic>
+        <p:nvPicPr>
+          <p:cNvPr id="13" name="그림 12">
+            <a:extLst>
+              <a:ext uri="{FF2B5EF4-FFF2-40B4-BE49-F238E27FC236}">
+                <a16:creationId xmlns:a16="http://schemas.microsoft.com/office/drawing/2014/main" id="{FD0597EF-4B70-9DC2-B545-6EAEFB8836FA}"/>
+              </a:ext>
+            </a:extLst>
+          </p:cNvPr>
+          <p:cNvPicPr>
+            <a:picLocks noChangeAspect="1"/>
+          </p:cNvPicPr>
+          <p:nvPr/>
+        </p:nvPicPr>
+        <p:blipFill rotWithShape="1">
+          <a:blip r:embed="rId2"/>
+          <a:srcRect t="45432" b="41"/>
+          <a:stretch/>
+        </p:blipFill>
+        <p:spPr>
+          <a:xfrm>
+            <a:off x="501044" y="1418605"/>
+            <a:ext cx="11189912" cy="4572000"/>
+          </a:xfrm>
+          <a:prstGeom prst="rect">
+            <a:avLst/>
+          </a:prstGeom>
+        </p:spPr>
+      </p:pic>
+    </p:spTree>
+    <p:extLst>
+      <p:ext uri="{BB962C8B-B14F-4D97-AF65-F5344CB8AC3E}">
+        <p14:creationId xmlns:p14="http://schemas.microsoft.com/office/powerpoint/2010/main" val="1351243725"/>
+      </p:ext>
+    </p:extLst>
+  </p:cSld>
+  <p:clrMapOvr>
+    <a:masterClrMapping/>
+  </p:clrMapOvr>
+</p:sld>
+</file>
+
+<file path=ppt/slides/slide11.xml><?xml version="1.0" encoding="utf-8"?>
+<p:sld xmlns:a="http://schemas.openxmlformats.org/drawingml/2006/main" xmlns:r="http://schemas.openxmlformats.org/officeDocument/2006/relationships" xmlns:p="http://schemas.openxmlformats.org/presentationml/2006/main">
+  <p:cSld>
+    <p:spTree>
+      <p:nvGrpSpPr>
+        <p:cNvPr id="1" name=""/>
+        <p:cNvGrpSpPr/>
+        <p:nvPr/>
+      </p:nvGrpSpPr>
+      <p:grpSpPr>
+        <a:xfrm>
+          <a:off x="0" y="0"/>
+          <a:ext cx="0" cy="0"/>
+          <a:chOff x="0" y="0"/>
+          <a:chExt cx="0" cy="0"/>
+        </a:xfrm>
+      </p:grpSpPr>
+      <p:sp>
+        <p:nvSpPr>
+          <p:cNvPr id="2" name="제목 1">
+            <a:extLst>
+              <a:ext uri="{FF2B5EF4-FFF2-40B4-BE49-F238E27FC236}">
+                <a16:creationId xmlns:a16="http://schemas.microsoft.com/office/drawing/2014/main" id="{2A2ACCD4-C461-B0A9-20E2-E5DDA2888355}"/>
+              </a:ext>
+            </a:extLst>
+          </p:cNvPr>
+          <p:cNvSpPr>
+            <a:spLocks noGrp="1"/>
+          </p:cNvSpPr>
+          <p:nvPr>
+            <p:ph type="title"/>
+          </p:nvPr>
+        </p:nvSpPr>
+        <p:spPr/>
+        <p:txBody>
+          <a:bodyPr/>
+          <a:lstStyle/>
+          <a:p>
+            <a:r>
+              <a:rPr lang="ko-KR" altLang="en-US" dirty="0"/>
+              <a:t>번외</a:t>
+            </a:r>
+            <a:r>
+              <a:rPr lang="en-US" altLang="ko-KR" dirty="0"/>
+              <a:t>_ </a:t>
+            </a:r>
+            <a:r>
+              <a:rPr lang="ko-KR" altLang="en-US" dirty="0"/>
+              <a:t>버튼 이미지 바꾸기</a:t>
+            </a:r>
+          </a:p>
+        </p:txBody>
+      </p:sp>
+      <p:sp>
+        <p:nvSpPr>
+          <p:cNvPr id="8" name="내용 개체 틀 7">
+            <a:extLst>
+              <a:ext uri="{FF2B5EF4-FFF2-40B4-BE49-F238E27FC236}">
+                <a16:creationId xmlns:a16="http://schemas.microsoft.com/office/drawing/2014/main" id="{F38B58EF-EFE1-CD74-A87B-94F17C1D73E0}"/>
+              </a:ext>
+            </a:extLst>
+          </p:cNvPr>
+          <p:cNvSpPr>
+            <a:spLocks noGrp="1"/>
+          </p:cNvSpPr>
+          <p:nvPr>
+            <p:ph idx="1"/>
+          </p:nvPr>
+        </p:nvSpPr>
+        <p:spPr/>
+        <p:txBody>
+          <a:bodyPr/>
+          <a:lstStyle/>
+          <a:p>
+            <a:r>
+              <a:rPr lang="en-US" altLang="ko-KR" dirty="0" err="1"/>
+              <a:t>xaml</a:t>
+            </a:r>
+            <a:r>
+              <a:rPr lang="en-US" altLang="ko-KR" dirty="0"/>
+              <a:t> </a:t>
+            </a:r>
+            <a:r>
+              <a:rPr lang="ko-KR" altLang="en-US" dirty="0"/>
+              <a:t>코드에서 변경하기</a:t>
+            </a:r>
+          </a:p>
+        </p:txBody>
+      </p:sp>
+      <p:sp>
+        <p:nvSpPr>
+          <p:cNvPr id="4" name="날짜 개체 틀 3">
+            <a:extLst>
+              <a:ext uri="{FF2B5EF4-FFF2-40B4-BE49-F238E27FC236}">
+                <a16:creationId xmlns:a16="http://schemas.microsoft.com/office/drawing/2014/main" id="{16F85E32-4503-FBD2-8859-1535C29ACE65}"/>
+              </a:ext>
+            </a:extLst>
+          </p:cNvPr>
+          <p:cNvSpPr>
+            <a:spLocks noGrp="1"/>
+          </p:cNvSpPr>
+          <p:nvPr>
+            <p:ph type="dt" sz="half" idx="10"/>
+          </p:nvPr>
+        </p:nvSpPr>
+        <p:spPr/>
+        <p:txBody>
+          <a:bodyPr/>
+          <a:lstStyle/>
+          <a:p>
+            <a:fld id="{0F78D9C4-20C1-4B15-A116-16DC77AD9A1E}" type="datetime1">
+              <a:rPr lang="ko-KR" altLang="en-US" smtClean="0"/>
+              <a:t>2025-05-22</a:t>
+            </a:fld>
+            <a:endParaRPr lang="ko-KR" altLang="en-US"/>
+          </a:p>
+        </p:txBody>
+      </p:sp>
+      <p:sp>
+        <p:nvSpPr>
+          <p:cNvPr id="5" name="슬라이드 번호 개체 틀 4">
+            <a:extLst>
+              <a:ext uri="{FF2B5EF4-FFF2-40B4-BE49-F238E27FC236}">
+                <a16:creationId xmlns:a16="http://schemas.microsoft.com/office/drawing/2014/main" id="{5D6C70AD-0C32-393A-B55C-2C707CE64581}"/>
+              </a:ext>
+            </a:extLst>
+          </p:cNvPr>
+          <p:cNvSpPr>
+            <a:spLocks noGrp="1"/>
+          </p:cNvSpPr>
+          <p:nvPr>
+            <p:ph type="sldNum" sz="quarter" idx="12"/>
+          </p:nvPr>
+        </p:nvSpPr>
+        <p:spPr/>
+        <p:txBody>
+          <a:bodyPr/>
+          <a:lstStyle/>
+          <a:p>
+            <a:fld id="{083A2CE0-18CD-4102-B738-4ACFF9E68BA4}" type="slidenum">
+              <a:rPr lang="ko-KR" altLang="en-US" smtClean="0"/>
+              <a:t>11</a:t>
             </a:fld>
             <a:endParaRPr lang="ko-KR" altLang="en-US"/>
           </a:p>
@@ -4595,7 +5943,7 @@
 </p:sld>
 </file>
 
-<file path=ppt/slides/slide11.xml><?xml version="1.0" encoding="utf-8"?>
+<file path=ppt/slides/slide12.xml><?xml version="1.0" encoding="utf-8"?>
 <p:sld xmlns:a="http://schemas.openxmlformats.org/drawingml/2006/main" xmlns:r="http://schemas.openxmlformats.org/officeDocument/2006/relationships" xmlns:p="http://schemas.openxmlformats.org/presentationml/2006/main">
   <p:cSld>
     <p:spTree>
@@ -4671,7 +6019,7 @@
           <a:p>
             <a:fld id="{0F78D9C4-20C1-4B15-A116-16DC77AD9A1E}" type="datetime1">
               <a:rPr lang="ko-KR" altLang="en-US" smtClean="0"/>
-              <a:t>2025-05-19</a:t>
+              <a:t>2025-05-22</a:t>
             </a:fld>
             <a:endParaRPr lang="ko-KR" altLang="en-US"/>
           </a:p>
@@ -4700,7 +6048,7 @@
           <a:p>
             <a:fld id="{083A2CE0-18CD-4102-B738-4ACFF9E68BA4}" type="slidenum">
               <a:rPr lang="ko-KR" altLang="en-US" smtClean="0"/>
-              <a:t>11</a:t>
+              <a:t>12</a:t>
             </a:fld>
             <a:endParaRPr lang="ko-KR" altLang="en-US"/>
           </a:p>
@@ -4839,235 +6187,6 @@
 </p:sld>
 </file>
 
-<file path=ppt/slides/slide12.xml><?xml version="1.0" encoding="utf-8"?>
-<p:sld xmlns:a="http://schemas.openxmlformats.org/drawingml/2006/main" xmlns:r="http://schemas.openxmlformats.org/officeDocument/2006/relationships" xmlns:p="http://schemas.openxmlformats.org/presentationml/2006/main">
-  <p:cSld>
-    <p:spTree>
-      <p:nvGrpSpPr>
-        <p:cNvPr id="1" name=""/>
-        <p:cNvGrpSpPr/>
-        <p:nvPr/>
-      </p:nvGrpSpPr>
-      <p:grpSpPr>
-        <a:xfrm>
-          <a:off x="0" y="0"/>
-          <a:ext cx="0" cy="0"/>
-          <a:chOff x="0" y="0"/>
-          <a:chExt cx="0" cy="0"/>
-        </a:xfrm>
-      </p:grpSpPr>
-      <p:sp>
-        <p:nvSpPr>
-          <p:cNvPr id="2" name="제목 1">
-            <a:extLst>
-              <a:ext uri="{FF2B5EF4-FFF2-40B4-BE49-F238E27FC236}">
-                <a16:creationId xmlns:a16="http://schemas.microsoft.com/office/drawing/2014/main" id="{28A4068A-FAF6-9DC7-7F8E-0314AC4E412E}"/>
-              </a:ext>
-            </a:extLst>
-          </p:cNvPr>
-          <p:cNvSpPr>
-            <a:spLocks noGrp="1"/>
-          </p:cNvSpPr>
-          <p:nvPr>
-            <p:ph type="title"/>
-          </p:nvPr>
-        </p:nvSpPr>
-        <p:spPr/>
-        <p:txBody>
-          <a:bodyPr/>
-          <a:lstStyle/>
-          <a:p>
-            <a:r>
-              <a:rPr lang="ko-KR" altLang="en-US" dirty="0">
-                <a:solidFill>
-                  <a:srgbClr val="00B050"/>
-                </a:solidFill>
-              </a:rPr>
-              <a:t>실습</a:t>
-            </a:r>
-            <a:r>
-              <a:rPr lang="en-US" altLang="ko-KR" dirty="0">
-                <a:solidFill>
-                  <a:srgbClr val="00B050"/>
-                </a:solidFill>
-              </a:rPr>
-              <a:t>. </a:t>
-            </a:r>
-            <a:r>
-              <a:rPr lang="ko-KR" altLang="en-US" dirty="0">
-                <a:solidFill>
-                  <a:srgbClr val="00B050"/>
-                </a:solidFill>
-              </a:rPr>
-              <a:t>이미지 버튼</a:t>
-            </a:r>
-          </a:p>
-        </p:txBody>
-      </p:sp>
-      <p:sp>
-        <p:nvSpPr>
-          <p:cNvPr id="3" name="내용 개체 틀 2">
-            <a:extLst>
-              <a:ext uri="{FF2B5EF4-FFF2-40B4-BE49-F238E27FC236}">
-                <a16:creationId xmlns:a16="http://schemas.microsoft.com/office/drawing/2014/main" id="{1A2ADB78-B92E-2EDE-1190-69B026B8CCB8}"/>
-              </a:ext>
-            </a:extLst>
-          </p:cNvPr>
-          <p:cNvSpPr>
-            <a:spLocks noGrp="1"/>
-          </p:cNvSpPr>
-          <p:nvPr>
-            <p:ph idx="1"/>
-          </p:nvPr>
-        </p:nvSpPr>
-        <p:spPr/>
-        <p:txBody>
-          <a:bodyPr/>
-          <a:lstStyle/>
-          <a:p>
-            <a:r>
-              <a:rPr lang="ko-KR" altLang="en-US" dirty="0"/>
-              <a:t>아래 링크를 참고하여 </a:t>
-            </a:r>
-            <a:r>
-              <a:rPr lang="en-US" altLang="ko-KR" dirty="0" err="1"/>
-              <a:t>OpenFileDialog</a:t>
-            </a:r>
-            <a:r>
-              <a:rPr lang="ko-KR" altLang="en-US" dirty="0"/>
-              <a:t>를 구현</a:t>
-            </a:r>
-            <a:endParaRPr lang="en-US" altLang="ko-KR" dirty="0"/>
-          </a:p>
-          <a:p>
-            <a:pPr lvl="1"/>
-            <a:r>
-              <a:rPr lang="en-US" altLang="ko-KR" dirty="0">
-                <a:hlinkClick r:id="rId2"/>
-              </a:rPr>
-              <a:t>https://rhkdrmfh.tistory.com/119</a:t>
-            </a:r>
-            <a:br>
-              <a:rPr lang="en-US" altLang="ko-KR" dirty="0"/>
-            </a:br>
-            <a:endParaRPr lang="en-US" altLang="ko-KR" dirty="0"/>
-          </a:p>
-          <a:p>
-            <a:r>
-              <a:rPr lang="ko-KR" altLang="en-US" dirty="0"/>
-              <a:t>이미지 파일을 불러오면 버튼이 불러온 이미지로 바뀌는 프로그램 제작</a:t>
-            </a:r>
-            <a:endParaRPr lang="en-US" altLang="ko-KR" dirty="0"/>
-          </a:p>
-          <a:p>
-            <a:pPr lvl="1"/>
-            <a:r>
-              <a:rPr lang="ko-KR" altLang="en-US" dirty="0"/>
-              <a:t>파일 경로는 </a:t>
-            </a:r>
-            <a:r>
-              <a:rPr lang="en-US" altLang="ko-KR" dirty="0"/>
-              <a:t>URI</a:t>
-            </a:r>
-            <a:r>
-              <a:rPr lang="ko-KR" altLang="en-US" dirty="0"/>
-              <a:t>를 사용하여 가져오기</a:t>
-            </a:r>
-            <a:endParaRPr lang="en-US" altLang="ko-KR" dirty="0"/>
-          </a:p>
-          <a:p>
-            <a:pPr lvl="1"/>
-            <a:r>
-              <a:rPr lang="ko-KR" altLang="en-US" dirty="0">
-                <a:solidFill>
-                  <a:schemeClr val="accent6"/>
-                </a:solidFill>
-              </a:rPr>
-              <a:t>버튼의 크기</a:t>
-            </a:r>
-            <a:r>
-              <a:rPr lang="ko-KR" altLang="en-US" dirty="0"/>
-              <a:t>도 이미지 크기와 같게 변경되도록</a:t>
-            </a:r>
-            <a:endParaRPr lang="en-US" altLang="ko-KR" dirty="0"/>
-          </a:p>
-          <a:p>
-            <a:pPr lvl="1"/>
-            <a:endParaRPr lang="ko-KR" altLang="en-US" dirty="0"/>
-          </a:p>
-        </p:txBody>
-      </p:sp>
-      <p:sp>
-        <p:nvSpPr>
-          <p:cNvPr id="4" name="날짜 개체 틀 3">
-            <a:extLst>
-              <a:ext uri="{FF2B5EF4-FFF2-40B4-BE49-F238E27FC236}">
-                <a16:creationId xmlns:a16="http://schemas.microsoft.com/office/drawing/2014/main" id="{2957E67C-ECAA-EEC7-C2A0-EB923AE10B5A}"/>
-              </a:ext>
-            </a:extLst>
-          </p:cNvPr>
-          <p:cNvSpPr>
-            <a:spLocks noGrp="1"/>
-          </p:cNvSpPr>
-          <p:nvPr>
-            <p:ph type="dt" sz="half" idx="10"/>
-          </p:nvPr>
-        </p:nvSpPr>
-        <p:spPr/>
-        <p:txBody>
-          <a:bodyPr/>
-          <a:lstStyle/>
-          <a:p>
-            <a:fld id="{0F78D9C4-20C1-4B15-A116-16DC77AD9A1E}" type="datetime1">
-              <a:rPr lang="ko-KR" altLang="en-US" smtClean="0"/>
-              <a:t>2025-05-19</a:t>
-            </a:fld>
-            <a:endParaRPr lang="ko-KR" altLang="en-US"/>
-          </a:p>
-        </p:txBody>
-      </p:sp>
-      <p:sp>
-        <p:nvSpPr>
-          <p:cNvPr id="5" name="슬라이드 번호 개체 틀 4">
-            <a:extLst>
-              <a:ext uri="{FF2B5EF4-FFF2-40B4-BE49-F238E27FC236}">
-                <a16:creationId xmlns:a16="http://schemas.microsoft.com/office/drawing/2014/main" id="{FC97E676-085C-DB39-8A01-68AF6D12F047}"/>
-              </a:ext>
-            </a:extLst>
-          </p:cNvPr>
-          <p:cNvSpPr>
-            <a:spLocks noGrp="1"/>
-          </p:cNvSpPr>
-          <p:nvPr>
-            <p:ph type="sldNum" sz="quarter" idx="12"/>
-          </p:nvPr>
-        </p:nvSpPr>
-        <p:spPr/>
-        <p:txBody>
-          <a:bodyPr/>
-          <a:lstStyle/>
-          <a:p>
-            <a:fld id="{083A2CE0-18CD-4102-B738-4ACFF9E68BA4}" type="slidenum">
-              <a:rPr lang="ko-KR" altLang="en-US" smtClean="0"/>
-              <a:t>12</a:t>
-            </a:fld>
-            <a:endParaRPr lang="ko-KR" altLang="en-US"/>
-          </a:p>
-        </p:txBody>
-      </p:sp>
-    </p:spTree>
-    <p:extLst>
-      <p:ext uri="{BB962C8B-B14F-4D97-AF65-F5344CB8AC3E}">
-        <p14:creationId xmlns:p14="http://schemas.microsoft.com/office/powerpoint/2010/main" val="2760498177"/>
-      </p:ext>
-    </p:extLst>
-  </p:cSld>
-  <p:clrMapOvr>
-    <a:masterClrMapping/>
-  </p:clrMapOvr>
-</p:sld>
-</file>
-
 <file path=ppt/slides/slide13.xml><?xml version="1.0" encoding="utf-8"?>
 <p:sld xmlns:a="http://schemas.openxmlformats.org/drawingml/2006/main" xmlns:r="http://schemas.openxmlformats.org/officeDocument/2006/relationships" xmlns:p="http://schemas.openxmlformats.org/presentationml/2006/main">
   <p:cSld>
@@ -5090,6 +6209,340 @@
           <p:cNvPr id="2" name="제목 1">
             <a:extLst>
               <a:ext uri="{FF2B5EF4-FFF2-40B4-BE49-F238E27FC236}">
+                <a16:creationId xmlns:a16="http://schemas.microsoft.com/office/drawing/2014/main" id="{28A4068A-FAF6-9DC7-7F8E-0314AC4E412E}"/>
+              </a:ext>
+            </a:extLst>
+          </p:cNvPr>
+          <p:cNvSpPr>
+            <a:spLocks noGrp="1"/>
+          </p:cNvSpPr>
+          <p:nvPr>
+            <p:ph type="title"/>
+          </p:nvPr>
+        </p:nvSpPr>
+        <p:spPr/>
+        <p:txBody>
+          <a:bodyPr/>
+          <a:lstStyle/>
+          <a:p>
+            <a:r>
+              <a:rPr lang="ko-KR" altLang="en-US" dirty="0">
+                <a:solidFill>
+                  <a:srgbClr val="00B050"/>
+                </a:solidFill>
+              </a:rPr>
+              <a:t>실습</a:t>
+            </a:r>
+            <a:r>
+              <a:rPr lang="en-US" altLang="ko-KR" dirty="0">
+                <a:solidFill>
+                  <a:srgbClr val="00B050"/>
+                </a:solidFill>
+              </a:rPr>
+              <a:t>. </a:t>
+            </a:r>
+            <a:r>
+              <a:rPr lang="ko-KR" altLang="en-US" dirty="0">
+                <a:solidFill>
+                  <a:srgbClr val="00B050"/>
+                </a:solidFill>
+              </a:rPr>
+              <a:t>이미지 버튼</a:t>
+            </a:r>
+          </a:p>
+        </p:txBody>
+      </p:sp>
+      <p:sp>
+        <p:nvSpPr>
+          <p:cNvPr id="3" name="내용 개체 틀 2">
+            <a:extLst>
+              <a:ext uri="{FF2B5EF4-FFF2-40B4-BE49-F238E27FC236}">
+                <a16:creationId xmlns:a16="http://schemas.microsoft.com/office/drawing/2014/main" id="{1A2ADB78-B92E-2EDE-1190-69B026B8CCB8}"/>
+              </a:ext>
+            </a:extLst>
+          </p:cNvPr>
+          <p:cNvSpPr>
+            <a:spLocks noGrp="1"/>
+          </p:cNvSpPr>
+          <p:nvPr>
+            <p:ph idx="1"/>
+          </p:nvPr>
+        </p:nvSpPr>
+        <p:spPr/>
+        <p:txBody>
+          <a:bodyPr/>
+          <a:lstStyle/>
+          <a:p>
+            <a:r>
+              <a:rPr lang="ko-KR" altLang="en-US" dirty="0">
+                <a:latin typeface="Pretendard" panose="02000503000000020004" pitchFamily="2" charset="-127"/>
+                <a:ea typeface="Pretendard" panose="02000503000000020004" pitchFamily="2" charset="-127"/>
+                <a:cs typeface="Pretendard" panose="02000503000000020004" pitchFamily="2" charset="-127"/>
+              </a:rPr>
+              <a:t>이미지 파일을 불러오면 버튼이 불러온 이미지로 바뀌는 프로그램 </a:t>
+            </a:r>
+            <a:r>
+              <a:rPr lang="ko-KR" altLang="en-US" dirty="0" smtClean="0">
+                <a:latin typeface="Pretendard" panose="02000503000000020004" pitchFamily="2" charset="-127"/>
+                <a:ea typeface="Pretendard" panose="02000503000000020004" pitchFamily="2" charset="-127"/>
+                <a:cs typeface="Pretendard" panose="02000503000000020004" pitchFamily="2" charset="-127"/>
+              </a:rPr>
+              <a:t>제작</a:t>
+            </a:r>
+            <a:endParaRPr lang="en-US" altLang="ko-KR" dirty="0" smtClean="0">
+              <a:latin typeface="Pretendard" panose="02000503000000020004" pitchFamily="2" charset="-127"/>
+              <a:ea typeface="Pretendard" panose="02000503000000020004" pitchFamily="2" charset="-127"/>
+              <a:cs typeface="Pretendard" panose="02000503000000020004" pitchFamily="2" charset="-127"/>
+            </a:endParaRPr>
+          </a:p>
+          <a:p>
+            <a:r>
+              <a:rPr lang="en-US" altLang="ko-KR" dirty="0" err="1" smtClean="0">
+                <a:latin typeface="Pretendard" panose="02000503000000020004" pitchFamily="2" charset="-127"/>
+                <a:ea typeface="Pretendard" panose="02000503000000020004" pitchFamily="2" charset="-127"/>
+                <a:cs typeface="Pretendard" panose="02000503000000020004" pitchFamily="2" charset="-127"/>
+              </a:rPr>
+              <a:t>OpenFileDialog</a:t>
+            </a:r>
+            <a:r>
+              <a:rPr lang="ko-KR" altLang="en-US" dirty="0">
+                <a:latin typeface="Pretendard" panose="02000503000000020004" pitchFamily="2" charset="-127"/>
+                <a:ea typeface="Pretendard" panose="02000503000000020004" pitchFamily="2" charset="-127"/>
+                <a:cs typeface="Pretendard" panose="02000503000000020004" pitchFamily="2" charset="-127"/>
+              </a:rPr>
+              <a:t>를 </a:t>
+            </a:r>
+            <a:r>
+              <a:rPr lang="ko-KR" altLang="en-US" dirty="0" smtClean="0">
+                <a:latin typeface="Pretendard" panose="02000503000000020004" pitchFamily="2" charset="-127"/>
+                <a:ea typeface="Pretendard" panose="02000503000000020004" pitchFamily="2" charset="-127"/>
+                <a:cs typeface="Pretendard" panose="02000503000000020004" pitchFamily="2" charset="-127"/>
+              </a:rPr>
+              <a:t>구현</a:t>
+            </a:r>
+            <a:endParaRPr lang="en-US" altLang="ko-KR" dirty="0">
+              <a:latin typeface="Pretendard" panose="02000503000000020004" pitchFamily="2" charset="-127"/>
+              <a:ea typeface="Pretendard" panose="02000503000000020004" pitchFamily="2" charset="-127"/>
+              <a:cs typeface="Pretendard" panose="02000503000000020004" pitchFamily="2" charset="-127"/>
+            </a:endParaRPr>
+          </a:p>
+          <a:p>
+            <a:r>
+              <a:rPr lang="ko-KR" altLang="en-US" dirty="0" smtClean="0">
+                <a:latin typeface="Pretendard" panose="02000503000000020004" pitchFamily="2" charset="-127"/>
+                <a:ea typeface="Pretendard" panose="02000503000000020004" pitchFamily="2" charset="-127"/>
+                <a:cs typeface="Pretendard" panose="02000503000000020004" pitchFamily="2" charset="-127"/>
+              </a:rPr>
+              <a:t>파일 </a:t>
+            </a:r>
+            <a:r>
+              <a:rPr lang="ko-KR" altLang="en-US" dirty="0">
+                <a:latin typeface="Pretendard" panose="02000503000000020004" pitchFamily="2" charset="-127"/>
+                <a:ea typeface="Pretendard" panose="02000503000000020004" pitchFamily="2" charset="-127"/>
+                <a:cs typeface="Pretendard" panose="02000503000000020004" pitchFamily="2" charset="-127"/>
+              </a:rPr>
+              <a:t>경로는 </a:t>
+            </a:r>
+            <a:r>
+              <a:rPr lang="en-US" altLang="ko-KR" dirty="0">
+                <a:latin typeface="Pretendard" panose="02000503000000020004" pitchFamily="2" charset="-127"/>
+                <a:ea typeface="Pretendard" panose="02000503000000020004" pitchFamily="2" charset="-127"/>
+                <a:cs typeface="Pretendard" panose="02000503000000020004" pitchFamily="2" charset="-127"/>
+              </a:rPr>
+              <a:t>URI</a:t>
+            </a:r>
+            <a:r>
+              <a:rPr lang="ko-KR" altLang="en-US" dirty="0">
+                <a:latin typeface="Pretendard" panose="02000503000000020004" pitchFamily="2" charset="-127"/>
+                <a:ea typeface="Pretendard" panose="02000503000000020004" pitchFamily="2" charset="-127"/>
+                <a:cs typeface="Pretendard" panose="02000503000000020004" pitchFamily="2" charset="-127"/>
+              </a:rPr>
+              <a:t>를 사용하여 가져오기</a:t>
+            </a:r>
+            <a:endParaRPr lang="en-US" altLang="ko-KR" dirty="0">
+              <a:latin typeface="Pretendard" panose="02000503000000020004" pitchFamily="2" charset="-127"/>
+              <a:ea typeface="Pretendard" panose="02000503000000020004" pitchFamily="2" charset="-127"/>
+              <a:cs typeface="Pretendard" panose="02000503000000020004" pitchFamily="2" charset="-127"/>
+            </a:endParaRPr>
+          </a:p>
+          <a:p>
+            <a:r>
+              <a:rPr lang="ko-KR" altLang="en-US" dirty="0">
+                <a:solidFill>
+                  <a:schemeClr val="accent6"/>
+                </a:solidFill>
+                <a:latin typeface="Pretendard" panose="02000503000000020004" pitchFamily="2" charset="-127"/>
+                <a:ea typeface="Pretendard" panose="02000503000000020004" pitchFamily="2" charset="-127"/>
+                <a:cs typeface="Pretendard" panose="02000503000000020004" pitchFamily="2" charset="-127"/>
+              </a:rPr>
+              <a:t>버튼의 크기</a:t>
+            </a:r>
+            <a:r>
+              <a:rPr lang="ko-KR" altLang="en-US" dirty="0">
+                <a:latin typeface="Pretendard" panose="02000503000000020004" pitchFamily="2" charset="-127"/>
+                <a:ea typeface="Pretendard" panose="02000503000000020004" pitchFamily="2" charset="-127"/>
+                <a:cs typeface="Pretendard" panose="02000503000000020004" pitchFamily="2" charset="-127"/>
+              </a:rPr>
+              <a:t>도 이미지 크기와 같게 </a:t>
+            </a:r>
+            <a:r>
+              <a:rPr lang="ko-KR" altLang="en-US" dirty="0" smtClean="0">
+                <a:latin typeface="Pretendard" panose="02000503000000020004" pitchFamily="2" charset="-127"/>
+                <a:ea typeface="Pretendard" panose="02000503000000020004" pitchFamily="2" charset="-127"/>
+                <a:cs typeface="Pretendard" panose="02000503000000020004" pitchFamily="2" charset="-127"/>
+              </a:rPr>
+              <a:t>변경되도록 하기</a:t>
+            </a:r>
+            <a:r>
+              <a:rPr lang="en-US" altLang="ko-KR" dirty="0" smtClean="0">
+                <a:latin typeface="Pretendard" panose="02000503000000020004" pitchFamily="2" charset="-127"/>
+                <a:ea typeface="Pretendard" panose="02000503000000020004" pitchFamily="2" charset="-127"/>
+                <a:cs typeface="Pretendard" panose="02000503000000020004" pitchFamily="2" charset="-127"/>
+              </a:rPr>
+              <a:t>.</a:t>
+            </a:r>
+          </a:p>
+          <a:p>
+            <a:endParaRPr lang="en-US" altLang="ko-KR" dirty="0">
+              <a:latin typeface="Pretendard" panose="02000503000000020004" pitchFamily="2" charset="-127"/>
+              <a:ea typeface="Pretendard" panose="02000503000000020004" pitchFamily="2" charset="-127"/>
+              <a:cs typeface="Pretendard" panose="02000503000000020004" pitchFamily="2" charset="-127"/>
+            </a:endParaRPr>
+          </a:p>
+          <a:p>
+            <a:r>
+              <a:rPr lang="en-US" altLang="ko-KR" dirty="0" err="1" smtClean="0">
+                <a:latin typeface="Pretendard" panose="02000503000000020004" pitchFamily="2" charset="-127"/>
+                <a:ea typeface="Pretendard" panose="02000503000000020004" pitchFamily="2" charset="-127"/>
+                <a:cs typeface="Pretendard" panose="02000503000000020004" pitchFamily="2" charset="-127"/>
+              </a:rPr>
+              <a:t>Git</a:t>
+            </a:r>
+            <a:r>
+              <a:rPr lang="en-US" altLang="ko-KR" dirty="0" smtClean="0">
+                <a:latin typeface="Pretendard" panose="02000503000000020004" pitchFamily="2" charset="-127"/>
+                <a:ea typeface="Pretendard" panose="02000503000000020004" pitchFamily="2" charset="-127"/>
+                <a:cs typeface="Pretendard" panose="02000503000000020004" pitchFamily="2" charset="-127"/>
+              </a:rPr>
+              <a:t> Repo </a:t>
+            </a:r>
+            <a:r>
+              <a:rPr lang="ko-KR" altLang="en-US" dirty="0" smtClean="0">
+                <a:latin typeface="Pretendard" panose="02000503000000020004" pitchFamily="2" charset="-127"/>
+                <a:ea typeface="Pretendard" panose="02000503000000020004" pitchFamily="2" charset="-127"/>
+                <a:cs typeface="Pretendard" panose="02000503000000020004" pitchFamily="2" charset="-127"/>
+              </a:rPr>
+              <a:t>링크 업로드</a:t>
+            </a:r>
+            <a:endParaRPr lang="en-US" altLang="ko-KR" dirty="0">
+              <a:latin typeface="Pretendard" panose="02000503000000020004" pitchFamily="2" charset="-127"/>
+              <a:ea typeface="Pretendard" panose="02000503000000020004" pitchFamily="2" charset="-127"/>
+              <a:cs typeface="Pretendard" panose="02000503000000020004" pitchFamily="2" charset="-127"/>
+            </a:endParaRPr>
+          </a:p>
+          <a:p>
+            <a:pPr lvl="1"/>
+            <a:endParaRPr lang="ko-KR" altLang="en-US" dirty="0">
+              <a:latin typeface="Pretendard" panose="02000503000000020004" pitchFamily="2" charset="-127"/>
+              <a:ea typeface="Pretendard" panose="02000503000000020004" pitchFamily="2" charset="-127"/>
+              <a:cs typeface="Pretendard" panose="02000503000000020004" pitchFamily="2" charset="-127"/>
+            </a:endParaRPr>
+          </a:p>
+        </p:txBody>
+      </p:sp>
+      <p:sp>
+        <p:nvSpPr>
+          <p:cNvPr id="4" name="날짜 개체 틀 3">
+            <a:extLst>
+              <a:ext uri="{FF2B5EF4-FFF2-40B4-BE49-F238E27FC236}">
+                <a16:creationId xmlns:a16="http://schemas.microsoft.com/office/drawing/2014/main" id="{2957E67C-ECAA-EEC7-C2A0-EB923AE10B5A}"/>
+              </a:ext>
+            </a:extLst>
+          </p:cNvPr>
+          <p:cNvSpPr>
+            <a:spLocks noGrp="1"/>
+          </p:cNvSpPr>
+          <p:nvPr>
+            <p:ph type="dt" sz="half" idx="10"/>
+          </p:nvPr>
+        </p:nvSpPr>
+        <p:spPr/>
+        <p:txBody>
+          <a:bodyPr/>
+          <a:lstStyle/>
+          <a:p>
+            <a:fld id="{0F78D9C4-20C1-4B15-A116-16DC77AD9A1E}" type="datetime1">
+              <a:rPr lang="ko-KR" altLang="en-US" smtClean="0"/>
+              <a:t>2025-05-22</a:t>
+            </a:fld>
+            <a:endParaRPr lang="ko-KR" altLang="en-US"/>
+          </a:p>
+        </p:txBody>
+      </p:sp>
+      <p:sp>
+        <p:nvSpPr>
+          <p:cNvPr id="5" name="슬라이드 번호 개체 틀 4">
+            <a:extLst>
+              <a:ext uri="{FF2B5EF4-FFF2-40B4-BE49-F238E27FC236}">
+                <a16:creationId xmlns:a16="http://schemas.microsoft.com/office/drawing/2014/main" id="{FC97E676-085C-DB39-8A01-68AF6D12F047}"/>
+              </a:ext>
+            </a:extLst>
+          </p:cNvPr>
+          <p:cNvSpPr>
+            <a:spLocks noGrp="1"/>
+          </p:cNvSpPr>
+          <p:nvPr>
+            <p:ph type="sldNum" sz="quarter" idx="12"/>
+          </p:nvPr>
+        </p:nvSpPr>
+        <p:spPr/>
+        <p:txBody>
+          <a:bodyPr/>
+          <a:lstStyle/>
+          <a:p>
+            <a:fld id="{083A2CE0-18CD-4102-B738-4ACFF9E68BA4}" type="slidenum">
+              <a:rPr lang="ko-KR" altLang="en-US" smtClean="0"/>
+              <a:t>13</a:t>
+            </a:fld>
+            <a:endParaRPr lang="ko-KR" altLang="en-US"/>
+          </a:p>
+        </p:txBody>
+      </p:sp>
+    </p:spTree>
+    <p:extLst>
+      <p:ext uri="{BB962C8B-B14F-4D97-AF65-F5344CB8AC3E}">
+        <p14:creationId xmlns:p14="http://schemas.microsoft.com/office/powerpoint/2010/main" val="2760498177"/>
+      </p:ext>
+    </p:extLst>
+  </p:cSld>
+  <p:clrMapOvr>
+    <a:masterClrMapping/>
+  </p:clrMapOvr>
+</p:sld>
+</file>
+
+<file path=ppt/slides/slide14.xml><?xml version="1.0" encoding="utf-8"?>
+<p:sld xmlns:a="http://schemas.openxmlformats.org/drawingml/2006/main" xmlns:r="http://schemas.openxmlformats.org/officeDocument/2006/relationships" xmlns:p="http://schemas.openxmlformats.org/presentationml/2006/main">
+  <p:cSld>
+    <p:spTree>
+      <p:nvGrpSpPr>
+        <p:cNvPr id="1" name=""/>
+        <p:cNvGrpSpPr/>
+        <p:nvPr/>
+      </p:nvGrpSpPr>
+      <p:grpSpPr>
+        <a:xfrm>
+          <a:off x="0" y="0"/>
+          <a:ext cx="0" cy="0"/>
+          <a:chOff x="0" y="0"/>
+          <a:chExt cx="0" cy="0"/>
+        </a:xfrm>
+      </p:grpSpPr>
+      <p:sp>
+        <p:nvSpPr>
+          <p:cNvPr id="2" name="제목 1">
+            <a:extLst>
+              <a:ext uri="{FF2B5EF4-FFF2-40B4-BE49-F238E27FC236}">
                 <a16:creationId xmlns:a16="http://schemas.microsoft.com/office/drawing/2014/main" id="{F4AE11FA-4EE9-4FD7-BCD0-FF1E4C8FAD79}"/>
               </a:ext>
             </a:extLst>
@@ -5170,7 +6623,7 @@
           <a:p>
             <a:fld id="{0F78D9C4-20C1-4B15-A116-16DC77AD9A1E}" type="datetime1">
               <a:rPr lang="ko-KR" altLang="en-US" smtClean="0"/>
-              <a:t>2025-05-19</a:t>
+              <a:t>2025-05-22</a:t>
             </a:fld>
             <a:endParaRPr lang="ko-KR" altLang="en-US"/>
           </a:p>
@@ -5199,7 +6652,7 @@
           <a:p>
             <a:fld id="{083A2CE0-18CD-4102-B738-4ACFF9E68BA4}" type="slidenum">
               <a:rPr lang="ko-KR" altLang="en-US" smtClean="0"/>
-              <a:t>13</a:t>
+              <a:t>14</a:t>
             </a:fld>
             <a:endParaRPr lang="ko-KR" altLang="en-US"/>
           </a:p>
@@ -5484,7 +6937,7 @@
 </p:sld>
 </file>
 
-<file path=ppt/slides/slide14.xml><?xml version="1.0" encoding="utf-8"?>
+<file path=ppt/slides/slide15.xml><?xml version="1.0" encoding="utf-8"?>
 <p:sld xmlns:a="http://schemas.openxmlformats.org/drawingml/2006/main" xmlns:r="http://schemas.openxmlformats.org/officeDocument/2006/relationships" xmlns:p="http://schemas.openxmlformats.org/presentationml/2006/main">
   <p:cSld>
     <p:spTree>
@@ -5523,14 +6976,22 @@
           <a:lstStyle/>
           <a:p>
             <a:r>
-              <a:rPr lang="ko-KR" altLang="en-US"/>
-              <a:t>도구상자 </a:t>
-            </a:r>
-            <a:r>
-              <a:rPr lang="en-US" altLang="ko-KR"/>
-              <a:t>- GridBox</a:t>
-            </a:r>
-            <a:endParaRPr lang="ko-KR" altLang="en-US"/>
+              <a:rPr lang="ko-KR" altLang="en-US" dirty="0" err="1"/>
+              <a:t>도구상자</a:t>
+            </a:r>
+            <a:r>
+              <a:rPr lang="ko-KR" altLang="en-US" dirty="0"/>
+              <a:t> </a:t>
+            </a:r>
+            <a:r>
+              <a:rPr lang="en-US" altLang="ko-KR" dirty="0"/>
+              <a:t>- </a:t>
+            </a:r>
+            <a:r>
+              <a:rPr lang="en-US" altLang="ko-KR" dirty="0" err="1"/>
+              <a:t>DataGrid</a:t>
+            </a:r>
+            <a:endParaRPr lang="ko-KR" altLang="en-US" dirty="0"/>
           </a:p>
         </p:txBody>
       </p:sp>
@@ -5612,7 +7073,7 @@
           <a:p>
             <a:fld id="{0F78D9C4-20C1-4B15-A116-16DC77AD9A1E}" type="datetime1">
               <a:rPr lang="ko-KR" altLang="en-US" smtClean="0"/>
-              <a:t>2025-05-19</a:t>
+              <a:t>2025-05-22</a:t>
             </a:fld>
             <a:endParaRPr lang="ko-KR" altLang="en-US"/>
           </a:p>
@@ -5641,7 +7102,7 @@
           <a:p>
             <a:fld id="{083A2CE0-18CD-4102-B738-4ACFF9E68BA4}" type="slidenum">
               <a:rPr lang="ko-KR" altLang="en-US" smtClean="0"/>
-              <a:t>14</a:t>
+              <a:t>15</a:t>
             </a:fld>
             <a:endParaRPr lang="ko-KR" altLang="en-US"/>
           </a:p>
@@ -5662,7 +7123,7 @@
           <p:nvPr/>
         </p:nvPicPr>
         <p:blipFill>
-          <a:blip r:embed="rId2"/>
+          <a:blip r:embed="rId3"/>
           <a:stretch>
             <a:fillRect/>
           </a:stretch>
@@ -5692,7 +7153,7 @@
           <p:nvPr/>
         </p:nvPicPr>
         <p:blipFill>
-          <a:blip r:embed="rId3"/>
+          <a:blip r:embed="rId4"/>
           <a:stretch>
             <a:fillRect/>
           </a:stretch>
@@ -5720,7 +7181,7 @@
 </p:sld>
 </file>
 
-<file path=ppt/slides/slide15.xml><?xml version="1.0" encoding="utf-8"?>
+<file path=ppt/slides/slide16.xml><?xml version="1.0" encoding="utf-8"?>
 <p:sld xmlns:a="http://schemas.openxmlformats.org/drawingml/2006/main" xmlns:r="http://schemas.openxmlformats.org/officeDocument/2006/relationships" xmlns:p="http://schemas.openxmlformats.org/presentationml/2006/main">
   <p:cSld>
     <p:spTree>
@@ -5759,14 +7220,22 @@
           <a:lstStyle/>
           <a:p>
             <a:r>
-              <a:rPr lang="ko-KR" altLang="en-US"/>
-              <a:t>도구상자 </a:t>
-            </a:r>
-            <a:r>
-              <a:rPr lang="en-US" altLang="ko-KR"/>
-              <a:t>- GridBox</a:t>
-            </a:r>
-            <a:endParaRPr lang="ko-KR" altLang="en-US"/>
+              <a:rPr lang="ko-KR" altLang="en-US" dirty="0" err="1"/>
+              <a:t>도구상자</a:t>
+            </a:r>
+            <a:r>
+              <a:rPr lang="ko-KR" altLang="en-US" dirty="0"/>
+              <a:t> </a:t>
+            </a:r>
+            <a:r>
+              <a:rPr lang="en-US" altLang="ko-KR" dirty="0"/>
+              <a:t>- </a:t>
+            </a:r>
+            <a:r>
+              <a:rPr lang="en-US" altLang="ko-KR" dirty="0" err="1"/>
+              <a:t>DataGrid</a:t>
+            </a:r>
+            <a:endParaRPr lang="ko-KR" altLang="en-US" dirty="0"/>
           </a:p>
         </p:txBody>
       </p:sp>
@@ -5894,7 +7363,7 @@
           <a:p>
             <a:fld id="{0F78D9C4-20C1-4B15-A116-16DC77AD9A1E}" type="datetime1">
               <a:rPr lang="ko-KR" altLang="en-US" smtClean="0"/>
-              <a:t>2025-05-19</a:t>
+              <a:t>2025-05-22</a:t>
             </a:fld>
             <a:endParaRPr lang="ko-KR" altLang="en-US"/>
           </a:p>
@@ -5923,7 +7392,7 @@
           <a:p>
             <a:fld id="{083A2CE0-18CD-4102-B738-4ACFF9E68BA4}" type="slidenum">
               <a:rPr lang="ko-KR" altLang="en-US" smtClean="0"/>
-              <a:t>15</a:t>
+              <a:t>16</a:t>
             </a:fld>
             <a:endParaRPr lang="ko-KR" altLang="en-US"/>
           </a:p>
@@ -5972,7 +7441,7 @@
 </p:sld>
 </file>
 
-<file path=ppt/slides/slide16.xml><?xml version="1.0" encoding="utf-8"?>
+<file path=ppt/slides/slide17.xml><?xml version="1.0" encoding="utf-8"?>
 <p:sld xmlns:a="http://schemas.openxmlformats.org/drawingml/2006/main" xmlns:r="http://schemas.openxmlformats.org/officeDocument/2006/relationships" xmlns:p="http://schemas.openxmlformats.org/presentationml/2006/main">
   <p:cSld>
     <p:spTree>
@@ -6011,14 +7480,22 @@
           <a:lstStyle/>
           <a:p>
             <a:r>
-              <a:rPr lang="ko-KR" altLang="en-US"/>
-              <a:t>도구상자 </a:t>
-            </a:r>
-            <a:r>
-              <a:rPr lang="en-US" altLang="ko-KR"/>
-              <a:t>- GridBox</a:t>
-            </a:r>
-            <a:endParaRPr lang="ko-KR" altLang="en-US"/>
+              <a:rPr lang="ko-KR" altLang="en-US" dirty="0" err="1"/>
+              <a:t>도구상자</a:t>
+            </a:r>
+            <a:r>
+              <a:rPr lang="ko-KR" altLang="en-US" dirty="0"/>
+              <a:t> </a:t>
+            </a:r>
+            <a:r>
+              <a:rPr lang="en-US" altLang="ko-KR" dirty="0"/>
+              <a:t>- </a:t>
+            </a:r>
+            <a:r>
+              <a:rPr lang="en-US" altLang="ko-KR" dirty="0" err="1"/>
+              <a:t>DataGrid</a:t>
+            </a:r>
+            <a:endParaRPr lang="ko-KR" altLang="en-US" dirty="0"/>
           </a:p>
         </p:txBody>
       </p:sp>
@@ -6117,7 +7594,7 @@
           <a:p>
             <a:fld id="{0F78D9C4-20C1-4B15-A116-16DC77AD9A1E}" type="datetime1">
               <a:rPr lang="ko-KR" altLang="en-US" smtClean="0"/>
-              <a:t>2025-05-19</a:t>
+              <a:t>2025-05-22</a:t>
             </a:fld>
             <a:endParaRPr lang="ko-KR" altLang="en-US"/>
           </a:p>
@@ -6146,7 +7623,7 @@
           <a:p>
             <a:fld id="{083A2CE0-18CD-4102-B738-4ACFF9E68BA4}" type="slidenum">
               <a:rPr lang="ko-KR" altLang="en-US" smtClean="0"/>
-              <a:t>16</a:t>
+              <a:t>17</a:t>
             </a:fld>
             <a:endParaRPr lang="ko-KR" altLang="en-US"/>
           </a:p>
@@ -6225,156 +7702,6 @@
 </p:sld>
 </file>
 
-<file path=ppt/slides/slide17.xml><?xml version="1.0" encoding="utf-8"?>
-<p:sld xmlns:a="http://schemas.openxmlformats.org/drawingml/2006/main" xmlns:r="http://schemas.openxmlformats.org/officeDocument/2006/relationships" xmlns:p="http://schemas.openxmlformats.org/presentationml/2006/main">
-  <p:cSld>
-    <p:spTree>
-      <p:nvGrpSpPr>
-        <p:cNvPr id="1" name=""/>
-        <p:cNvGrpSpPr/>
-        <p:nvPr/>
-      </p:nvGrpSpPr>
-      <p:grpSpPr>
-        <a:xfrm>
-          <a:off x="0" y="0"/>
-          <a:ext cx="0" cy="0"/>
-          <a:chOff x="0" y="0"/>
-          <a:chExt cx="0" cy="0"/>
-        </a:xfrm>
-      </p:grpSpPr>
-      <p:sp>
-        <p:nvSpPr>
-          <p:cNvPr id="2" name="제목 1">
-            <a:extLst>
-              <a:ext uri="{FF2B5EF4-FFF2-40B4-BE49-F238E27FC236}">
-                <a16:creationId xmlns:a16="http://schemas.microsoft.com/office/drawing/2014/main" id="{C2362D63-C19A-9783-F159-CE7989967746}"/>
-              </a:ext>
-            </a:extLst>
-          </p:cNvPr>
-          <p:cNvSpPr>
-            <a:spLocks noGrp="1"/>
-          </p:cNvSpPr>
-          <p:nvPr>
-            <p:ph type="title"/>
-          </p:nvPr>
-        </p:nvSpPr>
-        <p:spPr/>
-        <p:txBody>
-          <a:bodyPr/>
-          <a:lstStyle/>
-          <a:p>
-            <a:r>
-              <a:rPr lang="ko-KR" altLang="en-US"/>
-              <a:t>도구상자 </a:t>
-            </a:r>
-            <a:r>
-              <a:rPr lang="en-US" altLang="ko-KR"/>
-              <a:t>- GridBox</a:t>
-            </a:r>
-            <a:endParaRPr lang="ko-KR" altLang="en-US"/>
-          </a:p>
-        </p:txBody>
-      </p:sp>
-      <p:pic>
-        <p:nvPicPr>
-          <p:cNvPr id="8" name="내용 개체 틀 7">
-            <a:extLst>
-              <a:ext uri="{FF2B5EF4-FFF2-40B4-BE49-F238E27FC236}">
-                <a16:creationId xmlns:a16="http://schemas.microsoft.com/office/drawing/2014/main" id="{B6DAA8B2-EC0D-ADF0-C8B4-CBB2D7DC6F96}"/>
-              </a:ext>
-            </a:extLst>
-          </p:cNvPr>
-          <p:cNvPicPr>
-            <a:picLocks noGrp="1" noChangeAspect="1"/>
-          </p:cNvPicPr>
-          <p:nvPr>
-            <p:ph idx="1"/>
-          </p:nvPr>
-        </p:nvPicPr>
-        <p:blipFill>
-          <a:blip r:embed="rId2"/>
-          <a:stretch>
-            <a:fillRect/>
-          </a:stretch>
-        </p:blipFill>
-        <p:spPr>
-          <a:xfrm>
-            <a:off x="2072030" y="1325563"/>
-            <a:ext cx="8047939" cy="4535925"/>
-          </a:xfrm>
-        </p:spPr>
-      </p:pic>
-      <p:sp>
-        <p:nvSpPr>
-          <p:cNvPr id="4" name="날짜 개체 틀 3">
-            <a:extLst>
-              <a:ext uri="{FF2B5EF4-FFF2-40B4-BE49-F238E27FC236}">
-                <a16:creationId xmlns:a16="http://schemas.microsoft.com/office/drawing/2014/main" id="{8EEFAE9B-A2A1-FB72-583F-1AFCCD27E78B}"/>
-              </a:ext>
-            </a:extLst>
-          </p:cNvPr>
-          <p:cNvSpPr>
-            <a:spLocks noGrp="1"/>
-          </p:cNvSpPr>
-          <p:nvPr>
-            <p:ph type="dt" sz="half" idx="10"/>
-          </p:nvPr>
-        </p:nvSpPr>
-        <p:spPr/>
-        <p:txBody>
-          <a:bodyPr/>
-          <a:lstStyle/>
-          <a:p>
-            <a:fld id="{0F78D9C4-20C1-4B15-A116-16DC77AD9A1E}" type="datetime1">
-              <a:rPr lang="ko-KR" altLang="en-US" smtClean="0"/>
-              <a:t>2025-05-19</a:t>
-            </a:fld>
-            <a:endParaRPr lang="ko-KR" altLang="en-US"/>
-          </a:p>
-        </p:txBody>
-      </p:sp>
-      <p:sp>
-        <p:nvSpPr>
-          <p:cNvPr id="5" name="슬라이드 번호 개체 틀 4">
-            <a:extLst>
-              <a:ext uri="{FF2B5EF4-FFF2-40B4-BE49-F238E27FC236}">
-                <a16:creationId xmlns:a16="http://schemas.microsoft.com/office/drawing/2014/main" id="{F577F723-F9BC-D196-694F-3224CC3C9CEE}"/>
-              </a:ext>
-            </a:extLst>
-          </p:cNvPr>
-          <p:cNvSpPr>
-            <a:spLocks noGrp="1"/>
-          </p:cNvSpPr>
-          <p:nvPr>
-            <p:ph type="sldNum" sz="quarter" idx="12"/>
-          </p:nvPr>
-        </p:nvSpPr>
-        <p:spPr/>
-        <p:txBody>
-          <a:bodyPr/>
-          <a:lstStyle/>
-          <a:p>
-            <a:fld id="{083A2CE0-18CD-4102-B738-4ACFF9E68BA4}" type="slidenum">
-              <a:rPr lang="ko-KR" altLang="en-US" smtClean="0"/>
-              <a:t>17</a:t>
-            </a:fld>
-            <a:endParaRPr lang="ko-KR" altLang="en-US"/>
-          </a:p>
-        </p:txBody>
-      </p:sp>
-    </p:spTree>
-    <p:extLst>
-      <p:ext uri="{BB962C8B-B14F-4D97-AF65-F5344CB8AC3E}">
-        <p14:creationId xmlns:p14="http://schemas.microsoft.com/office/powerpoint/2010/main" val="268685491"/>
-      </p:ext>
-    </p:extLst>
-  </p:cSld>
-  <p:clrMapOvr>
-    <a:masterClrMapping/>
-  </p:clrMapOvr>
-</p:sld>
-</file>
-
 <file path=ppt/slides/slide18.xml><?xml version="1.0" encoding="utf-8"?>
 <p:sld xmlns:a="http://schemas.openxmlformats.org/drawingml/2006/main" xmlns:r="http://schemas.openxmlformats.org/officeDocument/2006/relationships" xmlns:p="http://schemas.openxmlformats.org/presentationml/2006/main">
   <p:cSld>
@@ -6414,49 +7741,54 @@
           <a:lstStyle/>
           <a:p>
             <a:r>
-              <a:rPr lang="ko-KR" altLang="en-US"/>
-              <a:t>도구상자 </a:t>
-            </a:r>
-            <a:r>
-              <a:rPr lang="en-US" altLang="ko-KR"/>
-              <a:t>- GridBox</a:t>
-            </a:r>
-            <a:endParaRPr lang="ko-KR" altLang="en-US"/>
-          </a:p>
-        </p:txBody>
-      </p:sp>
-      <p:sp>
-        <p:nvSpPr>
-          <p:cNvPr id="3" name="내용 개체 틀 2">
-            <a:extLst>
-              <a:ext uri="{FF2B5EF4-FFF2-40B4-BE49-F238E27FC236}">
-                <a16:creationId xmlns:a16="http://schemas.microsoft.com/office/drawing/2014/main" id="{16BB6FC6-755B-64A3-22B2-8F44F5A324F5}"/>
-              </a:ext>
-            </a:extLst>
-          </p:cNvPr>
-          <p:cNvSpPr>
-            <a:spLocks noGrp="1"/>
-          </p:cNvSpPr>
+              <a:rPr lang="ko-KR" altLang="en-US" dirty="0" err="1"/>
+              <a:t>도구상자</a:t>
+            </a:r>
+            <a:r>
+              <a:rPr lang="ko-KR" altLang="en-US" dirty="0"/>
+              <a:t> </a:t>
+            </a:r>
+            <a:r>
+              <a:rPr lang="en-US" altLang="ko-KR" dirty="0"/>
+              <a:t>- </a:t>
+            </a:r>
+            <a:r>
+              <a:rPr lang="en-US" altLang="ko-KR" dirty="0" err="1"/>
+              <a:t>DataGrid</a:t>
+            </a:r>
+            <a:endParaRPr lang="ko-KR" altLang="en-US" dirty="0"/>
+          </a:p>
+        </p:txBody>
+      </p:sp>
+      <p:pic>
+        <p:nvPicPr>
+          <p:cNvPr id="8" name="내용 개체 틀 7">
+            <a:extLst>
+              <a:ext uri="{FF2B5EF4-FFF2-40B4-BE49-F238E27FC236}">
+                <a16:creationId xmlns:a16="http://schemas.microsoft.com/office/drawing/2014/main" id="{B6DAA8B2-EC0D-ADF0-C8B4-CBB2D7DC6F96}"/>
+              </a:ext>
+            </a:extLst>
+          </p:cNvPr>
+          <p:cNvPicPr>
+            <a:picLocks noGrp="1" noChangeAspect="1"/>
+          </p:cNvPicPr>
           <p:nvPr>
             <p:ph idx="1"/>
           </p:nvPr>
-        </p:nvSpPr>
-        <p:spPr/>
-        <p:txBody>
-          <a:bodyPr/>
-          <a:lstStyle/>
-          <a:p>
-            <a:r>
-              <a:rPr lang="en-US" altLang="ko-KR"/>
-              <a:t>DataGrid</a:t>
-            </a:r>
-            <a:r>
-              <a:rPr lang="ko-KR" altLang="en-US"/>
-              <a:t>에서 원하는 값 가져오기</a:t>
-            </a:r>
-          </a:p>
-        </p:txBody>
-      </p:sp>
+        </p:nvPicPr>
+        <p:blipFill>
+          <a:blip r:embed="rId2"/>
+          <a:stretch>
+            <a:fillRect/>
+          </a:stretch>
+        </p:blipFill>
+        <p:spPr>
+          <a:xfrm>
+            <a:off x="2072030" y="1325563"/>
+            <a:ext cx="8047939" cy="4535925"/>
+          </a:xfrm>
+        </p:spPr>
+      </p:pic>
       <p:sp>
         <p:nvSpPr>
           <p:cNvPr id="4" name="날짜 개체 틀 3">
@@ -6480,7 +7812,7 @@
           <a:p>
             <a:fld id="{0F78D9C4-20C1-4B15-A116-16DC77AD9A1E}" type="datetime1">
               <a:rPr lang="ko-KR" altLang="en-US" smtClean="0"/>
-              <a:t>2025-05-19</a:t>
+              <a:t>2025-05-22</a:t>
             </a:fld>
             <a:endParaRPr lang="ko-KR" altLang="en-US"/>
           </a:p>
@@ -6510,6 +7842,167 @@
             <a:fld id="{083A2CE0-18CD-4102-B738-4ACFF9E68BA4}" type="slidenum">
               <a:rPr lang="ko-KR" altLang="en-US" smtClean="0"/>
               <a:t>18</a:t>
+            </a:fld>
+            <a:endParaRPr lang="ko-KR" altLang="en-US"/>
+          </a:p>
+        </p:txBody>
+      </p:sp>
+    </p:spTree>
+    <p:extLst>
+      <p:ext uri="{BB962C8B-B14F-4D97-AF65-F5344CB8AC3E}">
+        <p14:creationId xmlns:p14="http://schemas.microsoft.com/office/powerpoint/2010/main" val="268685491"/>
+      </p:ext>
+    </p:extLst>
+  </p:cSld>
+  <p:clrMapOvr>
+    <a:masterClrMapping/>
+  </p:clrMapOvr>
+</p:sld>
+</file>
+
+<file path=ppt/slides/slide19.xml><?xml version="1.0" encoding="utf-8"?>
+<p:sld xmlns:a="http://schemas.openxmlformats.org/drawingml/2006/main" xmlns:r="http://schemas.openxmlformats.org/officeDocument/2006/relationships" xmlns:p="http://schemas.openxmlformats.org/presentationml/2006/main">
+  <p:cSld>
+    <p:spTree>
+      <p:nvGrpSpPr>
+        <p:cNvPr id="1" name=""/>
+        <p:cNvGrpSpPr/>
+        <p:nvPr/>
+      </p:nvGrpSpPr>
+      <p:grpSpPr>
+        <a:xfrm>
+          <a:off x="0" y="0"/>
+          <a:ext cx="0" cy="0"/>
+          <a:chOff x="0" y="0"/>
+          <a:chExt cx="0" cy="0"/>
+        </a:xfrm>
+      </p:grpSpPr>
+      <p:sp>
+        <p:nvSpPr>
+          <p:cNvPr id="2" name="제목 1">
+            <a:extLst>
+              <a:ext uri="{FF2B5EF4-FFF2-40B4-BE49-F238E27FC236}">
+                <a16:creationId xmlns:a16="http://schemas.microsoft.com/office/drawing/2014/main" id="{C2362D63-C19A-9783-F159-CE7989967746}"/>
+              </a:ext>
+            </a:extLst>
+          </p:cNvPr>
+          <p:cNvSpPr>
+            <a:spLocks noGrp="1"/>
+          </p:cNvSpPr>
+          <p:nvPr>
+            <p:ph type="title"/>
+          </p:nvPr>
+        </p:nvSpPr>
+        <p:spPr/>
+        <p:txBody>
+          <a:bodyPr/>
+          <a:lstStyle/>
+          <a:p>
+            <a:r>
+              <a:rPr lang="ko-KR" altLang="en-US" dirty="0" err="1"/>
+              <a:t>도구상자</a:t>
+            </a:r>
+            <a:r>
+              <a:rPr lang="ko-KR" altLang="en-US" dirty="0"/>
+              <a:t> </a:t>
+            </a:r>
+            <a:r>
+              <a:rPr lang="en-US" altLang="ko-KR" dirty="0"/>
+              <a:t>- </a:t>
+            </a:r>
+            <a:r>
+              <a:rPr lang="en-US" altLang="ko-KR" dirty="0" err="1"/>
+              <a:t>DataGrid</a:t>
+            </a:r>
+            <a:endParaRPr lang="ko-KR" altLang="en-US" dirty="0"/>
+          </a:p>
+        </p:txBody>
+      </p:sp>
+      <p:sp>
+        <p:nvSpPr>
+          <p:cNvPr id="3" name="내용 개체 틀 2">
+            <a:extLst>
+              <a:ext uri="{FF2B5EF4-FFF2-40B4-BE49-F238E27FC236}">
+                <a16:creationId xmlns:a16="http://schemas.microsoft.com/office/drawing/2014/main" id="{16BB6FC6-755B-64A3-22B2-8F44F5A324F5}"/>
+              </a:ext>
+            </a:extLst>
+          </p:cNvPr>
+          <p:cNvSpPr>
+            <a:spLocks noGrp="1"/>
+          </p:cNvSpPr>
+          <p:nvPr>
+            <p:ph idx="1"/>
+          </p:nvPr>
+        </p:nvSpPr>
+        <p:spPr/>
+        <p:txBody>
+          <a:bodyPr/>
+          <a:lstStyle/>
+          <a:p>
+            <a:r>
+              <a:rPr lang="en-US" altLang="ko-KR"/>
+              <a:t>DataGrid</a:t>
+            </a:r>
+            <a:r>
+              <a:rPr lang="ko-KR" altLang="en-US"/>
+              <a:t>에서 원하는 값 가져오기</a:t>
+            </a:r>
+          </a:p>
+        </p:txBody>
+      </p:sp>
+      <p:sp>
+        <p:nvSpPr>
+          <p:cNvPr id="4" name="날짜 개체 틀 3">
+            <a:extLst>
+              <a:ext uri="{FF2B5EF4-FFF2-40B4-BE49-F238E27FC236}">
+                <a16:creationId xmlns:a16="http://schemas.microsoft.com/office/drawing/2014/main" id="{8EEFAE9B-A2A1-FB72-583F-1AFCCD27E78B}"/>
+              </a:ext>
+            </a:extLst>
+          </p:cNvPr>
+          <p:cNvSpPr>
+            <a:spLocks noGrp="1"/>
+          </p:cNvSpPr>
+          <p:nvPr>
+            <p:ph type="dt" sz="half" idx="10"/>
+          </p:nvPr>
+        </p:nvSpPr>
+        <p:spPr/>
+        <p:txBody>
+          <a:bodyPr/>
+          <a:lstStyle/>
+          <a:p>
+            <a:fld id="{0F78D9C4-20C1-4B15-A116-16DC77AD9A1E}" type="datetime1">
+              <a:rPr lang="ko-KR" altLang="en-US" smtClean="0"/>
+              <a:t>2025-05-22</a:t>
+            </a:fld>
+            <a:endParaRPr lang="ko-KR" altLang="en-US"/>
+          </a:p>
+        </p:txBody>
+      </p:sp>
+      <p:sp>
+        <p:nvSpPr>
+          <p:cNvPr id="5" name="슬라이드 번호 개체 틀 4">
+            <a:extLst>
+              <a:ext uri="{FF2B5EF4-FFF2-40B4-BE49-F238E27FC236}">
+                <a16:creationId xmlns:a16="http://schemas.microsoft.com/office/drawing/2014/main" id="{F577F723-F9BC-D196-694F-3224CC3C9CEE}"/>
+              </a:ext>
+            </a:extLst>
+          </p:cNvPr>
+          <p:cNvSpPr>
+            <a:spLocks noGrp="1"/>
+          </p:cNvSpPr>
+          <p:nvPr>
+            <p:ph type="sldNum" sz="quarter" idx="12"/>
+          </p:nvPr>
+        </p:nvSpPr>
+        <p:spPr/>
+        <p:txBody>
+          <a:bodyPr/>
+          <a:lstStyle/>
+          <a:p>
+            <a:fld id="{083A2CE0-18CD-4102-B738-4ACFF9E68BA4}" type="slidenum">
+              <a:rPr lang="ko-KR" altLang="en-US" smtClean="0"/>
+              <a:t>19</a:t>
             </a:fld>
             <a:endParaRPr lang="ko-KR" altLang="en-US"/>
           </a:p>
@@ -6618,404 +8111,6 @@
 </p:sld>
 </file>
 
-<file path=ppt/slides/slide19.xml><?xml version="1.0" encoding="utf-8"?>
-<p:sld xmlns:a="http://schemas.openxmlformats.org/drawingml/2006/main" xmlns:r="http://schemas.openxmlformats.org/officeDocument/2006/relationships" xmlns:p="http://schemas.openxmlformats.org/presentationml/2006/main">
-  <p:cSld>
-    <p:spTree>
-      <p:nvGrpSpPr>
-        <p:cNvPr id="1" name=""/>
-        <p:cNvGrpSpPr/>
-        <p:nvPr/>
-      </p:nvGrpSpPr>
-      <p:grpSpPr>
-        <a:xfrm>
-          <a:off x="0" y="0"/>
-          <a:ext cx="0" cy="0"/>
-          <a:chOff x="0" y="0"/>
-          <a:chExt cx="0" cy="0"/>
-        </a:xfrm>
-      </p:grpSpPr>
-      <p:sp>
-        <p:nvSpPr>
-          <p:cNvPr id="2" name="제목 1">
-            <a:extLst>
-              <a:ext uri="{FF2B5EF4-FFF2-40B4-BE49-F238E27FC236}">
-                <a16:creationId xmlns:a16="http://schemas.microsoft.com/office/drawing/2014/main" id="{7069578B-0A0D-77F8-DFCC-66C7C37D6E5C}"/>
-              </a:ext>
-            </a:extLst>
-          </p:cNvPr>
-          <p:cNvSpPr>
-            <a:spLocks noGrp="1"/>
-          </p:cNvSpPr>
-          <p:nvPr>
-            <p:ph type="title"/>
-          </p:nvPr>
-        </p:nvSpPr>
-        <p:spPr/>
-        <p:txBody>
-          <a:bodyPr/>
-          <a:lstStyle/>
-          <a:p>
-            <a:r>
-              <a:rPr lang="ko-KR" altLang="en-US" dirty="0">
-                <a:solidFill>
-                  <a:srgbClr val="00B050"/>
-                </a:solidFill>
-              </a:rPr>
-              <a:t>실습</a:t>
-            </a:r>
-            <a:r>
-              <a:rPr lang="en-US" altLang="ko-KR" dirty="0">
-                <a:solidFill>
-                  <a:srgbClr val="00B050"/>
-                </a:solidFill>
-              </a:rPr>
-              <a:t>. DataGrid</a:t>
-            </a:r>
-            <a:endParaRPr lang="ko-KR" altLang="en-US" dirty="0">
-              <a:solidFill>
-                <a:srgbClr val="00B050"/>
-              </a:solidFill>
-            </a:endParaRPr>
-          </a:p>
-        </p:txBody>
-      </p:sp>
-      <p:sp>
-        <p:nvSpPr>
-          <p:cNvPr id="3" name="내용 개체 틀 2">
-            <a:extLst>
-              <a:ext uri="{FF2B5EF4-FFF2-40B4-BE49-F238E27FC236}">
-                <a16:creationId xmlns:a16="http://schemas.microsoft.com/office/drawing/2014/main" id="{6025F529-7DAD-2B60-C9B1-D41FEAD679D0}"/>
-              </a:ext>
-            </a:extLst>
-          </p:cNvPr>
-          <p:cNvSpPr>
-            <a:spLocks noGrp="1"/>
-          </p:cNvSpPr>
-          <p:nvPr>
-            <p:ph idx="1"/>
-          </p:nvPr>
-        </p:nvSpPr>
-        <p:spPr/>
-        <p:txBody>
-          <a:bodyPr>
-            <a:normAutofit/>
-          </a:bodyPr>
-          <a:lstStyle/>
-          <a:p>
-            <a:r>
-              <a:rPr lang="en-US" altLang="ko-KR"/>
-              <a:t>DataGrid, Button,</a:t>
-            </a:r>
-            <a:r>
-              <a:rPr lang="ko-KR" altLang="en-US"/>
-              <a:t> </a:t>
-            </a:r>
-            <a:r>
-              <a:rPr lang="en-US" altLang="ko-KR"/>
-              <a:t>Label</a:t>
-            </a:r>
-            <a:r>
-              <a:rPr lang="ko-KR" altLang="en-US"/>
-              <a:t>을 사용하는 윈도우를 제작</a:t>
-            </a:r>
-            <a:endParaRPr lang="en-US" altLang="ko-KR"/>
-          </a:p>
-          <a:p>
-            <a:r>
-              <a:rPr lang="en-US" altLang="ko-KR">
-                <a:solidFill>
-                  <a:schemeClr val="accent6"/>
-                </a:solidFill>
-              </a:rPr>
-              <a:t>File Open </a:t>
-            </a:r>
-            <a:r>
-              <a:rPr lang="ko-KR" altLang="en-US">
-                <a:solidFill>
-                  <a:schemeClr val="accent6"/>
-                </a:solidFill>
-              </a:rPr>
-              <a:t>버튼</a:t>
-            </a:r>
-            <a:r>
-              <a:rPr lang="ko-KR" altLang="en-US"/>
-              <a:t>으로 </a:t>
-            </a:r>
-            <a:r>
-              <a:rPr lang="ko-KR" altLang="en-US">
-                <a:solidFill>
-                  <a:schemeClr val="accent6"/>
-                </a:solidFill>
-              </a:rPr>
-              <a:t>이름</a:t>
-            </a:r>
-            <a:r>
-              <a:rPr lang="en-US" altLang="ko-KR">
-                <a:solidFill>
-                  <a:schemeClr val="accent6"/>
-                </a:solidFill>
-              </a:rPr>
-              <a:t>, </a:t>
-            </a:r>
-            <a:r>
-              <a:rPr lang="ko-KR" altLang="en-US">
-                <a:solidFill>
-                  <a:schemeClr val="accent6"/>
-                </a:solidFill>
-              </a:rPr>
-              <a:t>나이</a:t>
-            </a:r>
-            <a:r>
-              <a:rPr lang="en-US" altLang="ko-KR">
-                <a:solidFill>
-                  <a:schemeClr val="accent6"/>
-                </a:solidFill>
-              </a:rPr>
-              <a:t>, </a:t>
-            </a:r>
-            <a:r>
-              <a:rPr lang="ko-KR" altLang="en-US">
-                <a:solidFill>
-                  <a:schemeClr val="accent6"/>
-                </a:solidFill>
-              </a:rPr>
-              <a:t>설명</a:t>
-            </a:r>
-            <a:r>
-              <a:rPr lang="ko-KR" altLang="en-US"/>
-              <a:t>이 적힌 </a:t>
-            </a:r>
-            <a:r>
-              <a:rPr lang="en-US" altLang="ko-KR">
-                <a:solidFill>
-                  <a:schemeClr val="accent6"/>
-                </a:solidFill>
-              </a:rPr>
-              <a:t>CSV </a:t>
-            </a:r>
-            <a:r>
-              <a:rPr lang="ko-KR" altLang="en-US">
-                <a:solidFill>
-                  <a:schemeClr val="accent6"/>
-                </a:solidFill>
-              </a:rPr>
-              <a:t>파일</a:t>
-            </a:r>
-            <a:r>
-              <a:rPr lang="ko-KR" altLang="en-US"/>
-              <a:t>을 불러와서 내용을 </a:t>
-            </a:r>
-            <a:r>
-              <a:rPr lang="en-US" altLang="ko-KR"/>
-              <a:t>DataGrid</a:t>
-            </a:r>
-            <a:r>
-              <a:rPr lang="ko-KR" altLang="en-US"/>
-              <a:t>에 표시</a:t>
-            </a:r>
-            <a:endParaRPr lang="en-US" altLang="ko-KR"/>
-          </a:p>
-          <a:p>
-            <a:pPr lvl="1"/>
-            <a:r>
-              <a:rPr lang="en-US" altLang="ko-KR">
-                <a:solidFill>
-                  <a:schemeClr val="accent6"/>
-                </a:solidFill>
-              </a:rPr>
-              <a:t>OpenFileDialog</a:t>
-            </a:r>
-            <a:r>
-              <a:rPr lang="ko-KR" altLang="en-US"/>
-              <a:t>를 이용할 것</a:t>
-            </a:r>
-            <a:endParaRPr lang="en-US" altLang="ko-KR"/>
-          </a:p>
-          <a:p>
-            <a:pPr lvl="1"/>
-            <a:r>
-              <a:rPr lang="en-US" altLang="ko-KR"/>
-              <a:t>CSV </a:t>
-            </a:r>
-            <a:r>
-              <a:rPr lang="ko-KR" altLang="en-US"/>
-              <a:t>파일을 가져오고 파싱</a:t>
-            </a:r>
-            <a:r>
-              <a:rPr lang="en-US" altLang="ko-KR"/>
-              <a:t>(</a:t>
-            </a:r>
-            <a:r>
-              <a:rPr lang="ko-KR" altLang="en-US"/>
-              <a:t>해석</a:t>
-            </a:r>
-            <a:r>
-              <a:rPr lang="en-US" altLang="ko-KR"/>
-              <a:t>)</a:t>
-            </a:r>
-            <a:r>
-              <a:rPr lang="ko-KR" altLang="en-US"/>
-              <a:t>할 때 </a:t>
-            </a:r>
-            <a:r>
-              <a:rPr lang="en-US" altLang="ko-KR">
-                <a:solidFill>
-                  <a:schemeClr val="accent6"/>
-                </a:solidFill>
-              </a:rPr>
-              <a:t>try, catch</a:t>
-            </a:r>
-            <a:r>
-              <a:rPr lang="en-US" altLang="ko-KR"/>
-              <a:t> </a:t>
-            </a:r>
-            <a:r>
-              <a:rPr lang="ko-KR" altLang="en-US"/>
-              <a:t>처리할 것</a:t>
-            </a:r>
-            <a:endParaRPr lang="en-US" altLang="ko-KR"/>
-          </a:p>
-          <a:p>
-            <a:pPr lvl="1"/>
-            <a:r>
-              <a:rPr lang="en-US" altLang="ko-KR">
-                <a:solidFill>
-                  <a:schemeClr val="accent6"/>
-                </a:solidFill>
-              </a:rPr>
-              <a:t>Label</a:t>
-            </a:r>
-            <a:r>
-              <a:rPr lang="ko-KR" altLang="en-US"/>
-              <a:t>은 선택된 파일의 경로를 표시하는데 사용</a:t>
-            </a:r>
-            <a:endParaRPr lang="en-US" altLang="ko-KR"/>
-          </a:p>
-          <a:p>
-            <a:r>
-              <a:rPr lang="en-US" altLang="ko-KR"/>
-              <a:t>DataGrid</a:t>
-            </a:r>
-            <a:r>
-              <a:rPr lang="ko-KR" altLang="en-US"/>
-              <a:t>에 있는 행을 선택 후 </a:t>
-            </a:r>
-            <a:r>
-              <a:rPr lang="en-US" altLang="ko-KR">
-                <a:solidFill>
-                  <a:schemeClr val="accent6"/>
-                </a:solidFill>
-              </a:rPr>
-              <a:t>Get Data </a:t>
-            </a:r>
-            <a:r>
-              <a:rPr lang="ko-KR" altLang="en-US">
-                <a:solidFill>
-                  <a:schemeClr val="accent6"/>
-                </a:solidFill>
-              </a:rPr>
-              <a:t>버튼</a:t>
-            </a:r>
-            <a:r>
-              <a:rPr lang="ko-KR" altLang="en-US"/>
-              <a:t> 클릭시 </a:t>
-            </a:r>
-            <a:r>
-              <a:rPr lang="ko-KR" altLang="en-US">
-                <a:solidFill>
-                  <a:schemeClr val="accent6"/>
-                </a:solidFill>
-              </a:rPr>
-              <a:t>선택된 행의 이름</a:t>
-            </a:r>
-            <a:r>
-              <a:rPr lang="ko-KR" altLang="en-US"/>
-              <a:t>을 출력하는 메시지박스 띄우기</a:t>
-            </a:r>
-            <a:endParaRPr lang="en-US" altLang="ko-KR"/>
-          </a:p>
-          <a:p>
-            <a:pPr lvl="1"/>
-            <a:endParaRPr lang="en-US" altLang="ko-KR"/>
-          </a:p>
-          <a:p>
-            <a:pPr lvl="1"/>
-            <a:endParaRPr lang="ko-KR" altLang="en-US"/>
-          </a:p>
-        </p:txBody>
-      </p:sp>
-      <p:sp>
-        <p:nvSpPr>
-          <p:cNvPr id="4" name="날짜 개체 틀 3">
-            <a:extLst>
-              <a:ext uri="{FF2B5EF4-FFF2-40B4-BE49-F238E27FC236}">
-                <a16:creationId xmlns:a16="http://schemas.microsoft.com/office/drawing/2014/main" id="{C7349403-75C4-90FE-6FD3-BE8B1C5AA18F}"/>
-              </a:ext>
-            </a:extLst>
-          </p:cNvPr>
-          <p:cNvSpPr>
-            <a:spLocks noGrp="1"/>
-          </p:cNvSpPr>
-          <p:nvPr>
-            <p:ph type="dt" sz="half" idx="10"/>
-          </p:nvPr>
-        </p:nvSpPr>
-        <p:spPr/>
-        <p:txBody>
-          <a:bodyPr/>
-          <a:lstStyle/>
-          <a:p>
-            <a:fld id="{0F78D9C4-20C1-4B15-A116-16DC77AD9A1E}" type="datetime1">
-              <a:rPr lang="ko-KR" altLang="en-US" smtClean="0"/>
-              <a:t>2025-05-19</a:t>
-            </a:fld>
-            <a:endParaRPr lang="ko-KR" altLang="en-US"/>
-          </a:p>
-        </p:txBody>
-      </p:sp>
-      <p:sp>
-        <p:nvSpPr>
-          <p:cNvPr id="5" name="슬라이드 번호 개체 틀 4">
-            <a:extLst>
-              <a:ext uri="{FF2B5EF4-FFF2-40B4-BE49-F238E27FC236}">
-                <a16:creationId xmlns:a16="http://schemas.microsoft.com/office/drawing/2014/main" id="{D17A7D7A-BE97-9574-DA25-12F78044F155}"/>
-              </a:ext>
-            </a:extLst>
-          </p:cNvPr>
-          <p:cNvSpPr>
-            <a:spLocks noGrp="1"/>
-          </p:cNvSpPr>
-          <p:nvPr>
-            <p:ph type="sldNum" sz="quarter" idx="12"/>
-          </p:nvPr>
-        </p:nvSpPr>
-        <p:spPr/>
-        <p:txBody>
-          <a:bodyPr/>
-          <a:lstStyle/>
-          <a:p>
-            <a:fld id="{083A2CE0-18CD-4102-B738-4ACFF9E68BA4}" type="slidenum">
-              <a:rPr lang="ko-KR" altLang="en-US" smtClean="0"/>
-              <a:t>19</a:t>
-            </a:fld>
-            <a:endParaRPr lang="ko-KR" altLang="en-US"/>
-          </a:p>
-        </p:txBody>
-      </p:sp>
-    </p:spTree>
-    <p:extLst>
-      <p:ext uri="{BB962C8B-B14F-4D97-AF65-F5344CB8AC3E}">
-        <p14:creationId xmlns:p14="http://schemas.microsoft.com/office/powerpoint/2010/main" val="736743301"/>
-      </p:ext>
-    </p:extLst>
-  </p:cSld>
-  <p:clrMapOvr>
-    <a:masterClrMapping/>
-  </p:clrMapOvr>
-</p:sld>
-</file>
-
 <file path=ppt/slides/slide2.xml><?xml version="1.0" encoding="utf-8"?>
 <p:sld xmlns:a="http://schemas.openxmlformats.org/drawingml/2006/main" xmlns:r="http://schemas.openxmlformats.org/officeDocument/2006/relationships" xmlns:p="http://schemas.openxmlformats.org/presentationml/2006/main">
   <p:cSld>
@@ -7092,7 +8187,7 @@
           <a:p>
             <a:fld id="{0F78D9C4-20C1-4B15-A116-16DC77AD9A1E}" type="datetime1">
               <a:rPr lang="ko-KR" altLang="en-US" smtClean="0"/>
-              <a:t>2025-05-19</a:t>
+              <a:t>2025-05-22</a:t>
             </a:fld>
             <a:endParaRPr lang="ko-KR" altLang="en-US"/>
           </a:p>
@@ -7122,6 +8217,765 @@
             <a:fld id="{083A2CE0-18CD-4102-B738-4ACFF9E68BA4}" type="slidenum">
               <a:rPr lang="ko-KR" altLang="en-US" smtClean="0"/>
               <a:t>2</a:t>
+            </a:fld>
+            <a:endParaRPr lang="ko-KR" altLang="en-US"/>
+          </a:p>
+        </p:txBody>
+      </p:sp>
+      <p:pic>
+        <p:nvPicPr>
+          <p:cNvPr id="6" name="그림 5">
+            <a:extLst>
+              <a:ext uri="{FF2B5EF4-FFF2-40B4-BE49-F238E27FC236}">
+                <a16:creationId xmlns:a16="http://schemas.microsoft.com/office/drawing/2014/main" id="{98FFFFCB-4C5A-6D8F-9AA3-F46C250A8EFA}"/>
+              </a:ext>
+            </a:extLst>
+          </p:cNvPr>
+          <p:cNvPicPr>
+            <a:picLocks noChangeAspect="1"/>
+          </p:cNvPicPr>
+          <p:nvPr/>
+        </p:nvPicPr>
+        <p:blipFill>
+          <a:blip r:embed="rId2"/>
+          <a:stretch>
+            <a:fillRect/>
+          </a:stretch>
+        </p:blipFill>
+        <p:spPr>
+          <a:xfrm>
+            <a:off x="559789" y="2085815"/>
+            <a:ext cx="2448267" cy="2600688"/>
+          </a:xfrm>
+          <a:prstGeom prst="rect">
+            <a:avLst/>
+          </a:prstGeom>
+        </p:spPr>
+      </p:pic>
+      <p:sp>
+        <p:nvSpPr>
+          <p:cNvPr id="7" name="TextBox 6">
+            <a:extLst>
+              <a:ext uri="{FF2B5EF4-FFF2-40B4-BE49-F238E27FC236}">
+                <a16:creationId xmlns:a16="http://schemas.microsoft.com/office/drawing/2014/main" id="{13C65611-A061-9051-E750-BB48F5C7B009}"/>
+              </a:ext>
+            </a:extLst>
+          </p:cNvPr>
+          <p:cNvSpPr txBox="1"/>
+          <p:nvPr/>
+        </p:nvSpPr>
+        <p:spPr>
+          <a:xfrm>
+            <a:off x="542236" y="4781320"/>
+            <a:ext cx="2483372" cy="369332"/>
+          </a:xfrm>
+          <a:prstGeom prst="rect">
+            <a:avLst/>
+          </a:prstGeom>
+          <a:noFill/>
+        </p:spPr>
+        <p:txBody>
+          <a:bodyPr wrap="none" rtlCol="0">
+            <a:spAutoFit/>
+          </a:bodyPr>
+          <a:lstStyle/>
+          <a:p>
+            <a:r>
+              <a:rPr lang="ko-KR" altLang="en-US"/>
+              <a:t>이미지를 표시하는데 사용</a:t>
+            </a:r>
+          </a:p>
+        </p:txBody>
+      </p:sp>
+      <p:pic>
+        <p:nvPicPr>
+          <p:cNvPr id="20" name="그림 19">
+            <a:extLst>
+              <a:ext uri="{FF2B5EF4-FFF2-40B4-BE49-F238E27FC236}">
+                <a16:creationId xmlns:a16="http://schemas.microsoft.com/office/drawing/2014/main" id="{6F91286F-8AA8-1DBA-2381-425FF5E81AF9}"/>
+              </a:ext>
+            </a:extLst>
+          </p:cNvPr>
+          <p:cNvPicPr>
+            <a:picLocks noChangeAspect="1"/>
+          </p:cNvPicPr>
+          <p:nvPr/>
+        </p:nvPicPr>
+        <p:blipFill>
+          <a:blip r:embed="rId3"/>
+          <a:stretch>
+            <a:fillRect/>
+          </a:stretch>
+        </p:blipFill>
+        <p:spPr>
+          <a:xfrm>
+            <a:off x="3680041" y="3919187"/>
+            <a:ext cx="2629267" cy="1724266"/>
+          </a:xfrm>
+          <a:prstGeom prst="rect">
+            <a:avLst/>
+          </a:prstGeom>
+        </p:spPr>
+      </p:pic>
+      <p:cxnSp>
+        <p:nvCxnSpPr>
+          <p:cNvPr id="22" name="직선 연결선 21">
+            <a:extLst>
+              <a:ext uri="{FF2B5EF4-FFF2-40B4-BE49-F238E27FC236}">
+                <a16:creationId xmlns:a16="http://schemas.microsoft.com/office/drawing/2014/main" id="{1750827E-4188-EFBF-C7C8-A7DCE84E3EB6}"/>
+              </a:ext>
+            </a:extLst>
+          </p:cNvPr>
+          <p:cNvCxnSpPr/>
+          <p:nvPr/>
+        </p:nvCxnSpPr>
+        <p:spPr>
+          <a:xfrm>
+            <a:off x="4131325" y="5199961"/>
+            <a:ext cx="627961" cy="0"/>
+          </a:xfrm>
+          <a:prstGeom prst="line">
+            <a:avLst/>
+          </a:prstGeom>
+        </p:spPr>
+        <p:style>
+          <a:lnRef idx="3">
+            <a:schemeClr val="accent2"/>
+          </a:lnRef>
+          <a:fillRef idx="0">
+            <a:schemeClr val="accent2"/>
+          </a:fillRef>
+          <a:effectRef idx="2">
+            <a:schemeClr val="accent2"/>
+          </a:effectRef>
+          <a:fontRef idx="minor">
+            <a:schemeClr val="tx1"/>
+          </a:fontRef>
+        </p:style>
+      </p:cxnSp>
+      <p:pic>
+        <p:nvPicPr>
+          <p:cNvPr id="24" name="그림 23">
+            <a:extLst>
+              <a:ext uri="{FF2B5EF4-FFF2-40B4-BE49-F238E27FC236}">
+                <a16:creationId xmlns:a16="http://schemas.microsoft.com/office/drawing/2014/main" id="{A5966DD1-9F48-D58A-24C7-45C145AD6544}"/>
+              </a:ext>
+            </a:extLst>
+          </p:cNvPr>
+          <p:cNvPicPr>
+            <a:picLocks noChangeAspect="1"/>
+          </p:cNvPicPr>
+          <p:nvPr/>
+        </p:nvPicPr>
+        <p:blipFill>
+          <a:blip r:embed="rId4"/>
+          <a:stretch>
+            <a:fillRect/>
+          </a:stretch>
+        </p:blipFill>
+        <p:spPr>
+          <a:xfrm>
+            <a:off x="3328410" y="1421176"/>
+            <a:ext cx="7956665" cy="4568041"/>
+          </a:xfrm>
+          <a:prstGeom prst="rect">
+            <a:avLst/>
+          </a:prstGeom>
+        </p:spPr>
+      </p:pic>
+      <p:cxnSp>
+        <p:nvCxnSpPr>
+          <p:cNvPr id="26" name="직선 화살표 연결선 25">
+            <a:extLst>
+              <a:ext uri="{FF2B5EF4-FFF2-40B4-BE49-F238E27FC236}">
+                <a16:creationId xmlns:a16="http://schemas.microsoft.com/office/drawing/2014/main" id="{A3A3D15D-2C13-901F-9CA4-6BC982B76341}"/>
+              </a:ext>
+            </a:extLst>
+          </p:cNvPr>
+          <p:cNvCxnSpPr>
+            <a:cxnSpLocks/>
+          </p:cNvCxnSpPr>
+          <p:nvPr/>
+        </p:nvCxnSpPr>
+        <p:spPr>
+          <a:xfrm>
+            <a:off x="5420299" y="3573423"/>
+            <a:ext cx="4028501" cy="1113080"/>
+          </a:xfrm>
+          <a:prstGeom prst="straightConnector1">
+            <a:avLst/>
+          </a:prstGeom>
+          <a:ln>
+            <a:tailEnd type="triangle"/>
+          </a:ln>
+        </p:spPr>
+        <p:style>
+          <a:lnRef idx="3">
+            <a:schemeClr val="accent2"/>
+          </a:lnRef>
+          <a:fillRef idx="0">
+            <a:schemeClr val="accent2"/>
+          </a:fillRef>
+          <a:effectRef idx="2">
+            <a:schemeClr val="accent2"/>
+          </a:effectRef>
+          <a:fontRef idx="minor">
+            <a:schemeClr val="tx1"/>
+          </a:fontRef>
+        </p:style>
+      </p:cxnSp>
+      <p:sp>
+        <p:nvSpPr>
+          <p:cNvPr id="27" name="TextBox 26">
+            <a:extLst>
+              <a:ext uri="{FF2B5EF4-FFF2-40B4-BE49-F238E27FC236}">
+                <a16:creationId xmlns:a16="http://schemas.microsoft.com/office/drawing/2014/main" id="{ED9F7672-A06C-0DD7-BF44-798D096F74B0}"/>
+              </a:ext>
+            </a:extLst>
+          </p:cNvPr>
+          <p:cNvSpPr txBox="1"/>
+          <p:nvPr/>
+        </p:nvSpPr>
+        <p:spPr>
+          <a:xfrm>
+            <a:off x="6514188" y="4054403"/>
+            <a:ext cx="780983" cy="369332"/>
+          </a:xfrm>
+          <a:prstGeom prst="rect">
+            <a:avLst/>
+          </a:prstGeom>
+          <a:noFill/>
+        </p:spPr>
+        <p:txBody>
+          <a:bodyPr wrap="none" rtlCol="0">
+            <a:spAutoFit/>
+          </a:bodyPr>
+          <a:lstStyle/>
+          <a:p>
+            <a:r>
+              <a:rPr lang="ko-KR" altLang="en-US"/>
+              <a:t>드래그</a:t>
+            </a:r>
+          </a:p>
+        </p:txBody>
+      </p:sp>
+    </p:spTree>
+    <p:extLst>
+      <p:ext uri="{BB962C8B-B14F-4D97-AF65-F5344CB8AC3E}">
+        <p14:creationId xmlns:p14="http://schemas.microsoft.com/office/powerpoint/2010/main" val="1418886457"/>
+      </p:ext>
+    </p:extLst>
+  </p:cSld>
+  <p:clrMapOvr>
+    <a:masterClrMapping/>
+  </p:clrMapOvr>
+</p:sld>
+</file>
+
+<file path=ppt/slides/slide20.xml><?xml version="1.0" encoding="utf-8"?>
+<p:sld xmlns:a="http://schemas.openxmlformats.org/drawingml/2006/main" xmlns:r="http://schemas.openxmlformats.org/officeDocument/2006/relationships" xmlns:p="http://schemas.openxmlformats.org/presentationml/2006/main">
+  <p:cSld>
+    <p:spTree>
+      <p:nvGrpSpPr>
+        <p:cNvPr id="1" name=""/>
+        <p:cNvGrpSpPr/>
+        <p:nvPr/>
+      </p:nvGrpSpPr>
+      <p:grpSpPr>
+        <a:xfrm>
+          <a:off x="0" y="0"/>
+          <a:ext cx="0" cy="0"/>
+          <a:chOff x="0" y="0"/>
+          <a:chExt cx="0" cy="0"/>
+        </a:xfrm>
+      </p:grpSpPr>
+      <p:sp>
+        <p:nvSpPr>
+          <p:cNvPr id="2" name="제목 1">
+            <a:extLst>
+              <a:ext uri="{FF2B5EF4-FFF2-40B4-BE49-F238E27FC236}">
+                <a16:creationId xmlns:a16="http://schemas.microsoft.com/office/drawing/2014/main" id="{7069578B-0A0D-77F8-DFCC-66C7C37D6E5C}"/>
+              </a:ext>
+            </a:extLst>
+          </p:cNvPr>
+          <p:cNvSpPr>
+            <a:spLocks noGrp="1"/>
+          </p:cNvSpPr>
+          <p:nvPr>
+            <p:ph type="title"/>
+          </p:nvPr>
+        </p:nvSpPr>
+        <p:spPr/>
+        <p:txBody>
+          <a:bodyPr/>
+          <a:lstStyle/>
+          <a:p>
+            <a:r>
+              <a:rPr lang="ko-KR" altLang="en-US" dirty="0">
+                <a:solidFill>
+                  <a:srgbClr val="00B050"/>
+                </a:solidFill>
+              </a:rPr>
+              <a:t>실습</a:t>
+            </a:r>
+            <a:r>
+              <a:rPr lang="en-US" altLang="ko-KR" dirty="0">
+                <a:solidFill>
+                  <a:srgbClr val="00B050"/>
+                </a:solidFill>
+              </a:rPr>
+              <a:t>. DataGrid</a:t>
+            </a:r>
+            <a:endParaRPr lang="ko-KR" altLang="en-US" dirty="0">
+              <a:solidFill>
+                <a:srgbClr val="00B050"/>
+              </a:solidFill>
+            </a:endParaRPr>
+          </a:p>
+        </p:txBody>
+      </p:sp>
+      <p:sp>
+        <p:nvSpPr>
+          <p:cNvPr id="3" name="내용 개체 틀 2">
+            <a:extLst>
+              <a:ext uri="{FF2B5EF4-FFF2-40B4-BE49-F238E27FC236}">
+                <a16:creationId xmlns:a16="http://schemas.microsoft.com/office/drawing/2014/main" id="{6025F529-7DAD-2B60-C9B1-D41FEAD679D0}"/>
+              </a:ext>
+            </a:extLst>
+          </p:cNvPr>
+          <p:cNvSpPr>
+            <a:spLocks noGrp="1"/>
+          </p:cNvSpPr>
+          <p:nvPr>
+            <p:ph idx="1"/>
+          </p:nvPr>
+        </p:nvSpPr>
+        <p:spPr/>
+        <p:txBody>
+          <a:bodyPr>
+            <a:normAutofit/>
+          </a:bodyPr>
+          <a:lstStyle/>
+          <a:p>
+            <a:r>
+              <a:rPr lang="en-US" altLang="ko-KR"/>
+              <a:t>DataGrid, Button,</a:t>
+            </a:r>
+            <a:r>
+              <a:rPr lang="ko-KR" altLang="en-US"/>
+              <a:t> </a:t>
+            </a:r>
+            <a:r>
+              <a:rPr lang="en-US" altLang="ko-KR"/>
+              <a:t>Label</a:t>
+            </a:r>
+            <a:r>
+              <a:rPr lang="ko-KR" altLang="en-US"/>
+              <a:t>을 사용하는 윈도우를 제작</a:t>
+            </a:r>
+            <a:endParaRPr lang="en-US" altLang="ko-KR"/>
+          </a:p>
+          <a:p>
+            <a:r>
+              <a:rPr lang="en-US" altLang="ko-KR">
+                <a:solidFill>
+                  <a:schemeClr val="accent6"/>
+                </a:solidFill>
+              </a:rPr>
+              <a:t>File Open </a:t>
+            </a:r>
+            <a:r>
+              <a:rPr lang="ko-KR" altLang="en-US">
+                <a:solidFill>
+                  <a:schemeClr val="accent6"/>
+                </a:solidFill>
+              </a:rPr>
+              <a:t>버튼</a:t>
+            </a:r>
+            <a:r>
+              <a:rPr lang="ko-KR" altLang="en-US"/>
+              <a:t>으로 </a:t>
+            </a:r>
+            <a:r>
+              <a:rPr lang="ko-KR" altLang="en-US">
+                <a:solidFill>
+                  <a:schemeClr val="accent6"/>
+                </a:solidFill>
+              </a:rPr>
+              <a:t>이름</a:t>
+            </a:r>
+            <a:r>
+              <a:rPr lang="en-US" altLang="ko-KR">
+                <a:solidFill>
+                  <a:schemeClr val="accent6"/>
+                </a:solidFill>
+              </a:rPr>
+              <a:t>, </a:t>
+            </a:r>
+            <a:r>
+              <a:rPr lang="ko-KR" altLang="en-US">
+                <a:solidFill>
+                  <a:schemeClr val="accent6"/>
+                </a:solidFill>
+              </a:rPr>
+              <a:t>나이</a:t>
+            </a:r>
+            <a:r>
+              <a:rPr lang="en-US" altLang="ko-KR">
+                <a:solidFill>
+                  <a:schemeClr val="accent6"/>
+                </a:solidFill>
+              </a:rPr>
+              <a:t>, </a:t>
+            </a:r>
+            <a:r>
+              <a:rPr lang="ko-KR" altLang="en-US">
+                <a:solidFill>
+                  <a:schemeClr val="accent6"/>
+                </a:solidFill>
+              </a:rPr>
+              <a:t>설명</a:t>
+            </a:r>
+            <a:r>
+              <a:rPr lang="ko-KR" altLang="en-US"/>
+              <a:t>이 적힌 </a:t>
+            </a:r>
+            <a:r>
+              <a:rPr lang="en-US" altLang="ko-KR">
+                <a:solidFill>
+                  <a:schemeClr val="accent6"/>
+                </a:solidFill>
+              </a:rPr>
+              <a:t>CSV </a:t>
+            </a:r>
+            <a:r>
+              <a:rPr lang="ko-KR" altLang="en-US">
+                <a:solidFill>
+                  <a:schemeClr val="accent6"/>
+                </a:solidFill>
+              </a:rPr>
+              <a:t>파일</a:t>
+            </a:r>
+            <a:r>
+              <a:rPr lang="ko-KR" altLang="en-US"/>
+              <a:t>을 불러와서 내용을 </a:t>
+            </a:r>
+            <a:r>
+              <a:rPr lang="en-US" altLang="ko-KR"/>
+              <a:t>DataGrid</a:t>
+            </a:r>
+            <a:r>
+              <a:rPr lang="ko-KR" altLang="en-US"/>
+              <a:t>에 표시</a:t>
+            </a:r>
+            <a:endParaRPr lang="en-US" altLang="ko-KR"/>
+          </a:p>
+          <a:p>
+            <a:pPr lvl="1"/>
+            <a:r>
+              <a:rPr lang="en-US" altLang="ko-KR">
+                <a:solidFill>
+                  <a:schemeClr val="accent6"/>
+                </a:solidFill>
+              </a:rPr>
+              <a:t>OpenFileDialog</a:t>
+            </a:r>
+            <a:r>
+              <a:rPr lang="ko-KR" altLang="en-US"/>
+              <a:t>를 이용할 것</a:t>
+            </a:r>
+            <a:endParaRPr lang="en-US" altLang="ko-KR"/>
+          </a:p>
+          <a:p>
+            <a:pPr lvl="1"/>
+            <a:r>
+              <a:rPr lang="en-US" altLang="ko-KR"/>
+              <a:t>CSV </a:t>
+            </a:r>
+            <a:r>
+              <a:rPr lang="ko-KR" altLang="en-US"/>
+              <a:t>파일을 가져오고 파싱</a:t>
+            </a:r>
+            <a:r>
+              <a:rPr lang="en-US" altLang="ko-KR"/>
+              <a:t>(</a:t>
+            </a:r>
+            <a:r>
+              <a:rPr lang="ko-KR" altLang="en-US"/>
+              <a:t>해석</a:t>
+            </a:r>
+            <a:r>
+              <a:rPr lang="en-US" altLang="ko-KR"/>
+              <a:t>)</a:t>
+            </a:r>
+            <a:r>
+              <a:rPr lang="ko-KR" altLang="en-US"/>
+              <a:t>할 때 </a:t>
+            </a:r>
+            <a:r>
+              <a:rPr lang="en-US" altLang="ko-KR">
+                <a:solidFill>
+                  <a:schemeClr val="accent6"/>
+                </a:solidFill>
+              </a:rPr>
+              <a:t>try, catch</a:t>
+            </a:r>
+            <a:r>
+              <a:rPr lang="en-US" altLang="ko-KR"/>
+              <a:t> </a:t>
+            </a:r>
+            <a:r>
+              <a:rPr lang="ko-KR" altLang="en-US"/>
+              <a:t>처리할 것</a:t>
+            </a:r>
+            <a:endParaRPr lang="en-US" altLang="ko-KR"/>
+          </a:p>
+          <a:p>
+            <a:pPr lvl="1"/>
+            <a:r>
+              <a:rPr lang="en-US" altLang="ko-KR">
+                <a:solidFill>
+                  <a:schemeClr val="accent6"/>
+                </a:solidFill>
+              </a:rPr>
+              <a:t>Label</a:t>
+            </a:r>
+            <a:r>
+              <a:rPr lang="ko-KR" altLang="en-US"/>
+              <a:t>은 선택된 파일의 경로를 표시하는데 사용</a:t>
+            </a:r>
+            <a:endParaRPr lang="en-US" altLang="ko-KR"/>
+          </a:p>
+          <a:p>
+            <a:r>
+              <a:rPr lang="en-US" altLang="ko-KR"/>
+              <a:t>DataGrid</a:t>
+            </a:r>
+            <a:r>
+              <a:rPr lang="ko-KR" altLang="en-US"/>
+              <a:t>에 있는 행을 선택 후 </a:t>
+            </a:r>
+            <a:r>
+              <a:rPr lang="en-US" altLang="ko-KR">
+                <a:solidFill>
+                  <a:schemeClr val="accent6"/>
+                </a:solidFill>
+              </a:rPr>
+              <a:t>Get Data </a:t>
+            </a:r>
+            <a:r>
+              <a:rPr lang="ko-KR" altLang="en-US">
+                <a:solidFill>
+                  <a:schemeClr val="accent6"/>
+                </a:solidFill>
+              </a:rPr>
+              <a:t>버튼</a:t>
+            </a:r>
+            <a:r>
+              <a:rPr lang="ko-KR" altLang="en-US"/>
+              <a:t> 클릭시 </a:t>
+            </a:r>
+            <a:r>
+              <a:rPr lang="ko-KR" altLang="en-US">
+                <a:solidFill>
+                  <a:schemeClr val="accent6"/>
+                </a:solidFill>
+              </a:rPr>
+              <a:t>선택된 행의 이름</a:t>
+            </a:r>
+            <a:r>
+              <a:rPr lang="ko-KR" altLang="en-US"/>
+              <a:t>을 출력하는 메시지박스 띄우기</a:t>
+            </a:r>
+            <a:endParaRPr lang="en-US" altLang="ko-KR"/>
+          </a:p>
+          <a:p>
+            <a:pPr lvl="1"/>
+            <a:endParaRPr lang="en-US" altLang="ko-KR"/>
+          </a:p>
+          <a:p>
+            <a:pPr lvl="1"/>
+            <a:endParaRPr lang="ko-KR" altLang="en-US"/>
+          </a:p>
+        </p:txBody>
+      </p:sp>
+      <p:sp>
+        <p:nvSpPr>
+          <p:cNvPr id="4" name="날짜 개체 틀 3">
+            <a:extLst>
+              <a:ext uri="{FF2B5EF4-FFF2-40B4-BE49-F238E27FC236}">
+                <a16:creationId xmlns:a16="http://schemas.microsoft.com/office/drawing/2014/main" id="{C7349403-75C4-90FE-6FD3-BE8B1C5AA18F}"/>
+              </a:ext>
+            </a:extLst>
+          </p:cNvPr>
+          <p:cNvSpPr>
+            <a:spLocks noGrp="1"/>
+          </p:cNvSpPr>
+          <p:nvPr>
+            <p:ph type="dt" sz="half" idx="10"/>
+          </p:nvPr>
+        </p:nvSpPr>
+        <p:spPr/>
+        <p:txBody>
+          <a:bodyPr/>
+          <a:lstStyle/>
+          <a:p>
+            <a:fld id="{0F78D9C4-20C1-4B15-A116-16DC77AD9A1E}" type="datetime1">
+              <a:rPr lang="ko-KR" altLang="en-US" smtClean="0"/>
+              <a:t>2025-05-22</a:t>
+            </a:fld>
+            <a:endParaRPr lang="ko-KR" altLang="en-US"/>
+          </a:p>
+        </p:txBody>
+      </p:sp>
+      <p:sp>
+        <p:nvSpPr>
+          <p:cNvPr id="5" name="슬라이드 번호 개체 틀 4">
+            <a:extLst>
+              <a:ext uri="{FF2B5EF4-FFF2-40B4-BE49-F238E27FC236}">
+                <a16:creationId xmlns:a16="http://schemas.microsoft.com/office/drawing/2014/main" id="{D17A7D7A-BE97-9574-DA25-12F78044F155}"/>
+              </a:ext>
+            </a:extLst>
+          </p:cNvPr>
+          <p:cNvSpPr>
+            <a:spLocks noGrp="1"/>
+          </p:cNvSpPr>
+          <p:nvPr>
+            <p:ph type="sldNum" sz="quarter" idx="12"/>
+          </p:nvPr>
+        </p:nvSpPr>
+        <p:spPr/>
+        <p:txBody>
+          <a:bodyPr/>
+          <a:lstStyle/>
+          <a:p>
+            <a:fld id="{083A2CE0-18CD-4102-B738-4ACFF9E68BA4}" type="slidenum">
+              <a:rPr lang="ko-KR" altLang="en-US" smtClean="0"/>
+              <a:t>20</a:t>
+            </a:fld>
+            <a:endParaRPr lang="ko-KR" altLang="en-US"/>
+          </a:p>
+        </p:txBody>
+      </p:sp>
+    </p:spTree>
+    <p:extLst>
+      <p:ext uri="{BB962C8B-B14F-4D97-AF65-F5344CB8AC3E}">
+        <p14:creationId xmlns:p14="http://schemas.microsoft.com/office/powerpoint/2010/main" val="736743301"/>
+      </p:ext>
+    </p:extLst>
+  </p:cSld>
+  <p:clrMapOvr>
+    <a:masterClrMapping/>
+  </p:clrMapOvr>
+</p:sld>
+</file>
+
+<file path=ppt/slides/slide3.xml><?xml version="1.0" encoding="utf-8"?>
+<p:sld xmlns:a="http://schemas.openxmlformats.org/drawingml/2006/main" xmlns:r="http://schemas.openxmlformats.org/officeDocument/2006/relationships" xmlns:p="http://schemas.openxmlformats.org/presentationml/2006/main">
+  <p:cSld>
+    <p:spTree>
+      <p:nvGrpSpPr>
+        <p:cNvPr id="1" name=""/>
+        <p:cNvGrpSpPr/>
+        <p:nvPr/>
+      </p:nvGrpSpPr>
+      <p:grpSpPr>
+        <a:xfrm>
+          <a:off x="0" y="0"/>
+          <a:ext cx="0" cy="0"/>
+          <a:chOff x="0" y="0"/>
+          <a:chExt cx="0" cy="0"/>
+        </a:xfrm>
+      </p:grpSpPr>
+      <p:sp>
+        <p:nvSpPr>
+          <p:cNvPr id="2" name="제목 1">
+            <a:extLst>
+              <a:ext uri="{FF2B5EF4-FFF2-40B4-BE49-F238E27FC236}">
+                <a16:creationId xmlns:a16="http://schemas.microsoft.com/office/drawing/2014/main" id="{FF6F4E9B-7388-97E9-9E63-C391980784FE}"/>
+              </a:ext>
+            </a:extLst>
+          </p:cNvPr>
+          <p:cNvSpPr>
+            <a:spLocks noGrp="1"/>
+          </p:cNvSpPr>
+          <p:nvPr>
+            <p:ph type="title"/>
+          </p:nvPr>
+        </p:nvSpPr>
+        <p:spPr/>
+        <p:txBody>
+          <a:bodyPr/>
+          <a:lstStyle/>
+          <a:p>
+            <a:r>
+              <a:rPr lang="ko-KR" altLang="en-US"/>
+              <a:t>도구상자</a:t>
+            </a:r>
+            <a:r>
+              <a:rPr lang="en-US" altLang="ko-KR"/>
+              <a:t> - </a:t>
+            </a:r>
+            <a:r>
+              <a:rPr lang="ko-KR" altLang="en-US"/>
+              <a:t>이미지</a:t>
+            </a:r>
+          </a:p>
+        </p:txBody>
+      </p:sp>
+      <p:sp>
+        <p:nvSpPr>
+          <p:cNvPr id="4" name="날짜 개체 틀 3">
+            <a:extLst>
+              <a:ext uri="{FF2B5EF4-FFF2-40B4-BE49-F238E27FC236}">
+                <a16:creationId xmlns:a16="http://schemas.microsoft.com/office/drawing/2014/main" id="{3D63D705-7C15-33E0-BE4F-6DB21E173FA3}"/>
+              </a:ext>
+            </a:extLst>
+          </p:cNvPr>
+          <p:cNvSpPr>
+            <a:spLocks noGrp="1"/>
+          </p:cNvSpPr>
+          <p:nvPr>
+            <p:ph type="dt" sz="half" idx="10"/>
+          </p:nvPr>
+        </p:nvSpPr>
+        <p:spPr/>
+        <p:txBody>
+          <a:bodyPr/>
+          <a:lstStyle/>
+          <a:p>
+            <a:fld id="{0F78D9C4-20C1-4B15-A116-16DC77AD9A1E}" type="datetime1">
+              <a:rPr lang="ko-KR" altLang="en-US" smtClean="0"/>
+              <a:t>2025-05-22</a:t>
+            </a:fld>
+            <a:endParaRPr lang="ko-KR" altLang="en-US"/>
+          </a:p>
+        </p:txBody>
+      </p:sp>
+      <p:sp>
+        <p:nvSpPr>
+          <p:cNvPr id="5" name="슬라이드 번호 개체 틀 4">
+            <a:extLst>
+              <a:ext uri="{FF2B5EF4-FFF2-40B4-BE49-F238E27FC236}">
+                <a16:creationId xmlns:a16="http://schemas.microsoft.com/office/drawing/2014/main" id="{236BE420-8F8C-85E9-FF1E-568D045CF6EF}"/>
+              </a:ext>
+            </a:extLst>
+          </p:cNvPr>
+          <p:cNvSpPr>
+            <a:spLocks noGrp="1"/>
+          </p:cNvSpPr>
+          <p:nvPr>
+            <p:ph type="sldNum" sz="quarter" idx="12"/>
+          </p:nvPr>
+        </p:nvSpPr>
+        <p:spPr/>
+        <p:txBody>
+          <a:bodyPr/>
+          <a:lstStyle/>
+          <a:p>
+            <a:fld id="{083A2CE0-18CD-4102-B738-4ACFF9E68BA4}" type="slidenum">
+              <a:rPr lang="ko-KR" altLang="en-US" smtClean="0"/>
+              <a:t>3</a:t>
             </a:fld>
             <a:endParaRPr lang="ko-KR" altLang="en-US"/>
           </a:p>
@@ -7598,8 +9452,8 @@
 </p:sld>
 </file>
 
-<file path=ppt/slides/slide20.xml><?xml version="1.0" encoding="utf-8"?>
-<p:sld xmlns:a="http://schemas.openxmlformats.org/drawingml/2006/main" xmlns:r="http://schemas.openxmlformats.org/officeDocument/2006/relationships" xmlns:p="http://schemas.openxmlformats.org/presentationml/2006/main">
+<file path=ppt/slides/slide4.xml><?xml version="1.0" encoding="utf-8"?>
+<p:sld xmlns:a="http://schemas.openxmlformats.org/drawingml/2006/main" xmlns:r="http://schemas.openxmlformats.org/officeDocument/2006/relationships" xmlns:p="http://schemas.openxmlformats.org/presentationml/2006/main" show="0">
   <p:cSld>
     <p:spTree>
       <p:nvGrpSpPr>
@@ -7620,2191 +9474,6 @@
           <p:cNvPr id="2" name="제목 1">
             <a:extLst>
               <a:ext uri="{FF2B5EF4-FFF2-40B4-BE49-F238E27FC236}">
-                <a16:creationId xmlns:a16="http://schemas.microsoft.com/office/drawing/2014/main" id="{5CB49C79-8DE4-4842-D1E6-927CDD6D4464}"/>
-              </a:ext>
-            </a:extLst>
-          </p:cNvPr>
-          <p:cNvSpPr>
-            <a:spLocks noGrp="1"/>
-          </p:cNvSpPr>
-          <p:nvPr>
-            <p:ph type="ctrTitle"/>
-          </p:nvPr>
-        </p:nvSpPr>
-        <p:spPr>
-          <a:xfrm>
-            <a:off x="3065599" y="3429000"/>
-            <a:ext cx="6060801" cy="974422"/>
-          </a:xfrm>
-        </p:spPr>
-        <p:txBody>
-          <a:bodyPr>
-            <a:noAutofit/>
-          </a:bodyPr>
-          <a:lstStyle/>
-          <a:p>
-            <a:pPr>
-              <a:lnSpc>
-                <a:spcPct val="150000"/>
-              </a:lnSpc>
-            </a:pPr>
-            <a:r>
-              <a:rPr lang="en-US" altLang="ko-KR" dirty="0"/>
-              <a:t>C#</a:t>
-            </a:r>
-            <a:r>
-              <a:rPr lang="ko-KR" altLang="en-US" dirty="0"/>
-              <a:t> </a:t>
-            </a:r>
-            <a:r>
-              <a:rPr lang="en-US" altLang="ko-KR" dirty="0"/>
-              <a:t>WPF NuGet</a:t>
-            </a:r>
-            <a:br>
-              <a:rPr lang="en-US" altLang="ko-KR" dirty="0"/>
-            </a:br>
-            <a:r>
-              <a:rPr lang="en-US" altLang="ko-KR" dirty="0"/>
-              <a:t>ScottPlot.NET</a:t>
-            </a:r>
-            <a:endParaRPr lang="ko-KR" altLang="en-US" dirty="0"/>
-          </a:p>
-        </p:txBody>
-      </p:sp>
-      <p:sp>
-        <p:nvSpPr>
-          <p:cNvPr id="4" name="날짜 개체 틀 3">
-            <a:extLst>
-              <a:ext uri="{FF2B5EF4-FFF2-40B4-BE49-F238E27FC236}">
-                <a16:creationId xmlns:a16="http://schemas.microsoft.com/office/drawing/2014/main" id="{20223B3B-2FCF-58AF-BC81-E9824EB6B19E}"/>
-              </a:ext>
-            </a:extLst>
-          </p:cNvPr>
-          <p:cNvSpPr>
-            <a:spLocks noGrp="1"/>
-          </p:cNvSpPr>
-          <p:nvPr>
-            <p:ph type="dt" sz="half" idx="10"/>
-          </p:nvPr>
-        </p:nvSpPr>
-        <p:spPr/>
-        <p:txBody>
-          <a:bodyPr/>
-          <a:lstStyle/>
-          <a:p>
-            <a:fld id="{2E2BEDFA-D8AA-4914-9440-7DF713C99FA9}" type="datetime1">
-              <a:rPr lang="ko-KR" altLang="en-US" smtClean="0"/>
-              <a:t>2025-05-19</a:t>
-            </a:fld>
-            <a:endParaRPr lang="ko-KR" altLang="en-US"/>
-          </a:p>
-        </p:txBody>
-      </p:sp>
-      <p:sp>
-        <p:nvSpPr>
-          <p:cNvPr id="6" name="슬라이드 번호 개체 틀 5">
-            <a:extLst>
-              <a:ext uri="{FF2B5EF4-FFF2-40B4-BE49-F238E27FC236}">
-                <a16:creationId xmlns:a16="http://schemas.microsoft.com/office/drawing/2014/main" id="{AC7112DC-52CD-A148-06F6-6813E1A67427}"/>
-              </a:ext>
-            </a:extLst>
-          </p:cNvPr>
-          <p:cNvSpPr>
-            <a:spLocks noGrp="1"/>
-          </p:cNvSpPr>
-          <p:nvPr>
-            <p:ph type="sldNum" sz="quarter" idx="12"/>
-          </p:nvPr>
-        </p:nvSpPr>
-        <p:spPr/>
-        <p:txBody>
-          <a:bodyPr/>
-          <a:lstStyle/>
-          <a:p>
-            <a:fld id="{083A2CE0-18CD-4102-B738-4ACFF9E68BA4}" type="slidenum">
-              <a:rPr lang="ko-KR" altLang="en-US" smtClean="0"/>
-              <a:t>20</a:t>
-            </a:fld>
-            <a:endParaRPr lang="ko-KR" altLang="en-US"/>
-          </a:p>
-        </p:txBody>
-      </p:sp>
-    </p:spTree>
-    <p:extLst>
-      <p:ext uri="{BB962C8B-B14F-4D97-AF65-F5344CB8AC3E}">
-        <p14:creationId xmlns:p14="http://schemas.microsoft.com/office/powerpoint/2010/main" val="4001353028"/>
-      </p:ext>
-    </p:extLst>
-  </p:cSld>
-  <p:clrMapOvr>
-    <a:masterClrMapping/>
-  </p:clrMapOvr>
-</p:sld>
-</file>
-
-<file path=ppt/slides/slide21.xml><?xml version="1.0" encoding="utf-8"?>
-<p:sld xmlns:a="http://schemas.openxmlformats.org/drawingml/2006/main" xmlns:r="http://schemas.openxmlformats.org/officeDocument/2006/relationships" xmlns:p="http://schemas.openxmlformats.org/presentationml/2006/main">
-  <p:cSld>
-    <p:spTree>
-      <p:nvGrpSpPr>
-        <p:cNvPr id="1" name=""/>
-        <p:cNvGrpSpPr/>
-        <p:nvPr/>
-      </p:nvGrpSpPr>
-      <p:grpSpPr>
-        <a:xfrm>
-          <a:off x="0" y="0"/>
-          <a:ext cx="0" cy="0"/>
-          <a:chOff x="0" y="0"/>
-          <a:chExt cx="0" cy="0"/>
-        </a:xfrm>
-      </p:grpSpPr>
-      <p:sp>
-        <p:nvSpPr>
-          <p:cNvPr id="2" name="제목 1">
-            <a:extLst>
-              <a:ext uri="{FF2B5EF4-FFF2-40B4-BE49-F238E27FC236}">
-                <a16:creationId xmlns:a16="http://schemas.microsoft.com/office/drawing/2014/main" id="{941B9F4C-DD5A-B655-A680-52DCCC42BD59}"/>
-              </a:ext>
-            </a:extLst>
-          </p:cNvPr>
-          <p:cNvSpPr>
-            <a:spLocks noGrp="1"/>
-          </p:cNvSpPr>
-          <p:nvPr>
-            <p:ph type="title"/>
-          </p:nvPr>
-        </p:nvSpPr>
-        <p:spPr/>
-        <p:txBody>
-          <a:bodyPr/>
-          <a:lstStyle/>
-          <a:p>
-            <a:r>
-              <a:rPr lang="en-US" altLang="ko-KR"/>
-              <a:t>NuGet </a:t>
-            </a:r>
-            <a:r>
-              <a:rPr lang="ko-KR" altLang="en-US"/>
-              <a:t>이란</a:t>
-            </a:r>
-            <a:r>
-              <a:rPr lang="en-US" altLang="ko-KR"/>
-              <a:t>?</a:t>
-            </a:r>
-            <a:endParaRPr lang="ko-KR" altLang="en-US"/>
-          </a:p>
-        </p:txBody>
-      </p:sp>
-      <p:sp>
-        <p:nvSpPr>
-          <p:cNvPr id="3" name="내용 개체 틀 2">
-            <a:extLst>
-              <a:ext uri="{FF2B5EF4-FFF2-40B4-BE49-F238E27FC236}">
-                <a16:creationId xmlns:a16="http://schemas.microsoft.com/office/drawing/2014/main" id="{75528C22-8A0B-F213-D25D-9CC6CACACD7A}"/>
-              </a:ext>
-            </a:extLst>
-          </p:cNvPr>
-          <p:cNvSpPr>
-            <a:spLocks noGrp="1"/>
-          </p:cNvSpPr>
-          <p:nvPr>
-            <p:ph idx="1"/>
-          </p:nvPr>
-        </p:nvSpPr>
-        <p:spPr/>
-        <p:txBody>
-          <a:bodyPr/>
-          <a:lstStyle/>
-          <a:p>
-            <a:r>
-              <a:rPr lang="en-US" altLang="ko-KR" dirty="0"/>
-              <a:t>.NET </a:t>
-            </a:r>
-            <a:r>
-              <a:rPr lang="ko-KR" altLang="en-US" dirty="0"/>
-              <a:t>용 패키지 매니저 </a:t>
-            </a:r>
-            <a:endParaRPr lang="en-US" altLang="ko-KR" dirty="0"/>
-          </a:p>
-          <a:p>
-            <a:r>
-              <a:rPr lang="ko-KR" altLang="en-US" dirty="0" err="1"/>
-              <a:t>파이썬의</a:t>
-            </a:r>
-            <a:r>
-              <a:rPr lang="ko-KR" altLang="en-US" dirty="0"/>
-              <a:t> </a:t>
-            </a:r>
-            <a:r>
-              <a:rPr lang="en-US" altLang="ko-KR" dirty="0"/>
-              <a:t>pip, </a:t>
-            </a:r>
-            <a:r>
-              <a:rPr lang="en-US" altLang="ko-KR" dirty="0" err="1"/>
-              <a:t>conda</a:t>
-            </a:r>
-            <a:r>
-              <a:rPr lang="ko-KR" altLang="en-US" dirty="0"/>
-              <a:t>와 같은 역할</a:t>
-            </a:r>
-            <a:endParaRPr lang="en-US" altLang="ko-KR" dirty="0"/>
-          </a:p>
-          <a:p>
-            <a:pPr lvl="1"/>
-            <a:r>
-              <a:rPr lang="en-US" altLang="ko-KR" dirty="0">
-                <a:hlinkClick r:id="rId2"/>
-              </a:rPr>
-              <a:t>https://www.nuget.org/packages</a:t>
-            </a:r>
-            <a:endParaRPr lang="en-US" altLang="ko-KR" dirty="0"/>
-          </a:p>
-          <a:p>
-            <a:endParaRPr lang="ko-KR" altLang="en-US" dirty="0"/>
-          </a:p>
-        </p:txBody>
-      </p:sp>
-      <p:sp>
-        <p:nvSpPr>
-          <p:cNvPr id="4" name="날짜 개체 틀 3">
-            <a:extLst>
-              <a:ext uri="{FF2B5EF4-FFF2-40B4-BE49-F238E27FC236}">
-                <a16:creationId xmlns:a16="http://schemas.microsoft.com/office/drawing/2014/main" id="{3EEB164C-5630-C3E1-FD6A-35BD99ADBD3A}"/>
-              </a:ext>
-            </a:extLst>
-          </p:cNvPr>
-          <p:cNvSpPr>
-            <a:spLocks noGrp="1"/>
-          </p:cNvSpPr>
-          <p:nvPr>
-            <p:ph type="dt" sz="half" idx="10"/>
-          </p:nvPr>
-        </p:nvSpPr>
-        <p:spPr/>
-        <p:txBody>
-          <a:bodyPr/>
-          <a:lstStyle/>
-          <a:p>
-            <a:fld id="{0F78D9C4-20C1-4B15-A116-16DC77AD9A1E}" type="datetime1">
-              <a:rPr lang="ko-KR" altLang="en-US" smtClean="0"/>
-              <a:t>2025-05-19</a:t>
-            </a:fld>
-            <a:endParaRPr lang="ko-KR" altLang="en-US"/>
-          </a:p>
-        </p:txBody>
-      </p:sp>
-      <p:sp>
-        <p:nvSpPr>
-          <p:cNvPr id="5" name="슬라이드 번호 개체 틀 4">
-            <a:extLst>
-              <a:ext uri="{FF2B5EF4-FFF2-40B4-BE49-F238E27FC236}">
-                <a16:creationId xmlns:a16="http://schemas.microsoft.com/office/drawing/2014/main" id="{3AA12A0B-E942-9CCE-CE62-BE48A4BE1ED7}"/>
-              </a:ext>
-            </a:extLst>
-          </p:cNvPr>
-          <p:cNvSpPr>
-            <a:spLocks noGrp="1"/>
-          </p:cNvSpPr>
-          <p:nvPr>
-            <p:ph type="sldNum" sz="quarter" idx="12"/>
-          </p:nvPr>
-        </p:nvSpPr>
-        <p:spPr/>
-        <p:txBody>
-          <a:bodyPr/>
-          <a:lstStyle/>
-          <a:p>
-            <a:fld id="{083A2CE0-18CD-4102-B738-4ACFF9E68BA4}" type="slidenum">
-              <a:rPr lang="ko-KR" altLang="en-US" smtClean="0"/>
-              <a:t>21</a:t>
-            </a:fld>
-            <a:endParaRPr lang="ko-KR" altLang="en-US"/>
-          </a:p>
-        </p:txBody>
-      </p:sp>
-      <p:pic>
-        <p:nvPicPr>
-          <p:cNvPr id="1026" name="Picture 2" descr="GitHub - NuGet/Home: Repo for NuGet Client issues">
-            <a:extLst>
-              <a:ext uri="{FF2B5EF4-FFF2-40B4-BE49-F238E27FC236}">
-                <a16:creationId xmlns:a16="http://schemas.microsoft.com/office/drawing/2014/main" id="{3BBFC5FF-89F2-D7EA-42E8-1B669B9A603E}"/>
-              </a:ext>
-            </a:extLst>
-          </p:cNvPr>
-          <p:cNvPicPr>
-            <a:picLocks noChangeAspect="1" noChangeArrowheads="1"/>
-          </p:cNvPicPr>
-          <p:nvPr/>
-        </p:nvPicPr>
-        <p:blipFill>
-          <a:blip r:embed="rId3">
-            <a:extLst>
-              <a:ext uri="{28A0092B-C50C-407E-A947-70E740481C1C}">
-                <a14:useLocalDpi xmlns:a14="http://schemas.microsoft.com/office/drawing/2010/main" val="0"/>
-              </a:ext>
-            </a:extLst>
-          </a:blip>
-          <a:srcRect/>
-          <a:stretch>
-            <a:fillRect/>
-          </a:stretch>
-        </p:blipFill>
-        <p:spPr bwMode="auto">
-          <a:xfrm>
-            <a:off x="6724650" y="928171"/>
-            <a:ext cx="4229100" cy="1285875"/>
-          </a:xfrm>
-          <a:prstGeom prst="rect">
-            <a:avLst/>
-          </a:prstGeom>
-          <a:noFill/>
-          <a:extLst>
-            <a:ext uri="{909E8E84-426E-40DD-AFC4-6F175D3DCCD1}">
-              <a14:hiddenFill xmlns:a14="http://schemas.microsoft.com/office/drawing/2010/main">
-                <a:solidFill>
-                  <a:srgbClr val="FFFFFF"/>
-                </a:solidFill>
-              </a14:hiddenFill>
-            </a:ext>
-          </a:extLst>
-        </p:spPr>
-      </p:pic>
-      <p:pic>
-        <p:nvPicPr>
-          <p:cNvPr id="7" name="그림 6">
-            <a:extLst>
-              <a:ext uri="{FF2B5EF4-FFF2-40B4-BE49-F238E27FC236}">
-                <a16:creationId xmlns:a16="http://schemas.microsoft.com/office/drawing/2014/main" id="{26EED7D5-F029-72C6-3E27-B1B9F00DDED3}"/>
-              </a:ext>
-            </a:extLst>
-          </p:cNvPr>
-          <p:cNvPicPr>
-            <a:picLocks noChangeAspect="1"/>
-          </p:cNvPicPr>
-          <p:nvPr/>
-        </p:nvPicPr>
-        <p:blipFill>
-          <a:blip r:embed="rId4"/>
-          <a:stretch>
-            <a:fillRect/>
-          </a:stretch>
-        </p:blipFill>
-        <p:spPr>
-          <a:xfrm>
-            <a:off x="589781" y="3271305"/>
-            <a:ext cx="11012437" cy="3057952"/>
-          </a:xfrm>
-          <a:prstGeom prst="rect">
-            <a:avLst/>
-          </a:prstGeom>
-        </p:spPr>
-      </p:pic>
-    </p:spTree>
-    <p:extLst>
-      <p:ext uri="{BB962C8B-B14F-4D97-AF65-F5344CB8AC3E}">
-        <p14:creationId xmlns:p14="http://schemas.microsoft.com/office/powerpoint/2010/main" val="1036039333"/>
-      </p:ext>
-    </p:extLst>
-  </p:cSld>
-  <p:clrMapOvr>
-    <a:masterClrMapping/>
-  </p:clrMapOvr>
-</p:sld>
-</file>
-
-<file path=ppt/slides/slide22.xml><?xml version="1.0" encoding="utf-8"?>
-<p:sld xmlns:a="http://schemas.openxmlformats.org/drawingml/2006/main" xmlns:r="http://schemas.openxmlformats.org/officeDocument/2006/relationships" xmlns:p="http://schemas.openxmlformats.org/presentationml/2006/main">
-  <p:cSld>
-    <p:spTree>
-      <p:nvGrpSpPr>
-        <p:cNvPr id="1" name=""/>
-        <p:cNvGrpSpPr/>
-        <p:nvPr/>
-      </p:nvGrpSpPr>
-      <p:grpSpPr>
-        <a:xfrm>
-          <a:off x="0" y="0"/>
-          <a:ext cx="0" cy="0"/>
-          <a:chOff x="0" y="0"/>
-          <a:chExt cx="0" cy="0"/>
-        </a:xfrm>
-      </p:grpSpPr>
-      <p:sp>
-        <p:nvSpPr>
-          <p:cNvPr id="2" name="제목 1">
-            <a:extLst>
-              <a:ext uri="{FF2B5EF4-FFF2-40B4-BE49-F238E27FC236}">
-                <a16:creationId xmlns:a16="http://schemas.microsoft.com/office/drawing/2014/main" id="{166CF066-EBB4-A200-78DB-6A3EA632B8E7}"/>
-              </a:ext>
-            </a:extLst>
-          </p:cNvPr>
-          <p:cNvSpPr>
-            <a:spLocks noGrp="1"/>
-          </p:cNvSpPr>
-          <p:nvPr>
-            <p:ph type="title"/>
-          </p:nvPr>
-        </p:nvSpPr>
-        <p:spPr/>
-        <p:txBody>
-          <a:bodyPr/>
-          <a:lstStyle/>
-          <a:p>
-            <a:r>
-              <a:rPr lang="en-US" altLang="ko-KR"/>
-              <a:t>Visual Studio - NuGet </a:t>
-            </a:r>
-            <a:r>
-              <a:rPr lang="ko-KR" altLang="en-US"/>
-              <a:t>사용법</a:t>
-            </a:r>
-          </a:p>
-        </p:txBody>
-      </p:sp>
-      <p:sp>
-        <p:nvSpPr>
-          <p:cNvPr id="4" name="날짜 개체 틀 3">
-            <a:extLst>
-              <a:ext uri="{FF2B5EF4-FFF2-40B4-BE49-F238E27FC236}">
-                <a16:creationId xmlns:a16="http://schemas.microsoft.com/office/drawing/2014/main" id="{D2B04F56-AA0D-0563-A926-C8D4B216D065}"/>
-              </a:ext>
-            </a:extLst>
-          </p:cNvPr>
-          <p:cNvSpPr>
-            <a:spLocks noGrp="1"/>
-          </p:cNvSpPr>
-          <p:nvPr>
-            <p:ph type="dt" sz="half" idx="10"/>
-          </p:nvPr>
-        </p:nvSpPr>
-        <p:spPr/>
-        <p:txBody>
-          <a:bodyPr/>
-          <a:lstStyle/>
-          <a:p>
-            <a:fld id="{0F78D9C4-20C1-4B15-A116-16DC77AD9A1E}" type="datetime1">
-              <a:rPr lang="ko-KR" altLang="en-US" smtClean="0"/>
-              <a:t>2025-05-19</a:t>
-            </a:fld>
-            <a:endParaRPr lang="ko-KR" altLang="en-US"/>
-          </a:p>
-        </p:txBody>
-      </p:sp>
-      <p:sp>
-        <p:nvSpPr>
-          <p:cNvPr id="5" name="슬라이드 번호 개체 틀 4">
-            <a:extLst>
-              <a:ext uri="{FF2B5EF4-FFF2-40B4-BE49-F238E27FC236}">
-                <a16:creationId xmlns:a16="http://schemas.microsoft.com/office/drawing/2014/main" id="{7C9362BE-4466-D5BA-2C8C-23927022CEC2}"/>
-              </a:ext>
-            </a:extLst>
-          </p:cNvPr>
-          <p:cNvSpPr>
-            <a:spLocks noGrp="1"/>
-          </p:cNvSpPr>
-          <p:nvPr>
-            <p:ph type="sldNum" sz="quarter" idx="12"/>
-          </p:nvPr>
-        </p:nvSpPr>
-        <p:spPr/>
-        <p:txBody>
-          <a:bodyPr/>
-          <a:lstStyle/>
-          <a:p>
-            <a:fld id="{083A2CE0-18CD-4102-B738-4ACFF9E68BA4}" type="slidenum">
-              <a:rPr lang="ko-KR" altLang="en-US" smtClean="0"/>
-              <a:t>22</a:t>
-            </a:fld>
-            <a:endParaRPr lang="ko-KR" altLang="en-US"/>
-          </a:p>
-        </p:txBody>
-      </p:sp>
-      <p:pic>
-        <p:nvPicPr>
-          <p:cNvPr id="9" name="그림 8">
-            <a:extLst>
-              <a:ext uri="{FF2B5EF4-FFF2-40B4-BE49-F238E27FC236}">
-                <a16:creationId xmlns:a16="http://schemas.microsoft.com/office/drawing/2014/main" id="{83785924-27C3-E315-FF29-CC8BBC5748D6}"/>
-              </a:ext>
-            </a:extLst>
-          </p:cNvPr>
-          <p:cNvPicPr>
-            <a:picLocks noChangeAspect="1"/>
-          </p:cNvPicPr>
-          <p:nvPr/>
-        </p:nvPicPr>
-        <p:blipFill rotWithShape="1">
-          <a:blip r:embed="rId2"/>
-          <a:srcRect r="19810"/>
-          <a:stretch/>
-        </p:blipFill>
-        <p:spPr>
-          <a:xfrm>
-            <a:off x="372974" y="2466840"/>
-            <a:ext cx="2612597" cy="1924319"/>
-          </a:xfrm>
-          <a:prstGeom prst="rect">
-            <a:avLst/>
-          </a:prstGeom>
-        </p:spPr>
-      </p:pic>
-      <p:pic>
-        <p:nvPicPr>
-          <p:cNvPr id="11" name="그림 10">
-            <a:extLst>
-              <a:ext uri="{FF2B5EF4-FFF2-40B4-BE49-F238E27FC236}">
-                <a16:creationId xmlns:a16="http://schemas.microsoft.com/office/drawing/2014/main" id="{0C3C174E-A7C9-95A5-8D6C-5BB0E83403B1}"/>
-              </a:ext>
-            </a:extLst>
-          </p:cNvPr>
-          <p:cNvPicPr>
-            <a:picLocks noChangeAspect="1"/>
-          </p:cNvPicPr>
-          <p:nvPr/>
-        </p:nvPicPr>
-        <p:blipFill>
-          <a:blip r:embed="rId3"/>
-          <a:stretch>
-            <a:fillRect/>
-          </a:stretch>
-        </p:blipFill>
-        <p:spPr>
-          <a:xfrm>
-            <a:off x="3491828" y="1504940"/>
-            <a:ext cx="8480916" cy="4880854"/>
-          </a:xfrm>
-          <a:prstGeom prst="rect">
-            <a:avLst/>
-          </a:prstGeom>
-        </p:spPr>
-      </p:pic>
-      <p:sp>
-        <p:nvSpPr>
-          <p:cNvPr id="12" name="TextBox 11">
-            <a:extLst>
-              <a:ext uri="{FF2B5EF4-FFF2-40B4-BE49-F238E27FC236}">
-                <a16:creationId xmlns:a16="http://schemas.microsoft.com/office/drawing/2014/main" id="{9AF05415-E820-D6FD-477B-A91CAA13A81D}"/>
-              </a:ext>
-            </a:extLst>
-          </p:cNvPr>
-          <p:cNvSpPr txBox="1"/>
-          <p:nvPr/>
-        </p:nvSpPr>
-        <p:spPr>
-          <a:xfrm>
-            <a:off x="372974" y="1706628"/>
-            <a:ext cx="2914580" cy="646331"/>
-          </a:xfrm>
-          <a:prstGeom prst="rect">
-            <a:avLst/>
-          </a:prstGeom>
-          <a:noFill/>
-        </p:spPr>
-        <p:txBody>
-          <a:bodyPr wrap="none" rtlCol="0">
-            <a:spAutoFit/>
-          </a:bodyPr>
-          <a:lstStyle/>
-          <a:p>
-            <a:r>
-              <a:rPr lang="ko-KR" altLang="en-US"/>
-              <a:t>프로젝트 우클릭 </a:t>
-            </a:r>
-            <a:endParaRPr lang="en-US" altLang="ko-KR"/>
-          </a:p>
-          <a:p>
-            <a:r>
-              <a:rPr lang="en-US" altLang="ko-KR"/>
-              <a:t>&gt; Manage NuGet Pakages</a:t>
-            </a:r>
-            <a:endParaRPr lang="ko-KR" altLang="en-US"/>
-          </a:p>
-        </p:txBody>
-      </p:sp>
-    </p:spTree>
-    <p:extLst>
-      <p:ext uri="{BB962C8B-B14F-4D97-AF65-F5344CB8AC3E}">
-        <p14:creationId xmlns:p14="http://schemas.microsoft.com/office/powerpoint/2010/main" val="2462278106"/>
-      </p:ext>
-    </p:extLst>
-  </p:cSld>
-  <p:clrMapOvr>
-    <a:masterClrMapping/>
-  </p:clrMapOvr>
-</p:sld>
-</file>
-
-<file path=ppt/slides/slide23.xml><?xml version="1.0" encoding="utf-8"?>
-<p:sld xmlns:a="http://schemas.openxmlformats.org/drawingml/2006/main" xmlns:r="http://schemas.openxmlformats.org/officeDocument/2006/relationships" xmlns:p="http://schemas.openxmlformats.org/presentationml/2006/main">
-  <p:cSld>
-    <p:spTree>
-      <p:nvGrpSpPr>
-        <p:cNvPr id="1" name=""/>
-        <p:cNvGrpSpPr/>
-        <p:nvPr/>
-      </p:nvGrpSpPr>
-      <p:grpSpPr>
-        <a:xfrm>
-          <a:off x="0" y="0"/>
-          <a:ext cx="0" cy="0"/>
-          <a:chOff x="0" y="0"/>
-          <a:chExt cx="0" cy="0"/>
-        </a:xfrm>
-      </p:grpSpPr>
-      <p:sp>
-        <p:nvSpPr>
-          <p:cNvPr id="2" name="제목 1">
-            <a:extLst>
-              <a:ext uri="{FF2B5EF4-FFF2-40B4-BE49-F238E27FC236}">
-                <a16:creationId xmlns:a16="http://schemas.microsoft.com/office/drawing/2014/main" id="{061F91DF-B2CB-9B0A-089A-E7636D1C92E9}"/>
-              </a:ext>
-            </a:extLst>
-          </p:cNvPr>
-          <p:cNvSpPr>
-            <a:spLocks noGrp="1"/>
-          </p:cNvSpPr>
-          <p:nvPr>
-            <p:ph type="title"/>
-          </p:nvPr>
-        </p:nvSpPr>
-        <p:spPr/>
-        <p:txBody>
-          <a:bodyPr/>
-          <a:lstStyle/>
-          <a:p>
-            <a:r>
-              <a:rPr lang="en-US" altLang="ko-KR"/>
-              <a:t>Visual Studio - NuGet </a:t>
-            </a:r>
-            <a:r>
-              <a:rPr lang="ko-KR" altLang="en-US"/>
-              <a:t>사용법</a:t>
-            </a:r>
-          </a:p>
-        </p:txBody>
-      </p:sp>
-      <p:pic>
-        <p:nvPicPr>
-          <p:cNvPr id="7" name="내용 개체 틀 6">
-            <a:extLst>
-              <a:ext uri="{FF2B5EF4-FFF2-40B4-BE49-F238E27FC236}">
-                <a16:creationId xmlns:a16="http://schemas.microsoft.com/office/drawing/2014/main" id="{ED4462B6-A198-11A6-17EB-C5735FEE71A3}"/>
-              </a:ext>
-            </a:extLst>
-          </p:cNvPr>
-          <p:cNvPicPr>
-            <a:picLocks noGrp="1" noChangeAspect="1"/>
-          </p:cNvPicPr>
-          <p:nvPr>
-            <p:ph idx="1"/>
-          </p:nvPr>
-        </p:nvPicPr>
-        <p:blipFill>
-          <a:blip r:embed="rId2"/>
-          <a:stretch>
-            <a:fillRect/>
-          </a:stretch>
-        </p:blipFill>
-        <p:spPr>
-          <a:xfrm>
-            <a:off x="605920" y="1423893"/>
-            <a:ext cx="8670366" cy="5035550"/>
-          </a:xfrm>
-        </p:spPr>
-      </p:pic>
-      <p:sp>
-        <p:nvSpPr>
-          <p:cNvPr id="4" name="날짜 개체 틀 3">
-            <a:extLst>
-              <a:ext uri="{FF2B5EF4-FFF2-40B4-BE49-F238E27FC236}">
-                <a16:creationId xmlns:a16="http://schemas.microsoft.com/office/drawing/2014/main" id="{4C9F154D-80D0-D2D6-C02A-E28620F9963F}"/>
-              </a:ext>
-            </a:extLst>
-          </p:cNvPr>
-          <p:cNvSpPr>
-            <a:spLocks noGrp="1"/>
-          </p:cNvSpPr>
-          <p:nvPr>
-            <p:ph type="dt" sz="half" idx="10"/>
-          </p:nvPr>
-        </p:nvSpPr>
-        <p:spPr/>
-        <p:txBody>
-          <a:bodyPr/>
-          <a:lstStyle/>
-          <a:p>
-            <a:fld id="{0F78D9C4-20C1-4B15-A116-16DC77AD9A1E}" type="datetime1">
-              <a:rPr lang="ko-KR" altLang="en-US" smtClean="0"/>
-              <a:t>2025-05-19</a:t>
-            </a:fld>
-            <a:endParaRPr lang="ko-KR" altLang="en-US"/>
-          </a:p>
-        </p:txBody>
-      </p:sp>
-      <p:sp>
-        <p:nvSpPr>
-          <p:cNvPr id="5" name="슬라이드 번호 개체 틀 4">
-            <a:extLst>
-              <a:ext uri="{FF2B5EF4-FFF2-40B4-BE49-F238E27FC236}">
-                <a16:creationId xmlns:a16="http://schemas.microsoft.com/office/drawing/2014/main" id="{7AAAC558-F07A-2E7F-8713-874FAB29BA07}"/>
-              </a:ext>
-            </a:extLst>
-          </p:cNvPr>
-          <p:cNvSpPr>
-            <a:spLocks noGrp="1"/>
-          </p:cNvSpPr>
-          <p:nvPr>
-            <p:ph type="sldNum" sz="quarter" idx="12"/>
-          </p:nvPr>
-        </p:nvSpPr>
-        <p:spPr/>
-        <p:txBody>
-          <a:bodyPr/>
-          <a:lstStyle/>
-          <a:p>
-            <a:fld id="{083A2CE0-18CD-4102-B738-4ACFF9E68BA4}" type="slidenum">
-              <a:rPr lang="ko-KR" altLang="en-US" smtClean="0"/>
-              <a:t>23</a:t>
-            </a:fld>
-            <a:endParaRPr lang="ko-KR" altLang="en-US"/>
-          </a:p>
-        </p:txBody>
-      </p:sp>
-      <p:sp>
-        <p:nvSpPr>
-          <p:cNvPr id="8" name="직사각형 7">
-            <a:extLst>
-              <a:ext uri="{FF2B5EF4-FFF2-40B4-BE49-F238E27FC236}">
-                <a16:creationId xmlns:a16="http://schemas.microsoft.com/office/drawing/2014/main" id="{ADDE2F45-AB73-D886-E1D7-1B426D95E088}"/>
-              </a:ext>
-            </a:extLst>
-          </p:cNvPr>
-          <p:cNvSpPr/>
-          <p:nvPr/>
-        </p:nvSpPr>
-        <p:spPr>
-          <a:xfrm>
-            <a:off x="8086381" y="2489812"/>
-            <a:ext cx="980501" cy="374574"/>
-          </a:xfrm>
-          <a:prstGeom prst="rect">
-            <a:avLst/>
-          </a:prstGeom>
-          <a:noFill/>
-          <a:ln w="57150">
-            <a:solidFill>
-              <a:schemeClr val="accent2"/>
-            </a:solidFill>
-          </a:ln>
-        </p:spPr>
-        <p:style>
-          <a:lnRef idx="2">
-            <a:schemeClr val="accent1">
-              <a:shade val="15000"/>
-            </a:schemeClr>
-          </a:lnRef>
-          <a:fillRef idx="1">
-            <a:schemeClr val="accent1"/>
-          </a:fillRef>
-          <a:effectRef idx="0">
-            <a:schemeClr val="accent1"/>
-          </a:effectRef>
-          <a:fontRef idx="minor">
-            <a:schemeClr val="lt1"/>
-          </a:fontRef>
-        </p:style>
-        <p:txBody>
-          <a:bodyPr rtlCol="0" anchor="ctr"/>
-          <a:lstStyle/>
-          <a:p>
-            <a:pPr algn="ctr"/>
-            <a:endParaRPr lang="ko-KR" altLang="en-US"/>
-          </a:p>
-        </p:txBody>
-      </p:sp>
-      <p:sp>
-        <p:nvSpPr>
-          <p:cNvPr id="9" name="TextBox 8">
-            <a:extLst>
-              <a:ext uri="{FF2B5EF4-FFF2-40B4-BE49-F238E27FC236}">
-                <a16:creationId xmlns:a16="http://schemas.microsoft.com/office/drawing/2014/main" id="{53B03DFE-987F-1891-5644-82EA5D5505B8}"/>
-              </a:ext>
-            </a:extLst>
-          </p:cNvPr>
-          <p:cNvSpPr txBox="1"/>
-          <p:nvPr/>
-        </p:nvSpPr>
-        <p:spPr>
-          <a:xfrm>
-            <a:off x="9276286" y="2342916"/>
-            <a:ext cx="2361544" cy="646331"/>
-          </a:xfrm>
-          <a:prstGeom prst="rect">
-            <a:avLst/>
-          </a:prstGeom>
-          <a:noFill/>
-        </p:spPr>
-        <p:txBody>
-          <a:bodyPr wrap="none" rtlCol="0">
-            <a:spAutoFit/>
-          </a:bodyPr>
-          <a:lstStyle/>
-          <a:p>
-            <a:r>
-              <a:rPr lang="ko-KR" altLang="en-US"/>
-              <a:t>원하는 기능 선택 후 </a:t>
-            </a:r>
-            <a:endParaRPr lang="en-US" altLang="ko-KR"/>
-          </a:p>
-          <a:p>
-            <a:r>
-              <a:rPr lang="en-US" altLang="ko-KR"/>
-              <a:t>Install </a:t>
-            </a:r>
-            <a:r>
-              <a:rPr lang="ko-KR" altLang="en-US"/>
-              <a:t>버튼 클릭하면 끝</a:t>
-            </a:r>
-          </a:p>
-        </p:txBody>
-      </p:sp>
-    </p:spTree>
-    <p:extLst>
-      <p:ext uri="{BB962C8B-B14F-4D97-AF65-F5344CB8AC3E}">
-        <p14:creationId xmlns:p14="http://schemas.microsoft.com/office/powerpoint/2010/main" val="3013501139"/>
-      </p:ext>
-    </p:extLst>
-  </p:cSld>
-  <p:clrMapOvr>
-    <a:masterClrMapping/>
-  </p:clrMapOvr>
-</p:sld>
-</file>
-
-<file path=ppt/slides/slide24.xml><?xml version="1.0" encoding="utf-8"?>
-<p:sld xmlns:a="http://schemas.openxmlformats.org/drawingml/2006/main" xmlns:r="http://schemas.openxmlformats.org/officeDocument/2006/relationships" xmlns:p="http://schemas.openxmlformats.org/presentationml/2006/main">
-  <p:cSld>
-    <p:spTree>
-      <p:nvGrpSpPr>
-        <p:cNvPr id="1" name=""/>
-        <p:cNvGrpSpPr/>
-        <p:nvPr/>
-      </p:nvGrpSpPr>
-      <p:grpSpPr>
-        <a:xfrm>
-          <a:off x="0" y="0"/>
-          <a:ext cx="0" cy="0"/>
-          <a:chOff x="0" y="0"/>
-          <a:chExt cx="0" cy="0"/>
-        </a:xfrm>
-      </p:grpSpPr>
-      <p:sp>
-        <p:nvSpPr>
-          <p:cNvPr id="2" name="제목 1">
-            <a:extLst>
-              <a:ext uri="{FF2B5EF4-FFF2-40B4-BE49-F238E27FC236}">
-                <a16:creationId xmlns:a16="http://schemas.microsoft.com/office/drawing/2014/main" id="{061F91DF-B2CB-9B0A-089A-E7636D1C92E9}"/>
-              </a:ext>
-            </a:extLst>
-          </p:cNvPr>
-          <p:cNvSpPr>
-            <a:spLocks noGrp="1"/>
-          </p:cNvSpPr>
-          <p:nvPr>
-            <p:ph type="title"/>
-          </p:nvPr>
-        </p:nvSpPr>
-        <p:spPr/>
-        <p:txBody>
-          <a:bodyPr/>
-          <a:lstStyle/>
-          <a:p>
-            <a:r>
-              <a:rPr lang="en-US" altLang="ko-KR"/>
-              <a:t>ScottPlot</a:t>
-            </a:r>
-            <a:endParaRPr lang="ko-KR" altLang="en-US"/>
-          </a:p>
-        </p:txBody>
-      </p:sp>
-      <p:sp>
-        <p:nvSpPr>
-          <p:cNvPr id="6" name="내용 개체 틀 5">
-            <a:extLst>
-              <a:ext uri="{FF2B5EF4-FFF2-40B4-BE49-F238E27FC236}">
-                <a16:creationId xmlns:a16="http://schemas.microsoft.com/office/drawing/2014/main" id="{5EB2918C-1851-B2B5-60C1-B1A81C584C14}"/>
-              </a:ext>
-            </a:extLst>
-          </p:cNvPr>
-          <p:cNvSpPr>
-            <a:spLocks noGrp="1"/>
-          </p:cNvSpPr>
-          <p:nvPr>
-            <p:ph idx="1"/>
-          </p:nvPr>
-        </p:nvSpPr>
-        <p:spPr/>
-        <p:txBody>
-          <a:bodyPr/>
-          <a:lstStyle/>
-          <a:p>
-            <a:r>
-              <a:rPr lang="en-US" altLang="ko-KR"/>
-              <a:t>NuGet</a:t>
-            </a:r>
-            <a:r>
-              <a:rPr lang="ko-KR" altLang="en-US"/>
-              <a:t>으로 설치 가능한 무료 차트 생성 라이브러리</a:t>
-            </a:r>
-            <a:endParaRPr lang="en-US" altLang="ko-KR"/>
-          </a:p>
-          <a:p>
-            <a:r>
-              <a:rPr lang="en-US" altLang="ko-KR">
-                <a:hlinkClick r:id="rId2"/>
-              </a:rPr>
-              <a:t>https://scottplot.net/</a:t>
-            </a:r>
-            <a:endParaRPr lang="ko-KR" altLang="en-US"/>
-          </a:p>
-        </p:txBody>
-      </p:sp>
-      <p:sp>
-        <p:nvSpPr>
-          <p:cNvPr id="4" name="날짜 개체 틀 3">
-            <a:extLst>
-              <a:ext uri="{FF2B5EF4-FFF2-40B4-BE49-F238E27FC236}">
-                <a16:creationId xmlns:a16="http://schemas.microsoft.com/office/drawing/2014/main" id="{4C9F154D-80D0-D2D6-C02A-E28620F9963F}"/>
-              </a:ext>
-            </a:extLst>
-          </p:cNvPr>
-          <p:cNvSpPr>
-            <a:spLocks noGrp="1"/>
-          </p:cNvSpPr>
-          <p:nvPr>
-            <p:ph type="dt" sz="half" idx="10"/>
-          </p:nvPr>
-        </p:nvSpPr>
-        <p:spPr/>
-        <p:txBody>
-          <a:bodyPr/>
-          <a:lstStyle/>
-          <a:p>
-            <a:fld id="{0F78D9C4-20C1-4B15-A116-16DC77AD9A1E}" type="datetime1">
-              <a:rPr lang="ko-KR" altLang="en-US" smtClean="0"/>
-              <a:t>2025-05-19</a:t>
-            </a:fld>
-            <a:endParaRPr lang="ko-KR" altLang="en-US"/>
-          </a:p>
-        </p:txBody>
-      </p:sp>
-      <p:sp>
-        <p:nvSpPr>
-          <p:cNvPr id="5" name="슬라이드 번호 개체 틀 4">
-            <a:extLst>
-              <a:ext uri="{FF2B5EF4-FFF2-40B4-BE49-F238E27FC236}">
-                <a16:creationId xmlns:a16="http://schemas.microsoft.com/office/drawing/2014/main" id="{7AAAC558-F07A-2E7F-8713-874FAB29BA07}"/>
-              </a:ext>
-            </a:extLst>
-          </p:cNvPr>
-          <p:cNvSpPr>
-            <a:spLocks noGrp="1"/>
-          </p:cNvSpPr>
-          <p:nvPr>
-            <p:ph type="sldNum" sz="quarter" idx="12"/>
-          </p:nvPr>
-        </p:nvSpPr>
-        <p:spPr/>
-        <p:txBody>
-          <a:bodyPr/>
-          <a:lstStyle/>
-          <a:p>
-            <a:fld id="{083A2CE0-18CD-4102-B738-4ACFF9E68BA4}" type="slidenum">
-              <a:rPr lang="ko-KR" altLang="en-US" smtClean="0"/>
-              <a:t>24</a:t>
-            </a:fld>
-            <a:endParaRPr lang="ko-KR" altLang="en-US"/>
-          </a:p>
-        </p:txBody>
-      </p:sp>
-      <p:pic>
-        <p:nvPicPr>
-          <p:cNvPr id="9" name="그림 8">
-            <a:extLst>
-              <a:ext uri="{FF2B5EF4-FFF2-40B4-BE49-F238E27FC236}">
-                <a16:creationId xmlns:a16="http://schemas.microsoft.com/office/drawing/2014/main" id="{6F5BDAA7-91AE-3C28-E333-ECBA95059DD4}"/>
-              </a:ext>
-            </a:extLst>
-          </p:cNvPr>
-          <p:cNvPicPr>
-            <a:picLocks noChangeAspect="1"/>
-          </p:cNvPicPr>
-          <p:nvPr/>
-        </p:nvPicPr>
-        <p:blipFill>
-          <a:blip r:embed="rId3"/>
-          <a:stretch>
-            <a:fillRect/>
-          </a:stretch>
-        </p:blipFill>
-        <p:spPr>
-          <a:xfrm>
-            <a:off x="5010637" y="2641403"/>
-            <a:ext cx="6944694" cy="3686689"/>
-          </a:xfrm>
-          <a:prstGeom prst="rect">
-            <a:avLst/>
-          </a:prstGeom>
-        </p:spPr>
-      </p:pic>
-    </p:spTree>
-    <p:extLst>
-      <p:ext uri="{BB962C8B-B14F-4D97-AF65-F5344CB8AC3E}">
-        <p14:creationId xmlns:p14="http://schemas.microsoft.com/office/powerpoint/2010/main" val="488401202"/>
-      </p:ext>
-    </p:extLst>
-  </p:cSld>
-  <p:clrMapOvr>
-    <a:masterClrMapping/>
-  </p:clrMapOvr>
-</p:sld>
-</file>
-
-<file path=ppt/slides/slide25.xml><?xml version="1.0" encoding="utf-8"?>
-<p:sld xmlns:a="http://schemas.openxmlformats.org/drawingml/2006/main" xmlns:r="http://schemas.openxmlformats.org/officeDocument/2006/relationships" xmlns:p="http://schemas.openxmlformats.org/presentationml/2006/main">
-  <p:cSld>
-    <p:spTree>
-      <p:nvGrpSpPr>
-        <p:cNvPr id="1" name=""/>
-        <p:cNvGrpSpPr/>
-        <p:nvPr/>
-      </p:nvGrpSpPr>
-      <p:grpSpPr>
-        <a:xfrm>
-          <a:off x="0" y="0"/>
-          <a:ext cx="0" cy="0"/>
-          <a:chOff x="0" y="0"/>
-          <a:chExt cx="0" cy="0"/>
-        </a:xfrm>
-      </p:grpSpPr>
-      <p:sp>
-        <p:nvSpPr>
-          <p:cNvPr id="2" name="제목 1">
-            <a:extLst>
-              <a:ext uri="{FF2B5EF4-FFF2-40B4-BE49-F238E27FC236}">
-                <a16:creationId xmlns:a16="http://schemas.microsoft.com/office/drawing/2014/main" id="{061F91DF-B2CB-9B0A-089A-E7636D1C92E9}"/>
-              </a:ext>
-            </a:extLst>
-          </p:cNvPr>
-          <p:cNvSpPr>
-            <a:spLocks noGrp="1"/>
-          </p:cNvSpPr>
-          <p:nvPr>
-            <p:ph type="title"/>
-          </p:nvPr>
-        </p:nvSpPr>
-        <p:spPr/>
-        <p:txBody>
-          <a:bodyPr/>
-          <a:lstStyle/>
-          <a:p>
-            <a:r>
-              <a:rPr lang="en-US" altLang="ko-KR"/>
-              <a:t>ScottPlot</a:t>
-            </a:r>
-            <a:endParaRPr lang="ko-KR" altLang="en-US"/>
-          </a:p>
-        </p:txBody>
-      </p:sp>
-      <p:sp>
-        <p:nvSpPr>
-          <p:cNvPr id="6" name="내용 개체 틀 5">
-            <a:extLst>
-              <a:ext uri="{FF2B5EF4-FFF2-40B4-BE49-F238E27FC236}">
-                <a16:creationId xmlns:a16="http://schemas.microsoft.com/office/drawing/2014/main" id="{5EB2918C-1851-B2B5-60C1-B1A81C584C14}"/>
-              </a:ext>
-            </a:extLst>
-          </p:cNvPr>
-          <p:cNvSpPr>
-            <a:spLocks noGrp="1"/>
-          </p:cNvSpPr>
-          <p:nvPr>
-            <p:ph idx="1"/>
-          </p:nvPr>
-        </p:nvSpPr>
-        <p:spPr/>
-        <p:txBody>
-          <a:bodyPr/>
-          <a:lstStyle/>
-          <a:p>
-            <a:r>
-              <a:rPr lang="en-US" altLang="ko-KR"/>
-              <a:t>NuGet</a:t>
-            </a:r>
-            <a:r>
-              <a:rPr lang="ko-KR" altLang="en-US"/>
-              <a:t>에서 </a:t>
-            </a:r>
-            <a:r>
-              <a:rPr lang="en-US" altLang="ko-KR"/>
-              <a:t>scottplot</a:t>
-            </a:r>
-            <a:r>
-              <a:rPr lang="ko-KR" altLang="en-US"/>
-              <a:t> 검색하여 설치</a:t>
-            </a:r>
-          </a:p>
-        </p:txBody>
-      </p:sp>
-      <p:sp>
-        <p:nvSpPr>
-          <p:cNvPr id="4" name="날짜 개체 틀 3">
-            <a:extLst>
-              <a:ext uri="{FF2B5EF4-FFF2-40B4-BE49-F238E27FC236}">
-                <a16:creationId xmlns:a16="http://schemas.microsoft.com/office/drawing/2014/main" id="{4C9F154D-80D0-D2D6-C02A-E28620F9963F}"/>
-              </a:ext>
-            </a:extLst>
-          </p:cNvPr>
-          <p:cNvSpPr>
-            <a:spLocks noGrp="1"/>
-          </p:cNvSpPr>
-          <p:nvPr>
-            <p:ph type="dt" sz="half" idx="10"/>
-          </p:nvPr>
-        </p:nvSpPr>
-        <p:spPr/>
-        <p:txBody>
-          <a:bodyPr/>
-          <a:lstStyle/>
-          <a:p>
-            <a:fld id="{0F78D9C4-20C1-4B15-A116-16DC77AD9A1E}" type="datetime1">
-              <a:rPr lang="ko-KR" altLang="en-US" smtClean="0"/>
-              <a:t>2025-05-19</a:t>
-            </a:fld>
-            <a:endParaRPr lang="ko-KR" altLang="en-US"/>
-          </a:p>
-        </p:txBody>
-      </p:sp>
-      <p:sp>
-        <p:nvSpPr>
-          <p:cNvPr id="5" name="슬라이드 번호 개체 틀 4">
-            <a:extLst>
-              <a:ext uri="{FF2B5EF4-FFF2-40B4-BE49-F238E27FC236}">
-                <a16:creationId xmlns:a16="http://schemas.microsoft.com/office/drawing/2014/main" id="{7AAAC558-F07A-2E7F-8713-874FAB29BA07}"/>
-              </a:ext>
-            </a:extLst>
-          </p:cNvPr>
-          <p:cNvSpPr>
-            <a:spLocks noGrp="1"/>
-          </p:cNvSpPr>
-          <p:nvPr>
-            <p:ph type="sldNum" sz="quarter" idx="12"/>
-          </p:nvPr>
-        </p:nvSpPr>
-        <p:spPr/>
-        <p:txBody>
-          <a:bodyPr/>
-          <a:lstStyle/>
-          <a:p>
-            <a:fld id="{083A2CE0-18CD-4102-B738-4ACFF9E68BA4}" type="slidenum">
-              <a:rPr lang="ko-KR" altLang="en-US" smtClean="0"/>
-              <a:t>25</a:t>
-            </a:fld>
-            <a:endParaRPr lang="ko-KR" altLang="en-US"/>
-          </a:p>
-        </p:txBody>
-      </p:sp>
-      <p:pic>
-        <p:nvPicPr>
-          <p:cNvPr id="7" name="그림 6">
-            <a:extLst>
-              <a:ext uri="{FF2B5EF4-FFF2-40B4-BE49-F238E27FC236}">
-                <a16:creationId xmlns:a16="http://schemas.microsoft.com/office/drawing/2014/main" id="{18F95258-2612-A324-D6FF-281397C3A300}"/>
-              </a:ext>
-            </a:extLst>
-          </p:cNvPr>
-          <p:cNvPicPr>
-            <a:picLocks noChangeAspect="1"/>
-          </p:cNvPicPr>
-          <p:nvPr/>
-        </p:nvPicPr>
-        <p:blipFill>
-          <a:blip r:embed="rId2"/>
-          <a:stretch>
-            <a:fillRect/>
-          </a:stretch>
-        </p:blipFill>
-        <p:spPr>
-          <a:xfrm>
-            <a:off x="646324" y="1704913"/>
-            <a:ext cx="7539209" cy="4398432"/>
-          </a:xfrm>
-          <a:prstGeom prst="rect">
-            <a:avLst/>
-          </a:prstGeom>
-        </p:spPr>
-      </p:pic>
-      <p:sp>
-        <p:nvSpPr>
-          <p:cNvPr id="8" name="직사각형 7">
-            <a:extLst>
-              <a:ext uri="{FF2B5EF4-FFF2-40B4-BE49-F238E27FC236}">
-                <a16:creationId xmlns:a16="http://schemas.microsoft.com/office/drawing/2014/main" id="{1975EC5A-70E4-E080-7E7F-722307EFF2F7}"/>
-              </a:ext>
-            </a:extLst>
-          </p:cNvPr>
-          <p:cNvSpPr/>
-          <p:nvPr/>
-        </p:nvSpPr>
-        <p:spPr>
-          <a:xfrm>
-            <a:off x="7282149" y="2787267"/>
-            <a:ext cx="793215" cy="286439"/>
-          </a:xfrm>
-          <a:prstGeom prst="rect">
-            <a:avLst/>
-          </a:prstGeom>
-          <a:noFill/>
-          <a:ln w="38100">
-            <a:solidFill>
-              <a:schemeClr val="accent2"/>
-            </a:solidFill>
-          </a:ln>
-        </p:spPr>
-        <p:style>
-          <a:lnRef idx="2">
-            <a:schemeClr val="accent1">
-              <a:shade val="15000"/>
-            </a:schemeClr>
-          </a:lnRef>
-          <a:fillRef idx="1">
-            <a:schemeClr val="accent1"/>
-          </a:fillRef>
-          <a:effectRef idx="0">
-            <a:schemeClr val="accent1"/>
-          </a:effectRef>
-          <a:fontRef idx="minor">
-            <a:schemeClr val="lt1"/>
-          </a:fontRef>
-        </p:style>
-        <p:txBody>
-          <a:bodyPr rtlCol="0" anchor="ctr"/>
-          <a:lstStyle/>
-          <a:p>
-            <a:pPr algn="ctr"/>
-            <a:endParaRPr lang="ko-KR" altLang="en-US"/>
-          </a:p>
-        </p:txBody>
-      </p:sp>
-      <p:pic>
-        <p:nvPicPr>
-          <p:cNvPr id="10" name="그림 9">
-            <a:extLst>
-              <a:ext uri="{FF2B5EF4-FFF2-40B4-BE49-F238E27FC236}">
-                <a16:creationId xmlns:a16="http://schemas.microsoft.com/office/drawing/2014/main" id="{92693D9F-9F7E-8579-E336-C189FA78AD80}"/>
-              </a:ext>
-            </a:extLst>
-          </p:cNvPr>
-          <p:cNvPicPr>
-            <a:picLocks noChangeAspect="1"/>
-          </p:cNvPicPr>
-          <p:nvPr/>
-        </p:nvPicPr>
-        <p:blipFill>
-          <a:blip r:embed="rId3"/>
-          <a:stretch>
-            <a:fillRect/>
-          </a:stretch>
-        </p:blipFill>
-        <p:spPr>
-          <a:xfrm>
-            <a:off x="8471970" y="1704913"/>
-            <a:ext cx="3073706" cy="1961003"/>
-          </a:xfrm>
-          <a:prstGeom prst="rect">
-            <a:avLst/>
-          </a:prstGeom>
-        </p:spPr>
-      </p:pic>
-      <p:pic>
-        <p:nvPicPr>
-          <p:cNvPr id="12" name="그림 11">
-            <a:extLst>
-              <a:ext uri="{FF2B5EF4-FFF2-40B4-BE49-F238E27FC236}">
-                <a16:creationId xmlns:a16="http://schemas.microsoft.com/office/drawing/2014/main" id="{815C7FBE-F390-2368-B413-E0AA8386F748}"/>
-              </a:ext>
-            </a:extLst>
-          </p:cNvPr>
-          <p:cNvPicPr>
-            <a:picLocks noChangeAspect="1"/>
-          </p:cNvPicPr>
-          <p:nvPr/>
-        </p:nvPicPr>
-        <p:blipFill>
-          <a:blip r:embed="rId4"/>
-          <a:stretch>
-            <a:fillRect/>
-          </a:stretch>
-        </p:blipFill>
-        <p:spPr>
-          <a:xfrm>
-            <a:off x="8471970" y="3904129"/>
-            <a:ext cx="3073706" cy="2001004"/>
-          </a:xfrm>
-          <a:prstGeom prst="rect">
-            <a:avLst/>
-          </a:prstGeom>
-        </p:spPr>
-      </p:pic>
-    </p:spTree>
-    <p:extLst>
-      <p:ext uri="{BB962C8B-B14F-4D97-AF65-F5344CB8AC3E}">
-        <p14:creationId xmlns:p14="http://schemas.microsoft.com/office/powerpoint/2010/main" val="4183649854"/>
-      </p:ext>
-    </p:extLst>
-  </p:cSld>
-  <p:clrMapOvr>
-    <a:masterClrMapping/>
-  </p:clrMapOvr>
-</p:sld>
-</file>
-
-<file path=ppt/slides/slide26.xml><?xml version="1.0" encoding="utf-8"?>
-<p:sld xmlns:a="http://schemas.openxmlformats.org/drawingml/2006/main" xmlns:r="http://schemas.openxmlformats.org/officeDocument/2006/relationships" xmlns:p="http://schemas.openxmlformats.org/presentationml/2006/main">
-  <p:cSld>
-    <p:spTree>
-      <p:nvGrpSpPr>
-        <p:cNvPr id="1" name=""/>
-        <p:cNvGrpSpPr/>
-        <p:nvPr/>
-      </p:nvGrpSpPr>
-      <p:grpSpPr>
-        <a:xfrm>
-          <a:off x="0" y="0"/>
-          <a:ext cx="0" cy="0"/>
-          <a:chOff x="0" y="0"/>
-          <a:chExt cx="0" cy="0"/>
-        </a:xfrm>
-      </p:grpSpPr>
-      <p:sp>
-        <p:nvSpPr>
-          <p:cNvPr id="2" name="제목 1">
-            <a:extLst>
-              <a:ext uri="{FF2B5EF4-FFF2-40B4-BE49-F238E27FC236}">
-                <a16:creationId xmlns:a16="http://schemas.microsoft.com/office/drawing/2014/main" id="{061F91DF-B2CB-9B0A-089A-E7636D1C92E9}"/>
-              </a:ext>
-            </a:extLst>
-          </p:cNvPr>
-          <p:cNvSpPr>
-            <a:spLocks noGrp="1"/>
-          </p:cNvSpPr>
-          <p:nvPr>
-            <p:ph type="title"/>
-          </p:nvPr>
-        </p:nvSpPr>
-        <p:spPr/>
-        <p:txBody>
-          <a:bodyPr/>
-          <a:lstStyle/>
-          <a:p>
-            <a:r>
-              <a:rPr lang="en-US" altLang="ko-KR"/>
-              <a:t>ScottPlot</a:t>
-            </a:r>
-            <a:endParaRPr lang="ko-KR" altLang="en-US"/>
-          </a:p>
-        </p:txBody>
-      </p:sp>
-      <p:sp>
-        <p:nvSpPr>
-          <p:cNvPr id="6" name="내용 개체 틀 5">
-            <a:extLst>
-              <a:ext uri="{FF2B5EF4-FFF2-40B4-BE49-F238E27FC236}">
-                <a16:creationId xmlns:a16="http://schemas.microsoft.com/office/drawing/2014/main" id="{5EB2918C-1851-B2B5-60C1-B1A81C584C14}"/>
-              </a:ext>
-            </a:extLst>
-          </p:cNvPr>
-          <p:cNvSpPr>
-            <a:spLocks noGrp="1"/>
-          </p:cNvSpPr>
-          <p:nvPr>
-            <p:ph idx="1"/>
-          </p:nvPr>
-        </p:nvSpPr>
-        <p:spPr/>
-        <p:txBody>
-          <a:bodyPr>
-            <a:normAutofit fontScale="92500" lnSpcReduction="10000"/>
-          </a:bodyPr>
-          <a:lstStyle/>
-          <a:p>
-            <a:r>
-              <a:rPr lang="ko-KR" altLang="en-US" dirty="0"/>
-              <a:t>공식 설치 매뉴얼 </a:t>
-            </a:r>
-            <a:r>
-              <a:rPr lang="en-US" altLang="ko-KR" dirty="0"/>
-              <a:t>(Quick Start)</a:t>
-            </a:r>
-          </a:p>
-          <a:p>
-            <a:pPr lvl="1"/>
-            <a:r>
-              <a:rPr lang="en-US" altLang="ko-KR" dirty="0">
-                <a:hlinkClick r:id="rId2"/>
-              </a:rPr>
-              <a:t>https://scottplot.net/quickstart/wpf/</a:t>
-            </a:r>
-            <a:endParaRPr lang="en-US" altLang="ko-KR" dirty="0"/>
-          </a:p>
-          <a:p>
-            <a:pPr lvl="1"/>
-            <a:r>
-              <a:rPr lang="en-US" altLang="ko-KR" dirty="0">
-                <a:hlinkClick r:id="rId3"/>
-              </a:rPr>
-              <a:t>https://scottplot.net/quickstart/winforms/</a:t>
-            </a:r>
-            <a:br>
-              <a:rPr lang="en-US" altLang="ko-KR" dirty="0"/>
-            </a:br>
-            <a:endParaRPr lang="en-US" altLang="ko-KR" dirty="0"/>
-          </a:p>
-          <a:p>
-            <a:r>
-              <a:rPr lang="ko-KR" altLang="en-US" dirty="0"/>
-              <a:t>공식 </a:t>
-            </a:r>
-            <a:r>
-              <a:rPr lang="ko-KR" altLang="en-US" dirty="0" err="1"/>
-              <a:t>쿡북</a:t>
-            </a:r>
-            <a:r>
-              <a:rPr lang="en-US" altLang="ko-KR" dirty="0"/>
-              <a:t>(</a:t>
-            </a:r>
-            <a:r>
-              <a:rPr lang="ko-KR" altLang="en-US" dirty="0"/>
-              <a:t>예제 소스 코드</a:t>
-            </a:r>
-            <a:r>
-              <a:rPr lang="en-US" altLang="ko-KR" dirty="0"/>
-              <a:t>)</a:t>
-            </a:r>
-          </a:p>
-          <a:p>
-            <a:pPr lvl="1"/>
-            <a:r>
-              <a:rPr lang="en-US" altLang="ko-KR" dirty="0">
-                <a:hlinkClick r:id="rId4"/>
-              </a:rPr>
-              <a:t>https://scottplot.net/cookbook/5.0/</a:t>
-            </a:r>
-            <a:endParaRPr lang="en-US" altLang="ko-KR" dirty="0"/>
-          </a:p>
-          <a:p>
-            <a:pPr lvl="1"/>
-            <a:endParaRPr lang="en-US" altLang="ko-KR" dirty="0"/>
-          </a:p>
-          <a:p>
-            <a:r>
-              <a:rPr lang="ko-KR" altLang="en-US" dirty="0"/>
-              <a:t>공식 데모 프로그램 및 소스코드</a:t>
-            </a:r>
-            <a:endParaRPr lang="en-US" altLang="ko-KR" dirty="0"/>
-          </a:p>
-          <a:p>
-            <a:pPr lvl="1"/>
-            <a:r>
-              <a:rPr lang="en-US" altLang="ko-KR" dirty="0">
-                <a:hlinkClick r:id="rId5"/>
-              </a:rPr>
-              <a:t>https://scottplot.net/demo/</a:t>
-            </a:r>
-            <a:endParaRPr lang="en-US" altLang="ko-KR" dirty="0"/>
-          </a:p>
-          <a:p>
-            <a:pPr lvl="1"/>
-            <a:r>
-              <a:rPr lang="en-US" altLang="ko-KR" dirty="0">
-                <a:hlinkClick r:id="rId6"/>
-              </a:rPr>
-              <a:t>https://github.com/ScottPlot/ScottPlot/tree/main/src/ScottPlot5/ScottPlot5%20Demos</a:t>
-            </a:r>
-            <a:br>
-              <a:rPr lang="en-US" altLang="ko-KR" dirty="0"/>
-            </a:br>
-            <a:endParaRPr lang="ko-KR" altLang="en-US" dirty="0"/>
-          </a:p>
-        </p:txBody>
-      </p:sp>
-      <p:sp>
-        <p:nvSpPr>
-          <p:cNvPr id="4" name="날짜 개체 틀 3">
-            <a:extLst>
-              <a:ext uri="{FF2B5EF4-FFF2-40B4-BE49-F238E27FC236}">
-                <a16:creationId xmlns:a16="http://schemas.microsoft.com/office/drawing/2014/main" id="{4C9F154D-80D0-D2D6-C02A-E28620F9963F}"/>
-              </a:ext>
-            </a:extLst>
-          </p:cNvPr>
-          <p:cNvSpPr>
-            <a:spLocks noGrp="1"/>
-          </p:cNvSpPr>
-          <p:nvPr>
-            <p:ph type="dt" sz="half" idx="10"/>
-          </p:nvPr>
-        </p:nvSpPr>
-        <p:spPr/>
-        <p:txBody>
-          <a:bodyPr/>
-          <a:lstStyle/>
-          <a:p>
-            <a:fld id="{0F78D9C4-20C1-4B15-A116-16DC77AD9A1E}" type="datetime1">
-              <a:rPr lang="ko-KR" altLang="en-US" smtClean="0"/>
-              <a:t>2025-05-19</a:t>
-            </a:fld>
-            <a:endParaRPr lang="ko-KR" altLang="en-US"/>
-          </a:p>
-        </p:txBody>
-      </p:sp>
-      <p:sp>
-        <p:nvSpPr>
-          <p:cNvPr id="5" name="슬라이드 번호 개체 틀 4">
-            <a:extLst>
-              <a:ext uri="{FF2B5EF4-FFF2-40B4-BE49-F238E27FC236}">
-                <a16:creationId xmlns:a16="http://schemas.microsoft.com/office/drawing/2014/main" id="{7AAAC558-F07A-2E7F-8713-874FAB29BA07}"/>
-              </a:ext>
-            </a:extLst>
-          </p:cNvPr>
-          <p:cNvSpPr>
-            <a:spLocks noGrp="1"/>
-          </p:cNvSpPr>
-          <p:nvPr>
-            <p:ph type="sldNum" sz="quarter" idx="12"/>
-          </p:nvPr>
-        </p:nvSpPr>
-        <p:spPr/>
-        <p:txBody>
-          <a:bodyPr/>
-          <a:lstStyle/>
-          <a:p>
-            <a:fld id="{083A2CE0-18CD-4102-B738-4ACFF9E68BA4}" type="slidenum">
-              <a:rPr lang="ko-KR" altLang="en-US" smtClean="0"/>
-              <a:t>26</a:t>
-            </a:fld>
-            <a:endParaRPr lang="ko-KR" altLang="en-US"/>
-          </a:p>
-        </p:txBody>
-      </p:sp>
-    </p:spTree>
-    <p:extLst>
-      <p:ext uri="{BB962C8B-B14F-4D97-AF65-F5344CB8AC3E}">
-        <p14:creationId xmlns:p14="http://schemas.microsoft.com/office/powerpoint/2010/main" val="1543202795"/>
-      </p:ext>
-    </p:extLst>
-  </p:cSld>
-  <p:clrMapOvr>
-    <a:masterClrMapping/>
-  </p:clrMapOvr>
-</p:sld>
-</file>
-
-<file path=ppt/slides/slide27.xml><?xml version="1.0" encoding="utf-8"?>
-<p:sld xmlns:a="http://schemas.openxmlformats.org/drawingml/2006/main" xmlns:r="http://schemas.openxmlformats.org/officeDocument/2006/relationships" xmlns:p="http://schemas.openxmlformats.org/presentationml/2006/main">
-  <p:cSld>
-    <p:spTree>
-      <p:nvGrpSpPr>
-        <p:cNvPr id="1" name=""/>
-        <p:cNvGrpSpPr/>
-        <p:nvPr/>
-      </p:nvGrpSpPr>
-      <p:grpSpPr>
-        <a:xfrm>
-          <a:off x="0" y="0"/>
-          <a:ext cx="0" cy="0"/>
-          <a:chOff x="0" y="0"/>
-          <a:chExt cx="0" cy="0"/>
-        </a:xfrm>
-      </p:grpSpPr>
-      <p:sp>
-        <p:nvSpPr>
-          <p:cNvPr id="2" name="제목 1">
-            <a:extLst>
-              <a:ext uri="{FF2B5EF4-FFF2-40B4-BE49-F238E27FC236}">
-                <a16:creationId xmlns:a16="http://schemas.microsoft.com/office/drawing/2014/main" id="{061F91DF-B2CB-9B0A-089A-E7636D1C92E9}"/>
-              </a:ext>
-            </a:extLst>
-          </p:cNvPr>
-          <p:cNvSpPr>
-            <a:spLocks noGrp="1"/>
-          </p:cNvSpPr>
-          <p:nvPr>
-            <p:ph type="title"/>
-          </p:nvPr>
-        </p:nvSpPr>
-        <p:spPr/>
-        <p:txBody>
-          <a:bodyPr/>
-          <a:lstStyle/>
-          <a:p>
-            <a:r>
-              <a:rPr lang="ko-KR" altLang="en-US" dirty="0">
-                <a:solidFill>
-                  <a:srgbClr val="00B050"/>
-                </a:solidFill>
-              </a:rPr>
-              <a:t>실습</a:t>
-            </a:r>
-            <a:r>
-              <a:rPr lang="en-US" altLang="ko-KR" dirty="0">
-                <a:solidFill>
-                  <a:srgbClr val="00B050"/>
-                </a:solidFill>
-              </a:rPr>
-              <a:t>. </a:t>
-            </a:r>
-            <a:r>
-              <a:rPr lang="en-US" altLang="ko-KR" dirty="0" err="1">
-                <a:solidFill>
-                  <a:srgbClr val="00B050"/>
-                </a:solidFill>
-              </a:rPr>
-              <a:t>ScottPlot</a:t>
-            </a:r>
-            <a:endParaRPr lang="ko-KR" altLang="en-US" dirty="0">
-              <a:solidFill>
-                <a:srgbClr val="00B050"/>
-              </a:solidFill>
-            </a:endParaRPr>
-          </a:p>
-        </p:txBody>
-      </p:sp>
-      <p:sp>
-        <p:nvSpPr>
-          <p:cNvPr id="6" name="내용 개체 틀 5">
-            <a:extLst>
-              <a:ext uri="{FF2B5EF4-FFF2-40B4-BE49-F238E27FC236}">
-                <a16:creationId xmlns:a16="http://schemas.microsoft.com/office/drawing/2014/main" id="{5EB2918C-1851-B2B5-60C1-B1A81C584C14}"/>
-              </a:ext>
-            </a:extLst>
-          </p:cNvPr>
-          <p:cNvSpPr>
-            <a:spLocks noGrp="1"/>
-          </p:cNvSpPr>
-          <p:nvPr>
-            <p:ph idx="1"/>
-          </p:nvPr>
-        </p:nvSpPr>
-        <p:spPr/>
-        <p:txBody>
-          <a:bodyPr>
-            <a:normAutofit fontScale="70000" lnSpcReduction="20000"/>
-          </a:bodyPr>
-          <a:lstStyle/>
-          <a:p>
-            <a:pPr>
-              <a:lnSpc>
-                <a:spcPct val="120000"/>
-              </a:lnSpc>
-            </a:pPr>
-            <a:r>
-              <a:rPr lang="ko-KR" altLang="en-US" dirty="0"/>
-              <a:t>공식 </a:t>
-            </a:r>
-            <a:r>
-              <a:rPr lang="ko-KR" altLang="en-US" dirty="0" err="1"/>
-              <a:t>쿡북</a:t>
-            </a:r>
-            <a:r>
-              <a:rPr lang="en-US" altLang="ko-KR" dirty="0"/>
-              <a:t>(</a:t>
-            </a:r>
-            <a:r>
-              <a:rPr lang="ko-KR" altLang="en-US" dirty="0"/>
-              <a:t>예제 소스 코드</a:t>
-            </a:r>
-            <a:r>
-              <a:rPr lang="en-US" altLang="ko-KR" dirty="0"/>
-              <a:t>)</a:t>
-            </a:r>
-            <a:r>
-              <a:rPr lang="ko-KR" altLang="en-US" dirty="0"/>
-              <a:t>에서 아래 내용 실습 </a:t>
-            </a:r>
-            <a:endParaRPr lang="en-US" altLang="ko-KR" dirty="0"/>
-          </a:p>
-          <a:p>
-            <a:pPr>
-              <a:lnSpc>
-                <a:spcPct val="120000"/>
-              </a:lnSpc>
-            </a:pPr>
-            <a:r>
-              <a:rPr lang="en-US" altLang="ko-KR" dirty="0" err="1"/>
-              <a:t>Quickstart</a:t>
-            </a:r>
-            <a:endParaRPr lang="en-US" altLang="ko-KR" dirty="0"/>
-          </a:p>
-          <a:p>
-            <a:pPr lvl="1">
-              <a:lnSpc>
-                <a:spcPct val="120000"/>
-              </a:lnSpc>
-            </a:pPr>
-            <a:r>
-              <a:rPr lang="en-US" altLang="ko-KR" dirty="0"/>
-              <a:t>Scatter Plot</a:t>
-            </a:r>
-          </a:p>
-          <a:p>
-            <a:pPr lvl="1">
-              <a:lnSpc>
-                <a:spcPct val="120000"/>
-              </a:lnSpc>
-            </a:pPr>
-            <a:r>
-              <a:rPr lang="en-US" altLang="ko-KR" dirty="0"/>
-              <a:t>Signal Plot</a:t>
-            </a:r>
-          </a:p>
-          <a:p>
-            <a:pPr lvl="1">
-              <a:lnSpc>
-                <a:spcPct val="120000"/>
-              </a:lnSpc>
-            </a:pPr>
-            <a:r>
-              <a:rPr lang="en-US" altLang="ko-KR" dirty="0"/>
-              <a:t>Legend</a:t>
-            </a:r>
-          </a:p>
-          <a:p>
-            <a:pPr lvl="1">
-              <a:lnSpc>
-                <a:spcPct val="120000"/>
-              </a:lnSpc>
-            </a:pPr>
-            <a:r>
-              <a:rPr lang="en-US" altLang="ko-KR" dirty="0">
-                <a:hlinkClick r:id="rId2"/>
-              </a:rPr>
-              <a:t>https://scottplot.net/cookbook/5.0/ScottPlotQuickstart/</a:t>
-            </a:r>
-            <a:endParaRPr lang="en-US" altLang="ko-KR" dirty="0"/>
-          </a:p>
-          <a:p>
-            <a:pPr lvl="1">
-              <a:lnSpc>
-                <a:spcPct val="120000"/>
-              </a:lnSpc>
-            </a:pPr>
-            <a:endParaRPr lang="en-US" altLang="ko-KR" dirty="0"/>
-          </a:p>
-          <a:p>
-            <a:pPr>
-              <a:lnSpc>
-                <a:spcPct val="120000"/>
-              </a:lnSpc>
-            </a:pPr>
-            <a:r>
-              <a:rPr lang="en-US" altLang="ko-KR" dirty="0"/>
-              <a:t>Multi-Axis</a:t>
-            </a:r>
-          </a:p>
-          <a:p>
-            <a:pPr lvl="1">
-              <a:lnSpc>
-                <a:spcPct val="120000"/>
-              </a:lnSpc>
-            </a:pPr>
-            <a:r>
-              <a:rPr lang="en-US" altLang="ko-KR" dirty="0"/>
-              <a:t>Primary Axes</a:t>
-            </a:r>
-          </a:p>
-          <a:p>
-            <a:pPr lvl="1">
-              <a:lnSpc>
-                <a:spcPct val="120000"/>
-              </a:lnSpc>
-            </a:pPr>
-            <a:r>
-              <a:rPr lang="en-US" altLang="ko-KR" dirty="0"/>
-              <a:t>Additional Y Axis</a:t>
-            </a:r>
-          </a:p>
-          <a:p>
-            <a:pPr lvl="1">
-              <a:lnSpc>
-                <a:spcPct val="120000"/>
-              </a:lnSpc>
-            </a:pPr>
-            <a:r>
-              <a:rPr lang="en-US" altLang="ko-KR" dirty="0">
-                <a:hlinkClick r:id="rId3"/>
-              </a:rPr>
-              <a:t>https://scottplot.net/cookbook/5.0/MultiAxis/</a:t>
-            </a:r>
-            <a:br>
-              <a:rPr lang="en-US" altLang="ko-KR" dirty="0"/>
-            </a:br>
-            <a:endParaRPr lang="ko-KR" altLang="en-US" dirty="0"/>
-          </a:p>
-        </p:txBody>
-      </p:sp>
-      <p:sp>
-        <p:nvSpPr>
-          <p:cNvPr id="4" name="날짜 개체 틀 3">
-            <a:extLst>
-              <a:ext uri="{FF2B5EF4-FFF2-40B4-BE49-F238E27FC236}">
-                <a16:creationId xmlns:a16="http://schemas.microsoft.com/office/drawing/2014/main" id="{4C9F154D-80D0-D2D6-C02A-E28620F9963F}"/>
-              </a:ext>
-            </a:extLst>
-          </p:cNvPr>
-          <p:cNvSpPr>
-            <a:spLocks noGrp="1"/>
-          </p:cNvSpPr>
-          <p:nvPr>
-            <p:ph type="dt" sz="half" idx="10"/>
-          </p:nvPr>
-        </p:nvSpPr>
-        <p:spPr/>
-        <p:txBody>
-          <a:bodyPr/>
-          <a:lstStyle/>
-          <a:p>
-            <a:fld id="{0F78D9C4-20C1-4B15-A116-16DC77AD9A1E}" type="datetime1">
-              <a:rPr lang="ko-KR" altLang="en-US" smtClean="0"/>
-              <a:t>2025-05-19</a:t>
-            </a:fld>
-            <a:endParaRPr lang="ko-KR" altLang="en-US"/>
-          </a:p>
-        </p:txBody>
-      </p:sp>
-      <p:sp>
-        <p:nvSpPr>
-          <p:cNvPr id="5" name="슬라이드 번호 개체 틀 4">
-            <a:extLst>
-              <a:ext uri="{FF2B5EF4-FFF2-40B4-BE49-F238E27FC236}">
-                <a16:creationId xmlns:a16="http://schemas.microsoft.com/office/drawing/2014/main" id="{7AAAC558-F07A-2E7F-8713-874FAB29BA07}"/>
-              </a:ext>
-            </a:extLst>
-          </p:cNvPr>
-          <p:cNvSpPr>
-            <a:spLocks noGrp="1"/>
-          </p:cNvSpPr>
-          <p:nvPr>
-            <p:ph type="sldNum" sz="quarter" idx="12"/>
-          </p:nvPr>
-        </p:nvSpPr>
-        <p:spPr/>
-        <p:txBody>
-          <a:bodyPr/>
-          <a:lstStyle/>
-          <a:p>
-            <a:fld id="{083A2CE0-18CD-4102-B738-4ACFF9E68BA4}" type="slidenum">
-              <a:rPr lang="ko-KR" altLang="en-US" smtClean="0"/>
-              <a:t>27</a:t>
-            </a:fld>
-            <a:endParaRPr lang="ko-KR" altLang="en-US"/>
-          </a:p>
-        </p:txBody>
-      </p:sp>
-    </p:spTree>
-    <p:extLst>
-      <p:ext uri="{BB962C8B-B14F-4D97-AF65-F5344CB8AC3E}">
-        <p14:creationId xmlns:p14="http://schemas.microsoft.com/office/powerpoint/2010/main" val="823890043"/>
-      </p:ext>
-    </p:extLst>
-  </p:cSld>
-  <p:clrMapOvr>
-    <a:masterClrMapping/>
-  </p:clrMapOvr>
-</p:sld>
-</file>
-
-<file path=ppt/slides/slide28.xml><?xml version="1.0" encoding="utf-8"?>
-<p:sld xmlns:a="http://schemas.openxmlformats.org/drawingml/2006/main" xmlns:r="http://schemas.openxmlformats.org/officeDocument/2006/relationships" xmlns:p="http://schemas.openxmlformats.org/presentationml/2006/main">
-  <p:cSld>
-    <p:spTree>
-      <p:nvGrpSpPr>
-        <p:cNvPr id="1" name=""/>
-        <p:cNvGrpSpPr/>
-        <p:nvPr/>
-      </p:nvGrpSpPr>
-      <p:grpSpPr>
-        <a:xfrm>
-          <a:off x="0" y="0"/>
-          <a:ext cx="0" cy="0"/>
-          <a:chOff x="0" y="0"/>
-          <a:chExt cx="0" cy="0"/>
-        </a:xfrm>
-      </p:grpSpPr>
-      <p:sp>
-        <p:nvSpPr>
-          <p:cNvPr id="2" name="제목 1">
-            <a:extLst>
-              <a:ext uri="{FF2B5EF4-FFF2-40B4-BE49-F238E27FC236}">
-                <a16:creationId xmlns:a16="http://schemas.microsoft.com/office/drawing/2014/main" id="{061F91DF-B2CB-9B0A-089A-E7636D1C92E9}"/>
-              </a:ext>
-            </a:extLst>
-          </p:cNvPr>
-          <p:cNvSpPr>
-            <a:spLocks noGrp="1"/>
-          </p:cNvSpPr>
-          <p:nvPr>
-            <p:ph type="title"/>
-          </p:nvPr>
-        </p:nvSpPr>
-        <p:spPr/>
-        <p:txBody>
-          <a:bodyPr/>
-          <a:lstStyle/>
-          <a:p>
-            <a:r>
-              <a:rPr lang="ko-KR" altLang="en-US" dirty="0"/>
-              <a:t>실습</a:t>
-            </a:r>
-            <a:r>
-              <a:rPr lang="en-US" altLang="ko-KR" dirty="0"/>
-              <a:t>. </a:t>
-            </a:r>
-            <a:r>
-              <a:rPr lang="en-US" altLang="ko-KR" dirty="0" err="1"/>
-              <a:t>ScottPlot</a:t>
-            </a:r>
-            <a:r>
-              <a:rPr lang="en-US" altLang="ko-KR" dirty="0"/>
-              <a:t> (</a:t>
-            </a:r>
-            <a:r>
-              <a:rPr lang="en-US" altLang="ko-KR" dirty="0" err="1"/>
-              <a:t>Winform</a:t>
-            </a:r>
-            <a:r>
-              <a:rPr lang="ko-KR" altLang="en-US" dirty="0"/>
-              <a:t> 이용</a:t>
-            </a:r>
-            <a:r>
-              <a:rPr lang="en-US" altLang="ko-KR" dirty="0"/>
-              <a:t>)</a:t>
-            </a:r>
-            <a:endParaRPr lang="ko-KR" altLang="en-US" dirty="0"/>
-          </a:p>
-        </p:txBody>
-      </p:sp>
-      <p:sp>
-        <p:nvSpPr>
-          <p:cNvPr id="6" name="내용 개체 틀 5">
-            <a:extLst>
-              <a:ext uri="{FF2B5EF4-FFF2-40B4-BE49-F238E27FC236}">
-                <a16:creationId xmlns:a16="http://schemas.microsoft.com/office/drawing/2014/main" id="{5EB2918C-1851-B2B5-60C1-B1A81C584C14}"/>
-              </a:ext>
-            </a:extLst>
-          </p:cNvPr>
-          <p:cNvSpPr>
-            <a:spLocks noGrp="1"/>
-          </p:cNvSpPr>
-          <p:nvPr>
-            <p:ph idx="1"/>
-          </p:nvPr>
-        </p:nvSpPr>
-        <p:spPr/>
-        <p:txBody>
-          <a:bodyPr/>
-          <a:lstStyle/>
-          <a:p>
-            <a:pPr marL="514350" indent="-514350">
-              <a:buFont typeface="+mj-lt"/>
-              <a:buAutoNum type="arabicPeriod"/>
-            </a:pPr>
-            <a:r>
-              <a:rPr lang="en-US" altLang="ko-KR" dirty="0" err="1"/>
-              <a:t>ScottPlot</a:t>
-            </a:r>
-            <a:r>
-              <a:rPr lang="en-US" altLang="ko-KR" dirty="0"/>
-              <a:t> </a:t>
-            </a:r>
-            <a:r>
-              <a:rPr lang="ko-KR" altLang="en-US" dirty="0"/>
-              <a:t>공식 데모 소스 코드에서 적절한 예제 찾기</a:t>
-            </a:r>
-            <a:endParaRPr lang="en-US" altLang="ko-KR" dirty="0"/>
-          </a:p>
-          <a:p>
-            <a:pPr lvl="1"/>
-            <a:r>
-              <a:rPr lang="ko-KR" altLang="en-US" dirty="0"/>
-              <a:t>한 차트에 여러 개의 </a:t>
-            </a:r>
-            <a:r>
-              <a:rPr lang="en-US" altLang="ko-KR" dirty="0"/>
-              <a:t>Axis</a:t>
-            </a:r>
-            <a:r>
-              <a:rPr lang="ko-KR" altLang="en-US" dirty="0"/>
-              <a:t>를 표시하는 기능</a:t>
-            </a:r>
-            <a:endParaRPr lang="en-US" altLang="ko-KR" dirty="0"/>
-          </a:p>
-          <a:p>
-            <a:pPr lvl="1"/>
-            <a:r>
-              <a:rPr lang="ko-KR" altLang="en-US" dirty="0"/>
-              <a:t>격자가 없는 배경을 사용하는 기능</a:t>
-            </a:r>
-            <a:endParaRPr lang="en-US" altLang="ko-KR" dirty="0"/>
-          </a:p>
-          <a:p>
-            <a:pPr lvl="1"/>
-            <a:r>
-              <a:rPr lang="ko-KR" altLang="en-US" dirty="0"/>
-              <a:t>마우스 움직임에 따라 차트의 </a:t>
-            </a:r>
-            <a:r>
-              <a:rPr lang="en-US" altLang="ko-KR" dirty="0"/>
-              <a:t>X, Y </a:t>
-            </a:r>
-            <a:r>
-              <a:rPr lang="ko-KR" altLang="en-US" dirty="0"/>
-              <a:t>값을 표시하는 기능</a:t>
-            </a:r>
-            <a:endParaRPr lang="en-US" altLang="ko-KR" dirty="0"/>
-          </a:p>
-          <a:p>
-            <a:pPr lvl="1"/>
-            <a:r>
-              <a:rPr lang="ko-KR" altLang="en-US" dirty="0"/>
-              <a:t>차트 위에 말풍선</a:t>
-            </a:r>
-            <a:r>
-              <a:rPr lang="en-US" altLang="ko-KR" dirty="0"/>
-              <a:t>(callout)</a:t>
-            </a:r>
-            <a:r>
-              <a:rPr lang="ko-KR" altLang="en-US" dirty="0"/>
-              <a:t>을 띄우는 기능</a:t>
-            </a:r>
-            <a:br>
-              <a:rPr lang="en-US" altLang="ko-KR" dirty="0"/>
-            </a:br>
-            <a:endParaRPr lang="en-US" altLang="ko-KR" dirty="0"/>
-          </a:p>
-          <a:p>
-            <a:pPr marL="514350" indent="-514350">
-              <a:buFont typeface="+mj-lt"/>
-              <a:buAutoNum type="arabicPeriod"/>
-            </a:pPr>
-            <a:r>
-              <a:rPr lang="ko-KR" altLang="en-US" dirty="0"/>
-              <a:t>위 기능이 모두 합쳐진 하나의 차트를 만들기</a:t>
-            </a:r>
-            <a:endParaRPr lang="en-US" altLang="ko-KR" dirty="0"/>
-          </a:p>
-          <a:p>
-            <a:pPr lvl="1"/>
-            <a:r>
-              <a:rPr lang="ko-KR" altLang="en-US" dirty="0"/>
-              <a:t>차트 데이터의 내용은 무관함</a:t>
-            </a:r>
-          </a:p>
-        </p:txBody>
-      </p:sp>
-      <p:sp>
-        <p:nvSpPr>
-          <p:cNvPr id="4" name="날짜 개체 틀 3">
-            <a:extLst>
-              <a:ext uri="{FF2B5EF4-FFF2-40B4-BE49-F238E27FC236}">
-                <a16:creationId xmlns:a16="http://schemas.microsoft.com/office/drawing/2014/main" id="{4C9F154D-80D0-D2D6-C02A-E28620F9963F}"/>
-              </a:ext>
-            </a:extLst>
-          </p:cNvPr>
-          <p:cNvSpPr>
-            <a:spLocks noGrp="1"/>
-          </p:cNvSpPr>
-          <p:nvPr>
-            <p:ph type="dt" sz="half" idx="10"/>
-          </p:nvPr>
-        </p:nvSpPr>
-        <p:spPr/>
-        <p:txBody>
-          <a:bodyPr/>
-          <a:lstStyle/>
-          <a:p>
-            <a:fld id="{0F78D9C4-20C1-4B15-A116-16DC77AD9A1E}" type="datetime1">
-              <a:rPr lang="ko-KR" altLang="en-US" smtClean="0"/>
-              <a:t>2025-05-19</a:t>
-            </a:fld>
-            <a:endParaRPr lang="ko-KR" altLang="en-US"/>
-          </a:p>
-        </p:txBody>
-      </p:sp>
-      <p:sp>
-        <p:nvSpPr>
-          <p:cNvPr id="5" name="슬라이드 번호 개체 틀 4">
-            <a:extLst>
-              <a:ext uri="{FF2B5EF4-FFF2-40B4-BE49-F238E27FC236}">
-                <a16:creationId xmlns:a16="http://schemas.microsoft.com/office/drawing/2014/main" id="{7AAAC558-F07A-2E7F-8713-874FAB29BA07}"/>
-              </a:ext>
-            </a:extLst>
-          </p:cNvPr>
-          <p:cNvSpPr>
-            <a:spLocks noGrp="1"/>
-          </p:cNvSpPr>
-          <p:nvPr>
-            <p:ph type="sldNum" sz="quarter" idx="12"/>
-          </p:nvPr>
-        </p:nvSpPr>
-        <p:spPr/>
-        <p:txBody>
-          <a:bodyPr/>
-          <a:lstStyle/>
-          <a:p>
-            <a:fld id="{083A2CE0-18CD-4102-B738-4ACFF9E68BA4}" type="slidenum">
-              <a:rPr lang="ko-KR" altLang="en-US" smtClean="0"/>
-              <a:t>28</a:t>
-            </a:fld>
-            <a:endParaRPr lang="ko-KR" altLang="en-US"/>
-          </a:p>
-        </p:txBody>
-      </p:sp>
-    </p:spTree>
-    <p:extLst>
-      <p:ext uri="{BB962C8B-B14F-4D97-AF65-F5344CB8AC3E}">
-        <p14:creationId xmlns:p14="http://schemas.microsoft.com/office/powerpoint/2010/main" val="2018157475"/>
-      </p:ext>
-    </p:extLst>
-  </p:cSld>
-  <p:clrMapOvr>
-    <a:masterClrMapping/>
-  </p:clrMapOvr>
-</p:sld>
-</file>
-
-<file path=ppt/slides/slide3.xml><?xml version="1.0" encoding="utf-8"?>
-<p:sld xmlns:a="http://schemas.openxmlformats.org/drawingml/2006/main" xmlns:r="http://schemas.openxmlformats.org/officeDocument/2006/relationships" xmlns:p="http://schemas.openxmlformats.org/presentationml/2006/main">
-  <p:cSld>
-    <p:spTree>
-      <p:nvGrpSpPr>
-        <p:cNvPr id="1" name=""/>
-        <p:cNvGrpSpPr/>
-        <p:nvPr/>
-      </p:nvGrpSpPr>
-      <p:grpSpPr>
-        <a:xfrm>
-          <a:off x="0" y="0"/>
-          <a:ext cx="0" cy="0"/>
-          <a:chOff x="0" y="0"/>
-          <a:chExt cx="0" cy="0"/>
-        </a:xfrm>
-      </p:grpSpPr>
-      <p:sp>
-        <p:nvSpPr>
-          <p:cNvPr id="2" name="제목 1">
-            <a:extLst>
-              <a:ext uri="{FF2B5EF4-FFF2-40B4-BE49-F238E27FC236}">
                 <a16:creationId xmlns:a16="http://schemas.microsoft.com/office/drawing/2014/main" id="{1A622395-3FBB-5A70-7D92-AD74B0437084}"/>
               </a:ext>
             </a:extLst>
@@ -9985,7 +9654,7 @@
           <a:p>
             <a:fld id="{0F78D9C4-20C1-4B15-A116-16DC77AD9A1E}" type="datetime1">
               <a:rPr lang="ko-KR" altLang="en-US" smtClean="0"/>
-              <a:t>2025-05-19</a:t>
+              <a:t>2025-05-22</a:t>
             </a:fld>
             <a:endParaRPr lang="ko-KR" altLang="en-US"/>
           </a:p>
@@ -10014,7 +9683,7 @@
           <a:p>
             <a:fld id="{083A2CE0-18CD-4102-B738-4ACFF9E68BA4}" type="slidenum">
               <a:rPr lang="ko-KR" altLang="en-US" smtClean="0"/>
-              <a:t>3</a:t>
+              <a:t>4</a:t>
             </a:fld>
             <a:endParaRPr lang="ko-KR" altLang="en-US"/>
           </a:p>
@@ -10023,7 +9692,7 @@
       <p:sp>
         <p:nvSpPr>
           <p:cNvPr id="7" name="TextBox 6">
-            <a:hlinkClick r:id="rId2"/>
+            <a:hlinkClick r:id="rId3"/>
             <a:extLst>
               <a:ext uri="{FF2B5EF4-FFF2-40B4-BE49-F238E27FC236}">
                 <a16:creationId xmlns:a16="http://schemas.microsoft.com/office/drawing/2014/main" id="{C4C01923-BF8D-DC99-35FD-A176D3E1324A}"/>
@@ -10058,13 +9727,13 @@
               <a:t>참고 자료</a:t>
             </a:r>
             <a:endParaRPr lang="en-US" altLang="ko-KR" sz="2400" dirty="0">
-              <a:hlinkClick r:id="rId2"/>
+              <a:hlinkClick r:id="rId3"/>
             </a:endParaRPr>
           </a:p>
           <a:p>
             <a:r>
               <a:rPr lang="ko-KR" altLang="en-US" sz="2400" dirty="0">
-                <a:hlinkClick r:id="rId2"/>
+                <a:hlinkClick r:id="rId3"/>
               </a:rPr>
               <a:t>https://gdpark.tistory.com/219</a:t>
             </a:r>
@@ -10087,7 +9756,7 @@
           <p:nvPr/>
         </p:nvPicPr>
         <p:blipFill>
-          <a:blip r:embed="rId3"/>
+          <a:blip r:embed="rId4"/>
           <a:stretch>
             <a:fillRect/>
           </a:stretch>
@@ -10117,7 +9786,7 @@
           <p:nvPr/>
         </p:nvPicPr>
         <p:blipFill>
-          <a:blip r:embed="rId4"/>
+          <a:blip r:embed="rId5"/>
           <a:stretch>
             <a:fillRect/>
           </a:stretch>
@@ -10183,7 +9852,7 @@
           <p:nvPr/>
         </p:nvPicPr>
         <p:blipFill>
-          <a:blip r:embed="rId5"/>
+          <a:blip r:embed="rId6"/>
           <a:stretch>
             <a:fillRect/>
           </a:stretch>
@@ -10208,10 +9877,18 @@
   <p:clrMapOvr>
     <a:masterClrMapping/>
   </p:clrMapOvr>
+  <mc:AlternateContent xmlns:mc="http://schemas.openxmlformats.org/markup-compatibility/2006">
+    <mc:Choice xmlns:p14="http://schemas.microsoft.com/office/powerpoint/2010/main" Requires="p14">
+      <p:transition spd="slow" p14:dur="2000"/>
+    </mc:Choice>
+    <mc:Fallback>
+      <p:transition spd="slow"/>
+    </mc:Fallback>
+  </mc:AlternateContent>
 </p:sld>
 </file>
 
-<file path=ppt/slides/slide4.xml><?xml version="1.0" encoding="utf-8"?>
+<file path=ppt/slides/slide5.xml><?xml version="1.0" encoding="utf-8"?>
 <p:sld xmlns:a="http://schemas.openxmlformats.org/drawingml/2006/main" xmlns:r="http://schemas.openxmlformats.org/officeDocument/2006/relationships" xmlns:p="http://schemas.openxmlformats.org/presentationml/2006/main">
   <p:cSld>
     <p:spTree>
@@ -10320,7 +9997,7 @@
           <a:p>
             <a:fld id="{0F78D9C4-20C1-4B15-A116-16DC77AD9A1E}" type="datetime1">
               <a:rPr lang="ko-KR" altLang="en-US" smtClean="0"/>
-              <a:t>2025-05-19</a:t>
+              <a:t>2025-05-22</a:t>
             </a:fld>
             <a:endParaRPr lang="ko-KR" altLang="en-US"/>
           </a:p>
@@ -10349,7 +10026,7 @@
           <a:p>
             <a:fld id="{083A2CE0-18CD-4102-B738-4ACFF9E68BA4}" type="slidenum">
               <a:rPr lang="ko-KR" altLang="en-US" smtClean="0"/>
-              <a:t>4</a:t>
+              <a:t>5</a:t>
             </a:fld>
             <a:endParaRPr lang="ko-KR" altLang="en-US"/>
           </a:p>
@@ -10377,7 +10054,7 @@
         </p:blipFill>
         <p:spPr>
           <a:xfrm>
-            <a:off x="663689" y="2350044"/>
+            <a:off x="838200" y="2429164"/>
             <a:ext cx="10722098" cy="1624228"/>
           </a:xfrm>
           <a:prstGeom prst="rect">
@@ -10428,445 +10105,6 @@
 </p:sld>
 </file>
 
-<file path=ppt/slides/slide5.xml><?xml version="1.0" encoding="utf-8"?>
-<p:sld xmlns:a="http://schemas.openxmlformats.org/drawingml/2006/main" xmlns:r="http://schemas.openxmlformats.org/officeDocument/2006/relationships" xmlns:p="http://schemas.openxmlformats.org/presentationml/2006/main">
-  <p:cSld>
-    <p:spTree>
-      <p:nvGrpSpPr>
-        <p:cNvPr id="1" name=""/>
-        <p:cNvGrpSpPr/>
-        <p:nvPr/>
-      </p:nvGrpSpPr>
-      <p:grpSpPr>
-        <a:xfrm>
-          <a:off x="0" y="0"/>
-          <a:ext cx="0" cy="0"/>
-          <a:chOff x="0" y="0"/>
-          <a:chExt cx="0" cy="0"/>
-        </a:xfrm>
-      </p:grpSpPr>
-      <p:sp>
-        <p:nvSpPr>
-          <p:cNvPr id="2" name="제목 1">
-            <a:extLst>
-              <a:ext uri="{FF2B5EF4-FFF2-40B4-BE49-F238E27FC236}">
-                <a16:creationId xmlns:a16="http://schemas.microsoft.com/office/drawing/2014/main" id="{2A2ACCD4-C461-B0A9-20E2-E5DDA2888355}"/>
-              </a:ext>
-            </a:extLst>
-          </p:cNvPr>
-          <p:cNvSpPr>
-            <a:spLocks noGrp="1"/>
-          </p:cNvSpPr>
-          <p:nvPr>
-            <p:ph type="title"/>
-          </p:nvPr>
-        </p:nvSpPr>
-        <p:spPr/>
-        <p:txBody>
-          <a:bodyPr/>
-          <a:lstStyle/>
-          <a:p>
-            <a:r>
-              <a:rPr lang="ko-KR" altLang="en-US" dirty="0"/>
-              <a:t>번외</a:t>
-            </a:r>
-            <a:r>
-              <a:rPr lang="en-US" altLang="ko-KR" dirty="0"/>
-              <a:t>_ URI </a:t>
-            </a:r>
-            <a:r>
-              <a:rPr lang="ko-KR" altLang="en-US" dirty="0"/>
-              <a:t>란</a:t>
-            </a:r>
-            <a:r>
-              <a:rPr lang="en-US" altLang="ko-KR" dirty="0"/>
-              <a:t>?</a:t>
-            </a:r>
-            <a:endParaRPr lang="ko-KR" altLang="en-US" dirty="0"/>
-          </a:p>
-        </p:txBody>
-      </p:sp>
-      <p:sp>
-        <p:nvSpPr>
-          <p:cNvPr id="3" name="내용 개체 틀 2">
-            <a:extLst>
-              <a:ext uri="{FF2B5EF4-FFF2-40B4-BE49-F238E27FC236}">
-                <a16:creationId xmlns:a16="http://schemas.microsoft.com/office/drawing/2014/main" id="{F1D3014E-6E2F-E442-B4BF-851B377F078D}"/>
-              </a:ext>
-            </a:extLst>
-          </p:cNvPr>
-          <p:cNvSpPr>
-            <a:spLocks noGrp="1"/>
-          </p:cNvSpPr>
-          <p:nvPr>
-            <p:ph idx="1"/>
-          </p:nvPr>
-        </p:nvSpPr>
-        <p:spPr/>
-        <p:txBody>
-          <a:bodyPr/>
-          <a:lstStyle/>
-          <a:p>
-            <a:r>
-              <a:rPr lang="en-US" altLang="ko-KR" dirty="0"/>
-              <a:t>Uniform Resource Identifier </a:t>
-            </a:r>
-            <a:r>
-              <a:rPr lang="ko-KR" altLang="en-US" dirty="0"/>
-              <a:t>의 약자 </a:t>
-            </a:r>
-            <a:endParaRPr lang="en-US" altLang="ko-KR" dirty="0"/>
-          </a:p>
-          <a:p>
-            <a:pPr lvl="1"/>
-            <a:r>
-              <a:rPr lang="en-US" altLang="ko-KR" dirty="0">
-                <a:solidFill>
-                  <a:schemeClr val="accent2"/>
-                </a:solidFill>
-              </a:rPr>
-              <a:t>URL</a:t>
-            </a:r>
-            <a:r>
-              <a:rPr lang="ko-KR" altLang="en-US" dirty="0"/>
-              <a:t>은 </a:t>
-            </a:r>
-            <a:r>
-              <a:rPr lang="en-US" altLang="ko-KR" dirty="0"/>
-              <a:t>Uniform Resource </a:t>
-            </a:r>
-            <a:r>
-              <a:rPr lang="en-US" altLang="ko-KR" dirty="0">
-                <a:solidFill>
-                  <a:schemeClr val="accent2"/>
-                </a:solidFill>
-              </a:rPr>
-              <a:t>Locator</a:t>
-            </a:r>
-            <a:r>
-              <a:rPr lang="ko-KR" altLang="en-US" dirty="0"/>
-              <a:t>의 약자로 </a:t>
-            </a:r>
-            <a:r>
-              <a:rPr lang="en-US" altLang="ko-KR" dirty="0"/>
-              <a:t>URI</a:t>
-            </a:r>
-            <a:r>
-              <a:rPr lang="ko-KR" altLang="en-US" dirty="0"/>
-              <a:t>의 위치를 나타냄</a:t>
-            </a:r>
-            <a:endParaRPr lang="en-US" altLang="ko-KR" dirty="0"/>
-          </a:p>
-          <a:p>
-            <a:r>
-              <a:rPr lang="ko-KR" altLang="en-US" dirty="0"/>
-              <a:t>프로그램 개발에 필요한 자원을 </a:t>
-            </a:r>
-            <a:r>
-              <a:rPr lang="en-US" altLang="ko-KR" dirty="0"/>
-              <a:t>(</a:t>
-            </a:r>
-            <a:r>
-              <a:rPr lang="ko-KR" altLang="en-US" dirty="0"/>
-              <a:t>주로 파일</a:t>
-            </a:r>
-            <a:r>
-              <a:rPr lang="en-US" altLang="ko-KR" dirty="0"/>
-              <a:t>)</a:t>
-            </a:r>
-            <a:r>
-              <a:rPr lang="ko-KR" altLang="en-US" dirty="0"/>
-              <a:t>을 </a:t>
-            </a:r>
-            <a:r>
-              <a:rPr lang="en-US" altLang="ko-KR" dirty="0">
-                <a:solidFill>
-                  <a:schemeClr val="accent2"/>
-                </a:solidFill>
-              </a:rPr>
-              <a:t>“</a:t>
-            </a:r>
-            <a:r>
-              <a:rPr lang="ko-KR" altLang="en-US" dirty="0">
-                <a:solidFill>
-                  <a:schemeClr val="accent2"/>
-                </a:solidFill>
-              </a:rPr>
-              <a:t>식별</a:t>
-            </a:r>
-            <a:r>
-              <a:rPr lang="en-US" altLang="ko-KR" dirty="0">
-                <a:solidFill>
-                  <a:schemeClr val="accent2"/>
-                </a:solidFill>
-              </a:rPr>
-              <a:t>”</a:t>
-            </a:r>
-            <a:r>
-              <a:rPr lang="en-US" altLang="ko-KR" dirty="0"/>
-              <a:t> </a:t>
-            </a:r>
-            <a:r>
-              <a:rPr lang="ko-KR" altLang="en-US" dirty="0"/>
-              <a:t>함</a:t>
-            </a:r>
-            <a:endParaRPr lang="en-US" altLang="ko-KR" dirty="0"/>
-          </a:p>
-          <a:p>
-            <a:endParaRPr lang="ko-KR" altLang="en-US" dirty="0"/>
-          </a:p>
-        </p:txBody>
-      </p:sp>
-      <p:sp>
-        <p:nvSpPr>
-          <p:cNvPr id="4" name="날짜 개체 틀 3">
-            <a:extLst>
-              <a:ext uri="{FF2B5EF4-FFF2-40B4-BE49-F238E27FC236}">
-                <a16:creationId xmlns:a16="http://schemas.microsoft.com/office/drawing/2014/main" id="{16F85E32-4503-FBD2-8859-1535C29ACE65}"/>
-              </a:ext>
-            </a:extLst>
-          </p:cNvPr>
-          <p:cNvSpPr>
-            <a:spLocks noGrp="1"/>
-          </p:cNvSpPr>
-          <p:nvPr>
-            <p:ph type="dt" sz="half" idx="10"/>
-          </p:nvPr>
-        </p:nvSpPr>
-        <p:spPr/>
-        <p:txBody>
-          <a:bodyPr/>
-          <a:lstStyle/>
-          <a:p>
-            <a:fld id="{0F78D9C4-20C1-4B15-A116-16DC77AD9A1E}" type="datetime1">
-              <a:rPr lang="ko-KR" altLang="en-US" smtClean="0"/>
-              <a:t>2025-05-19</a:t>
-            </a:fld>
-            <a:endParaRPr lang="ko-KR" altLang="en-US"/>
-          </a:p>
-        </p:txBody>
-      </p:sp>
-      <p:sp>
-        <p:nvSpPr>
-          <p:cNvPr id="5" name="슬라이드 번호 개체 틀 4">
-            <a:extLst>
-              <a:ext uri="{FF2B5EF4-FFF2-40B4-BE49-F238E27FC236}">
-                <a16:creationId xmlns:a16="http://schemas.microsoft.com/office/drawing/2014/main" id="{5D6C70AD-0C32-393A-B55C-2C707CE64581}"/>
-              </a:ext>
-            </a:extLst>
-          </p:cNvPr>
-          <p:cNvSpPr>
-            <a:spLocks noGrp="1"/>
-          </p:cNvSpPr>
-          <p:nvPr>
-            <p:ph type="sldNum" sz="quarter" idx="12"/>
-          </p:nvPr>
-        </p:nvSpPr>
-        <p:spPr/>
-        <p:txBody>
-          <a:bodyPr/>
-          <a:lstStyle/>
-          <a:p>
-            <a:fld id="{083A2CE0-18CD-4102-B738-4ACFF9E68BA4}" type="slidenum">
-              <a:rPr lang="ko-KR" altLang="en-US" smtClean="0"/>
-              <a:t>5</a:t>
-            </a:fld>
-            <a:endParaRPr lang="ko-KR" altLang="en-US"/>
-          </a:p>
-        </p:txBody>
-      </p:sp>
-      <p:sp>
-        <p:nvSpPr>
-          <p:cNvPr id="7" name="TextBox 6">
-            <a:hlinkClick r:id="rId2"/>
-            <a:extLst>
-              <a:ext uri="{FF2B5EF4-FFF2-40B4-BE49-F238E27FC236}">
-                <a16:creationId xmlns:a16="http://schemas.microsoft.com/office/drawing/2014/main" id="{E9A5160B-9668-398B-AC35-C8ABB9D29C79}"/>
-              </a:ext>
-            </a:extLst>
-          </p:cNvPr>
-          <p:cNvSpPr txBox="1"/>
-          <p:nvPr/>
-        </p:nvSpPr>
-        <p:spPr>
-          <a:xfrm>
-            <a:off x="942975" y="5108810"/>
-            <a:ext cx="8039100" cy="646331"/>
-          </a:xfrm>
-          <a:prstGeom prst="rect">
-            <a:avLst/>
-          </a:prstGeom>
-          <a:noFill/>
-        </p:spPr>
-        <p:txBody>
-          <a:bodyPr wrap="square">
-            <a:spAutoFit/>
-          </a:bodyPr>
-          <a:lstStyle/>
-          <a:p>
-            <a:r>
-              <a:rPr lang="en-US" altLang="ko-KR" dirty="0"/>
-              <a:t>* </a:t>
-            </a:r>
-            <a:r>
-              <a:rPr lang="ko-KR" altLang="en-US" dirty="0"/>
-              <a:t>공식 매뉴얼 설명</a:t>
-            </a:r>
-            <a:endParaRPr lang="en-US" altLang="ko-KR" dirty="0"/>
-          </a:p>
-          <a:p>
-            <a:r>
-              <a:rPr lang="ko-KR" altLang="en-US" dirty="0">
-                <a:hlinkClick r:id="rId2"/>
-              </a:rPr>
-              <a:t>https://learn.microsoft.com/ko-kr/dotnet/api/system.uri?view=net-7.0</a:t>
-            </a:r>
-            <a:endParaRPr lang="ko-KR" altLang="en-US" dirty="0"/>
-          </a:p>
-        </p:txBody>
-      </p:sp>
-      <p:sp>
-        <p:nvSpPr>
-          <p:cNvPr id="9" name="TextBox 8">
-            <a:extLst>
-              <a:ext uri="{FF2B5EF4-FFF2-40B4-BE49-F238E27FC236}">
-                <a16:creationId xmlns:a16="http://schemas.microsoft.com/office/drawing/2014/main" id="{33B4F4A3-33E8-D2B3-02E5-A902B572042B}"/>
-              </a:ext>
-            </a:extLst>
-          </p:cNvPr>
-          <p:cNvSpPr txBox="1"/>
-          <p:nvPr/>
-        </p:nvSpPr>
-        <p:spPr>
-          <a:xfrm>
-            <a:off x="942975" y="3316566"/>
-            <a:ext cx="9620250" cy="1323439"/>
-          </a:xfrm>
-          <a:prstGeom prst="rect">
-            <a:avLst/>
-          </a:prstGeom>
-          <a:noFill/>
-        </p:spPr>
-        <p:txBody>
-          <a:bodyPr wrap="square">
-            <a:spAutoFit/>
-          </a:bodyPr>
-          <a:lstStyle/>
-          <a:p>
-            <a:pPr>
-              <a:lnSpc>
-                <a:spcPct val="150000"/>
-              </a:lnSpc>
-            </a:pPr>
-            <a:r>
-              <a:rPr lang="fi-FI" altLang="ko-KR" sz="3200" b="0" i="0" dirty="0">
-                <a:solidFill>
-                  <a:srgbClr val="161616"/>
-                </a:solidFill>
-                <a:effectLst/>
-              </a:rPr>
-              <a:t>Uri siteUri = </a:t>
-            </a:r>
-            <a:r>
-              <a:rPr lang="fi-FI" altLang="ko-KR" sz="3200" b="0" i="0" dirty="0">
-                <a:solidFill>
-                  <a:srgbClr val="0101FD"/>
-                </a:solidFill>
-                <a:effectLst/>
-              </a:rPr>
-              <a:t>new</a:t>
-            </a:r>
-            <a:r>
-              <a:rPr lang="fi-FI" altLang="ko-KR" sz="3200" b="0" i="0" dirty="0">
-                <a:solidFill>
-                  <a:srgbClr val="161616"/>
-                </a:solidFill>
-                <a:effectLst/>
-              </a:rPr>
-              <a:t> Uri(</a:t>
-            </a:r>
-            <a:r>
-              <a:rPr lang="fi-FI" altLang="ko-KR" sz="3200" b="0" i="0" dirty="0">
-                <a:solidFill>
-                  <a:srgbClr val="A31515"/>
-                </a:solidFill>
-                <a:effectLst/>
-              </a:rPr>
-              <a:t>"http://www.contoso.com/"</a:t>
-            </a:r>
-            <a:r>
-              <a:rPr lang="fi-FI" altLang="ko-KR" sz="3200" b="0" i="0" dirty="0">
-                <a:solidFill>
-                  <a:srgbClr val="161616"/>
-                </a:solidFill>
-                <a:effectLst/>
-              </a:rPr>
-              <a:t>);</a:t>
-            </a:r>
-          </a:p>
-          <a:p>
-            <a:r>
-              <a:rPr lang="en-US" altLang="ko-KR" sz="3200" b="0" i="0" dirty="0">
-                <a:solidFill>
-                  <a:srgbClr val="161616"/>
-                </a:solidFill>
-                <a:effectLst/>
-              </a:rPr>
-              <a:t>Uri fileUri = </a:t>
-            </a:r>
-            <a:r>
-              <a:rPr lang="en-US" altLang="ko-KR" sz="3200" b="0" i="0" dirty="0">
-                <a:solidFill>
-                  <a:srgbClr val="0101FD"/>
-                </a:solidFill>
-                <a:effectLst/>
-              </a:rPr>
-              <a:t>new</a:t>
-            </a:r>
-            <a:r>
-              <a:rPr lang="en-US" altLang="ko-KR" sz="3200" b="0" i="0" dirty="0">
-                <a:solidFill>
-                  <a:srgbClr val="161616"/>
-                </a:solidFill>
-                <a:effectLst/>
-              </a:rPr>
-              <a:t> Uri(</a:t>
-            </a:r>
-            <a:r>
-              <a:rPr lang="en-US" altLang="ko-KR" sz="3200" b="0" i="0" dirty="0">
-                <a:solidFill>
-                  <a:srgbClr val="A31515"/>
-                </a:solidFill>
-                <a:effectLst/>
-              </a:rPr>
-              <a:t>“file:///C:/test/path/file.txt"</a:t>
-            </a:r>
-            <a:r>
-              <a:rPr lang="en-US" altLang="ko-KR" sz="3200" b="0" i="0" dirty="0">
-                <a:solidFill>
-                  <a:srgbClr val="161616"/>
-                </a:solidFill>
-                <a:effectLst/>
-              </a:rPr>
-              <a:t>)</a:t>
-            </a:r>
-            <a:endParaRPr lang="ko-KR" altLang="en-US" sz="3200" dirty="0"/>
-          </a:p>
-        </p:txBody>
-      </p:sp>
-    </p:spTree>
-    <p:extLst>
-      <p:ext uri="{BB962C8B-B14F-4D97-AF65-F5344CB8AC3E}">
-        <p14:creationId xmlns:p14="http://schemas.microsoft.com/office/powerpoint/2010/main" val="2320071608"/>
-      </p:ext>
-    </p:extLst>
-  </p:cSld>
-  <p:clrMapOvr>
-    <a:masterClrMapping/>
-  </p:clrMapOvr>
-</p:sld>
-</file>
-
 <file path=ppt/slides/slide6.xml><?xml version="1.0" encoding="utf-8"?>
 <p:sld xmlns:a="http://schemas.openxmlformats.org/drawingml/2006/main" xmlns:r="http://schemas.openxmlformats.org/officeDocument/2006/relationships" xmlns:p="http://schemas.openxmlformats.org/presentationml/2006/main">
   <p:cSld>
@@ -10947,47 +10185,112 @@
           <a:lstStyle/>
           <a:p>
             <a:r>
+              <a:rPr lang="en-US" altLang="ko-KR" dirty="0"/>
+              <a:t>Uniform Resource Identifier </a:t>
+            </a:r>
+            <a:r>
               <a:rPr lang="ko-KR" altLang="en-US" dirty="0"/>
-              <a:t>상대 경로</a:t>
+              <a:t>의 약자 </a:t>
+            </a:r>
+            <a:endParaRPr lang="en-US" altLang="ko-KR" dirty="0"/>
+          </a:p>
+          <a:p>
+            <a:pPr lvl="1"/>
+            <a:r>
+              <a:rPr lang="en-US" altLang="ko-KR" dirty="0">
+                <a:solidFill>
+                  <a:schemeClr val="accent2"/>
+                </a:solidFill>
+              </a:rPr>
+              <a:t>URL</a:t>
+            </a:r>
+            <a:r>
+              <a:rPr lang="ko-KR" altLang="en-US" dirty="0"/>
+              <a:t>은 </a:t>
             </a:r>
             <a:r>
               <a:rPr lang="en-US" altLang="ko-KR" dirty="0"/>
-              <a:t>, </a:t>
+              <a:t>Uniform Resource </a:t>
+            </a:r>
+            <a:r>
+              <a:rPr lang="en-US" altLang="ko-KR" dirty="0">
+                <a:solidFill>
+                  <a:schemeClr val="accent2"/>
+                </a:solidFill>
+              </a:rPr>
+              <a:t>Locator</a:t>
             </a:r>
             <a:r>
               <a:rPr lang="ko-KR" altLang="en-US" dirty="0"/>
-              <a:t>절대 경로 또는 둘 다 사용 세 가지 조건을 옵션으로 줄 수 있음</a:t>
+              <a:t>의 약자로 </a:t>
+            </a:r>
+            <a:r>
+              <a:rPr lang="en-US" altLang="ko-KR" dirty="0"/>
+              <a:t>URI</a:t>
+            </a:r>
+            <a:r>
+              <a:rPr lang="ko-KR" altLang="en-US" dirty="0"/>
+              <a:t>의 위치를 나타냄</a:t>
             </a:r>
             <a:endParaRPr lang="en-US" altLang="ko-KR" dirty="0"/>
           </a:p>
           <a:p>
             <a:r>
               <a:rPr lang="ko-KR" altLang="en-US" dirty="0"/>
-              <a:t>파일 경로의 경우 옵션이 반드시 필요함</a:t>
+              <a:t>프로그램 개발에 필요한 자원을 </a:t>
+            </a:r>
+            <a:r>
+              <a:rPr lang="en-US" altLang="ko-KR" dirty="0"/>
+              <a:t>(</a:t>
+            </a:r>
+            <a:r>
+              <a:rPr lang="ko-KR" altLang="en-US" dirty="0"/>
+              <a:t>주로 파일</a:t>
+            </a:r>
+            <a:r>
+              <a:rPr lang="en-US" altLang="ko-KR" dirty="0"/>
+              <a:t>)</a:t>
+            </a:r>
+            <a:r>
+              <a:rPr lang="ko-KR" altLang="en-US" dirty="0"/>
+              <a:t>을 </a:t>
+            </a:r>
+            <a:r>
+              <a:rPr lang="en-US" altLang="ko-KR" dirty="0">
+                <a:solidFill>
+                  <a:schemeClr val="accent2"/>
+                </a:solidFill>
+              </a:rPr>
+              <a:t>“</a:t>
+            </a:r>
+            <a:r>
+              <a:rPr lang="ko-KR" altLang="en-US" dirty="0">
+                <a:solidFill>
+                  <a:schemeClr val="accent2"/>
+                </a:solidFill>
+              </a:rPr>
+              <a:t>식별</a:t>
+            </a:r>
+            <a:r>
+              <a:rPr lang="en-US" altLang="ko-KR" dirty="0">
+                <a:solidFill>
+                  <a:schemeClr val="accent2"/>
+                </a:solidFill>
+              </a:rPr>
+              <a:t>”</a:t>
+            </a:r>
+            <a:r>
+              <a:rPr lang="en-US" altLang="ko-KR" dirty="0"/>
+              <a:t> </a:t>
+            </a:r>
+            <a:r>
+              <a:rPr lang="ko-KR" altLang="en-US" dirty="0"/>
+              <a:t>함</a:t>
             </a:r>
             <a:endParaRPr lang="en-US" altLang="ko-KR" dirty="0"/>
           </a:p>
           <a:p>
-            <a:r>
-              <a:rPr lang="ko-KR" altLang="en-US" dirty="0"/>
-              <a:t>후술할 </a:t>
-            </a:r>
-            <a:r>
-              <a:rPr lang="en-US" altLang="ko-KR" dirty="0"/>
-              <a:t>pack </a:t>
-            </a:r>
-            <a:r>
-              <a:rPr lang="en-US" altLang="ko-KR" dirty="0" err="1"/>
-              <a:t>uri</a:t>
-            </a:r>
-            <a:r>
-              <a:rPr lang="ko-KR" altLang="en-US" dirty="0" err="1"/>
-              <a:t>를</a:t>
-            </a:r>
-            <a:r>
-              <a:rPr lang="ko-KR" altLang="en-US" dirty="0"/>
-              <a:t> 사용하는 것이 가장 좋음</a:t>
-            </a:r>
+            <a:endParaRPr lang="ko-KR" altLang="en-US" dirty="0"/>
           </a:p>
         </p:txBody>
       </p:sp>
@@ -11014,7 +10317,7 @@
           <a:p>
             <a:fld id="{0F78D9C4-20C1-4B15-A116-16DC77AD9A1E}" type="datetime1">
               <a:rPr lang="ko-KR" altLang="en-US" smtClean="0"/>
-              <a:t>2025-05-19</a:t>
+              <a:t>2025-05-22</a:t>
             </a:fld>
             <a:endParaRPr lang="ko-KR" altLang="en-US"/>
           </a:p>
@@ -11044,6 +10347,380 @@
             <a:fld id="{083A2CE0-18CD-4102-B738-4ACFF9E68BA4}" type="slidenum">
               <a:rPr lang="ko-KR" altLang="en-US" smtClean="0"/>
               <a:t>6</a:t>
+            </a:fld>
+            <a:endParaRPr lang="ko-KR" altLang="en-US"/>
+          </a:p>
+        </p:txBody>
+      </p:sp>
+      <p:sp>
+        <p:nvSpPr>
+          <p:cNvPr id="7" name="TextBox 6">
+            <a:hlinkClick r:id="rId3"/>
+            <a:extLst>
+              <a:ext uri="{FF2B5EF4-FFF2-40B4-BE49-F238E27FC236}">
+                <a16:creationId xmlns:a16="http://schemas.microsoft.com/office/drawing/2014/main" id="{E9A5160B-9668-398B-AC35-C8ABB9D29C79}"/>
+              </a:ext>
+            </a:extLst>
+          </p:cNvPr>
+          <p:cNvSpPr txBox="1"/>
+          <p:nvPr/>
+        </p:nvSpPr>
+        <p:spPr>
+          <a:xfrm>
+            <a:off x="942975" y="5108810"/>
+            <a:ext cx="8039100" cy="646331"/>
+          </a:xfrm>
+          <a:prstGeom prst="rect">
+            <a:avLst/>
+          </a:prstGeom>
+          <a:noFill/>
+        </p:spPr>
+        <p:txBody>
+          <a:bodyPr wrap="square">
+            <a:spAutoFit/>
+          </a:bodyPr>
+          <a:lstStyle/>
+          <a:p>
+            <a:r>
+              <a:rPr lang="en-US" altLang="ko-KR" dirty="0"/>
+              <a:t>* </a:t>
+            </a:r>
+            <a:r>
+              <a:rPr lang="ko-KR" altLang="en-US" dirty="0"/>
+              <a:t>공식 매뉴얼 설명</a:t>
+            </a:r>
+            <a:endParaRPr lang="en-US" altLang="ko-KR" dirty="0"/>
+          </a:p>
+          <a:p>
+            <a:r>
+              <a:rPr lang="ko-KR" altLang="en-US" dirty="0">
+                <a:hlinkClick r:id="rId3"/>
+              </a:rPr>
+              <a:t>https://learn.microsoft.com/ko-kr/dotnet/api/system.uri?view=net-7.0</a:t>
+            </a:r>
+            <a:endParaRPr lang="ko-KR" altLang="en-US" dirty="0"/>
+          </a:p>
+        </p:txBody>
+      </p:sp>
+      <p:sp>
+        <p:nvSpPr>
+          <p:cNvPr id="9" name="TextBox 8">
+            <a:extLst>
+              <a:ext uri="{FF2B5EF4-FFF2-40B4-BE49-F238E27FC236}">
+                <a16:creationId xmlns:a16="http://schemas.microsoft.com/office/drawing/2014/main" id="{33B4F4A3-33E8-D2B3-02E5-A902B572042B}"/>
+              </a:ext>
+            </a:extLst>
+          </p:cNvPr>
+          <p:cNvSpPr txBox="1"/>
+          <p:nvPr/>
+        </p:nvSpPr>
+        <p:spPr>
+          <a:xfrm>
+            <a:off x="942975" y="3316566"/>
+            <a:ext cx="9620250" cy="1323439"/>
+          </a:xfrm>
+          <a:prstGeom prst="rect">
+            <a:avLst/>
+          </a:prstGeom>
+          <a:noFill/>
+        </p:spPr>
+        <p:txBody>
+          <a:bodyPr wrap="square">
+            <a:spAutoFit/>
+          </a:bodyPr>
+          <a:lstStyle/>
+          <a:p>
+            <a:pPr>
+              <a:lnSpc>
+                <a:spcPct val="150000"/>
+              </a:lnSpc>
+            </a:pPr>
+            <a:r>
+              <a:rPr lang="fi-FI" altLang="ko-KR" sz="3200" b="0" i="0" dirty="0">
+                <a:solidFill>
+                  <a:srgbClr val="161616"/>
+                </a:solidFill>
+                <a:effectLst/>
+              </a:rPr>
+              <a:t>Uri siteUri = </a:t>
+            </a:r>
+            <a:r>
+              <a:rPr lang="fi-FI" altLang="ko-KR" sz="3200" b="0" i="0" dirty="0">
+                <a:solidFill>
+                  <a:srgbClr val="0101FD"/>
+                </a:solidFill>
+                <a:effectLst/>
+              </a:rPr>
+              <a:t>new</a:t>
+            </a:r>
+            <a:r>
+              <a:rPr lang="fi-FI" altLang="ko-KR" sz="3200" b="0" i="0" dirty="0">
+                <a:solidFill>
+                  <a:srgbClr val="161616"/>
+                </a:solidFill>
+                <a:effectLst/>
+              </a:rPr>
+              <a:t> Uri(</a:t>
+            </a:r>
+            <a:r>
+              <a:rPr lang="fi-FI" altLang="ko-KR" sz="3200" b="0" i="0" dirty="0">
+                <a:solidFill>
+                  <a:srgbClr val="A31515"/>
+                </a:solidFill>
+                <a:effectLst/>
+              </a:rPr>
+              <a:t>"http://www.contoso.com/"</a:t>
+            </a:r>
+            <a:r>
+              <a:rPr lang="fi-FI" altLang="ko-KR" sz="3200" b="0" i="0" dirty="0">
+                <a:solidFill>
+                  <a:srgbClr val="161616"/>
+                </a:solidFill>
+                <a:effectLst/>
+              </a:rPr>
+              <a:t>);</a:t>
+            </a:r>
+          </a:p>
+          <a:p>
+            <a:r>
+              <a:rPr lang="en-US" altLang="ko-KR" sz="3200" b="0" i="0" dirty="0">
+                <a:solidFill>
+                  <a:srgbClr val="161616"/>
+                </a:solidFill>
+                <a:effectLst/>
+              </a:rPr>
+              <a:t>Uri fileUri = </a:t>
+            </a:r>
+            <a:r>
+              <a:rPr lang="en-US" altLang="ko-KR" sz="3200" b="0" i="0" dirty="0">
+                <a:solidFill>
+                  <a:srgbClr val="0101FD"/>
+                </a:solidFill>
+                <a:effectLst/>
+              </a:rPr>
+              <a:t>new</a:t>
+            </a:r>
+            <a:r>
+              <a:rPr lang="en-US" altLang="ko-KR" sz="3200" b="0" i="0" dirty="0">
+                <a:solidFill>
+                  <a:srgbClr val="161616"/>
+                </a:solidFill>
+                <a:effectLst/>
+              </a:rPr>
+              <a:t> Uri(</a:t>
+            </a:r>
+            <a:r>
+              <a:rPr lang="en-US" altLang="ko-KR" sz="3200" b="0" i="0" dirty="0">
+                <a:solidFill>
+                  <a:srgbClr val="A31515"/>
+                </a:solidFill>
+                <a:effectLst/>
+              </a:rPr>
+              <a:t>“file:///C:/test/path/file.txt"</a:t>
+            </a:r>
+            <a:r>
+              <a:rPr lang="en-US" altLang="ko-KR" sz="3200" b="0" i="0" dirty="0">
+                <a:solidFill>
+                  <a:srgbClr val="161616"/>
+                </a:solidFill>
+                <a:effectLst/>
+              </a:rPr>
+              <a:t>)</a:t>
+            </a:r>
+            <a:endParaRPr lang="ko-KR" altLang="en-US" sz="3200" dirty="0"/>
+          </a:p>
+        </p:txBody>
+      </p:sp>
+    </p:spTree>
+    <p:extLst>
+      <p:ext uri="{BB962C8B-B14F-4D97-AF65-F5344CB8AC3E}">
+        <p14:creationId xmlns:p14="http://schemas.microsoft.com/office/powerpoint/2010/main" val="2320071608"/>
+      </p:ext>
+    </p:extLst>
+  </p:cSld>
+  <p:clrMapOvr>
+    <a:masterClrMapping/>
+  </p:clrMapOvr>
+</p:sld>
+</file>
+
+<file path=ppt/slides/slide7.xml><?xml version="1.0" encoding="utf-8"?>
+<p:sld xmlns:a="http://schemas.openxmlformats.org/drawingml/2006/main" xmlns:r="http://schemas.openxmlformats.org/officeDocument/2006/relationships" xmlns:p="http://schemas.openxmlformats.org/presentationml/2006/main">
+  <p:cSld>
+    <p:spTree>
+      <p:nvGrpSpPr>
+        <p:cNvPr id="1" name=""/>
+        <p:cNvGrpSpPr/>
+        <p:nvPr/>
+      </p:nvGrpSpPr>
+      <p:grpSpPr>
+        <a:xfrm>
+          <a:off x="0" y="0"/>
+          <a:ext cx="0" cy="0"/>
+          <a:chOff x="0" y="0"/>
+          <a:chExt cx="0" cy="0"/>
+        </a:xfrm>
+      </p:grpSpPr>
+      <p:sp>
+        <p:nvSpPr>
+          <p:cNvPr id="2" name="제목 1">
+            <a:extLst>
+              <a:ext uri="{FF2B5EF4-FFF2-40B4-BE49-F238E27FC236}">
+                <a16:creationId xmlns:a16="http://schemas.microsoft.com/office/drawing/2014/main" id="{2A2ACCD4-C461-B0A9-20E2-E5DDA2888355}"/>
+              </a:ext>
+            </a:extLst>
+          </p:cNvPr>
+          <p:cNvSpPr>
+            <a:spLocks noGrp="1"/>
+          </p:cNvSpPr>
+          <p:nvPr>
+            <p:ph type="title"/>
+          </p:nvPr>
+        </p:nvSpPr>
+        <p:spPr/>
+        <p:txBody>
+          <a:bodyPr/>
+          <a:lstStyle/>
+          <a:p>
+            <a:r>
+              <a:rPr lang="ko-KR" altLang="en-US" dirty="0"/>
+              <a:t>번외</a:t>
+            </a:r>
+            <a:r>
+              <a:rPr lang="en-US" altLang="ko-KR" dirty="0"/>
+              <a:t>_ URI </a:t>
+            </a:r>
+            <a:r>
+              <a:rPr lang="ko-KR" altLang="en-US" dirty="0"/>
+              <a:t>란</a:t>
+            </a:r>
+            <a:r>
+              <a:rPr lang="en-US" altLang="ko-KR" dirty="0"/>
+              <a:t>?</a:t>
+            </a:r>
+            <a:endParaRPr lang="ko-KR" altLang="en-US" dirty="0"/>
+          </a:p>
+        </p:txBody>
+      </p:sp>
+      <p:sp>
+        <p:nvSpPr>
+          <p:cNvPr id="3" name="내용 개체 틀 2">
+            <a:extLst>
+              <a:ext uri="{FF2B5EF4-FFF2-40B4-BE49-F238E27FC236}">
+                <a16:creationId xmlns:a16="http://schemas.microsoft.com/office/drawing/2014/main" id="{F1D3014E-6E2F-E442-B4BF-851B377F078D}"/>
+              </a:ext>
+            </a:extLst>
+          </p:cNvPr>
+          <p:cNvSpPr>
+            <a:spLocks noGrp="1"/>
+          </p:cNvSpPr>
+          <p:nvPr>
+            <p:ph idx="1"/>
+          </p:nvPr>
+        </p:nvSpPr>
+        <p:spPr/>
+        <p:txBody>
+          <a:bodyPr/>
+          <a:lstStyle/>
+          <a:p>
+            <a:r>
+              <a:rPr lang="ko-KR" altLang="en-US" dirty="0"/>
+              <a:t>상대 경로</a:t>
+            </a:r>
+            <a:r>
+              <a:rPr lang="en-US" altLang="ko-KR" dirty="0"/>
+              <a:t>, </a:t>
+            </a:r>
+            <a:r>
+              <a:rPr lang="ko-KR" altLang="en-US" dirty="0"/>
+              <a:t>절대 경로 또는 둘 다 사용 세 가지 조건을 옵션으로 줄 수 있음</a:t>
+            </a:r>
+            <a:endParaRPr lang="en-US" altLang="ko-KR" dirty="0"/>
+          </a:p>
+          <a:p>
+            <a:r>
+              <a:rPr lang="ko-KR" altLang="en-US" dirty="0"/>
+              <a:t>파일 경로의 경우 옵션이 반드시 필요함</a:t>
+            </a:r>
+            <a:endParaRPr lang="en-US" altLang="ko-KR" dirty="0"/>
+          </a:p>
+          <a:p>
+            <a:r>
+              <a:rPr lang="ko-KR" altLang="en-US" dirty="0"/>
+              <a:t>후술할 </a:t>
+            </a:r>
+            <a:r>
+              <a:rPr lang="en-US" altLang="ko-KR" dirty="0"/>
+              <a:t>pack </a:t>
+            </a:r>
+            <a:r>
+              <a:rPr lang="en-US" altLang="ko-KR" dirty="0" err="1"/>
+              <a:t>uri</a:t>
+            </a:r>
+            <a:r>
+              <a:rPr lang="ko-KR" altLang="en-US" dirty="0" err="1"/>
+              <a:t>를</a:t>
+            </a:r>
+            <a:r>
+              <a:rPr lang="ko-KR" altLang="en-US" dirty="0"/>
+              <a:t> 사용하는 것이 가장 좋음</a:t>
+            </a:r>
+          </a:p>
+        </p:txBody>
+      </p:sp>
+      <p:sp>
+        <p:nvSpPr>
+          <p:cNvPr id="4" name="날짜 개체 틀 3">
+            <a:extLst>
+              <a:ext uri="{FF2B5EF4-FFF2-40B4-BE49-F238E27FC236}">
+                <a16:creationId xmlns:a16="http://schemas.microsoft.com/office/drawing/2014/main" id="{16F85E32-4503-FBD2-8859-1535C29ACE65}"/>
+              </a:ext>
+            </a:extLst>
+          </p:cNvPr>
+          <p:cNvSpPr>
+            <a:spLocks noGrp="1"/>
+          </p:cNvSpPr>
+          <p:nvPr>
+            <p:ph type="dt" sz="half" idx="10"/>
+          </p:nvPr>
+        </p:nvSpPr>
+        <p:spPr/>
+        <p:txBody>
+          <a:bodyPr/>
+          <a:lstStyle/>
+          <a:p>
+            <a:fld id="{0F78D9C4-20C1-4B15-A116-16DC77AD9A1E}" type="datetime1">
+              <a:rPr lang="ko-KR" altLang="en-US" smtClean="0"/>
+              <a:t>2025-05-22</a:t>
+            </a:fld>
+            <a:endParaRPr lang="ko-KR" altLang="en-US"/>
+          </a:p>
+        </p:txBody>
+      </p:sp>
+      <p:sp>
+        <p:nvSpPr>
+          <p:cNvPr id="5" name="슬라이드 번호 개체 틀 4">
+            <a:extLst>
+              <a:ext uri="{FF2B5EF4-FFF2-40B4-BE49-F238E27FC236}">
+                <a16:creationId xmlns:a16="http://schemas.microsoft.com/office/drawing/2014/main" id="{5D6C70AD-0C32-393A-B55C-2C707CE64581}"/>
+              </a:ext>
+            </a:extLst>
+          </p:cNvPr>
+          <p:cNvSpPr>
+            <a:spLocks noGrp="1"/>
+          </p:cNvSpPr>
+          <p:nvPr>
+            <p:ph type="sldNum" sz="quarter" idx="12"/>
+          </p:nvPr>
+        </p:nvSpPr>
+        <p:spPr/>
+        <p:txBody>
+          <a:bodyPr/>
+          <a:lstStyle/>
+          <a:p>
+            <a:fld id="{083A2CE0-18CD-4102-B738-4ACFF9E68BA4}" type="slidenum">
+              <a:rPr lang="ko-KR" altLang="en-US" smtClean="0"/>
+              <a:t>7</a:t>
             </a:fld>
             <a:endParaRPr lang="ko-KR" altLang="en-US"/>
           </a:p>
@@ -11104,7 +10781,7 @@
               <p:nvPr/>
             </p:nvPicPr>
             <p:blipFill>
-              <a:blip r:embed="rId2"/>
+              <a:blip r:embed="rId3"/>
               <a:stretch>
                 <a:fillRect/>
               </a:stretch>
@@ -11317,7 +10994,7 @@
 </p:sld>
 </file>
 
-<file path=ppt/slides/slide7.xml><?xml version="1.0" encoding="utf-8"?>
+<file path=ppt/slides/slide8.xml><?xml version="1.0" encoding="utf-8"?>
 <p:sld xmlns:a="http://schemas.openxmlformats.org/drawingml/2006/main" xmlns:r="http://schemas.openxmlformats.org/officeDocument/2006/relationships" xmlns:p="http://schemas.openxmlformats.org/presentationml/2006/main">
   <p:cSld>
     <p:spTree>
@@ -11517,7 +11194,7 @@
           <a:p>
             <a:fld id="{0F78D9C4-20C1-4B15-A116-16DC77AD9A1E}" type="datetime1">
               <a:rPr lang="ko-KR" altLang="en-US" smtClean="0"/>
-              <a:t>2025-05-19</a:t>
+              <a:t>2025-05-22</a:t>
             </a:fld>
             <a:endParaRPr lang="ko-KR" altLang="en-US"/>
           </a:p>
@@ -11546,7 +11223,7 @@
           <a:p>
             <a:fld id="{083A2CE0-18CD-4102-B738-4ACFF9E68BA4}" type="slidenum">
               <a:rPr lang="ko-KR" altLang="en-US" smtClean="0"/>
-              <a:t>7</a:t>
+              <a:t>8</a:t>
             </a:fld>
             <a:endParaRPr lang="ko-KR" altLang="en-US"/>
           </a:p>
@@ -11686,216 +11363,6 @@
     <p:extLst>
       <p:ext uri="{BB962C8B-B14F-4D97-AF65-F5344CB8AC3E}">
         <p14:creationId xmlns:p14="http://schemas.microsoft.com/office/powerpoint/2010/main" val="2011210783"/>
-      </p:ext>
-    </p:extLst>
-  </p:cSld>
-  <p:clrMapOvr>
-    <a:masterClrMapping/>
-  </p:clrMapOvr>
-</p:sld>
-</file>
-
-<file path=ppt/slides/slide8.xml><?xml version="1.0" encoding="utf-8"?>
-<p:sld xmlns:a="http://schemas.openxmlformats.org/drawingml/2006/main" xmlns:r="http://schemas.openxmlformats.org/officeDocument/2006/relationships" xmlns:p="http://schemas.openxmlformats.org/presentationml/2006/main">
-  <p:cSld>
-    <p:spTree>
-      <p:nvGrpSpPr>
-        <p:cNvPr id="1" name=""/>
-        <p:cNvGrpSpPr/>
-        <p:nvPr/>
-      </p:nvGrpSpPr>
-      <p:grpSpPr>
-        <a:xfrm>
-          <a:off x="0" y="0"/>
-          <a:ext cx="0" cy="0"/>
-          <a:chOff x="0" y="0"/>
-          <a:chExt cx="0" cy="0"/>
-        </a:xfrm>
-      </p:grpSpPr>
-      <p:sp>
-        <p:nvSpPr>
-          <p:cNvPr id="2" name="제목 1">
-            <a:extLst>
-              <a:ext uri="{FF2B5EF4-FFF2-40B4-BE49-F238E27FC236}">
-                <a16:creationId xmlns:a16="http://schemas.microsoft.com/office/drawing/2014/main" id="{2A2ACCD4-C461-B0A9-20E2-E5DDA2888355}"/>
-              </a:ext>
-            </a:extLst>
-          </p:cNvPr>
-          <p:cNvSpPr>
-            <a:spLocks noGrp="1"/>
-          </p:cNvSpPr>
-          <p:nvPr>
-            <p:ph type="title"/>
-          </p:nvPr>
-        </p:nvSpPr>
-        <p:spPr/>
-        <p:txBody>
-          <a:bodyPr/>
-          <a:lstStyle/>
-          <a:p>
-            <a:r>
-              <a:rPr lang="ko-KR" altLang="en-US" dirty="0"/>
-              <a:t>번외</a:t>
-            </a:r>
-            <a:r>
-              <a:rPr lang="en-US" altLang="ko-KR" dirty="0"/>
-              <a:t>_ </a:t>
-            </a:r>
-            <a:r>
-              <a:rPr lang="ko-KR" altLang="en-US" dirty="0"/>
-              <a:t>버튼 이미지 바꾸기</a:t>
-            </a:r>
-          </a:p>
-        </p:txBody>
-      </p:sp>
-      <p:sp>
-        <p:nvSpPr>
-          <p:cNvPr id="8" name="내용 개체 틀 7">
-            <a:extLst>
-              <a:ext uri="{FF2B5EF4-FFF2-40B4-BE49-F238E27FC236}">
-                <a16:creationId xmlns:a16="http://schemas.microsoft.com/office/drawing/2014/main" id="{F38B58EF-EFE1-CD74-A87B-94F17C1D73E0}"/>
-              </a:ext>
-            </a:extLst>
-          </p:cNvPr>
-          <p:cNvSpPr>
-            <a:spLocks noGrp="1"/>
-          </p:cNvSpPr>
-          <p:nvPr>
-            <p:ph idx="1"/>
-          </p:nvPr>
-        </p:nvSpPr>
-        <p:spPr/>
-        <p:txBody>
-          <a:bodyPr/>
-          <a:lstStyle/>
-          <a:p>
-            <a:r>
-              <a:rPr lang="en-US" altLang="ko-KR" dirty="0"/>
-              <a:t>C# </a:t>
-            </a:r>
-            <a:r>
-              <a:rPr lang="ko-KR" altLang="en-US" dirty="0"/>
-              <a:t>코드에서 변경하기</a:t>
-            </a:r>
-            <a:endParaRPr lang="en-US" altLang="ko-KR" dirty="0"/>
-          </a:p>
-          <a:p>
-            <a:pPr lvl="1"/>
-            <a:r>
-              <a:rPr lang="en-US" altLang="ko-KR" sz="1200" dirty="0"/>
-              <a:t>Pack </a:t>
-            </a:r>
-            <a:r>
-              <a:rPr lang="en-US" altLang="ko-KR" sz="1200" dirty="0" err="1"/>
-              <a:t>uri</a:t>
-            </a:r>
-            <a:r>
-              <a:rPr lang="en-US" altLang="ko-KR" sz="1200" dirty="0"/>
-              <a:t> </a:t>
-            </a:r>
-            <a:r>
-              <a:rPr lang="ko-KR" altLang="en-US" sz="1200" dirty="0"/>
-              <a:t>참고 </a:t>
-            </a:r>
-            <a:r>
-              <a:rPr lang="en-US" altLang="ko-KR" sz="1200" dirty="0"/>
-              <a:t>: https://learn.microsoft.com/ko-kr/dotnet/desktop/wpf/app-development/pack-uris-in-wpf?view=netframeworkdesktop-4.8</a:t>
-            </a:r>
-            <a:endParaRPr lang="ko-KR" altLang="en-US" sz="1200" dirty="0"/>
-          </a:p>
-        </p:txBody>
-      </p:sp>
-      <p:sp>
-        <p:nvSpPr>
-          <p:cNvPr id="4" name="날짜 개체 틀 3">
-            <a:extLst>
-              <a:ext uri="{FF2B5EF4-FFF2-40B4-BE49-F238E27FC236}">
-                <a16:creationId xmlns:a16="http://schemas.microsoft.com/office/drawing/2014/main" id="{16F85E32-4503-FBD2-8859-1535C29ACE65}"/>
-              </a:ext>
-            </a:extLst>
-          </p:cNvPr>
-          <p:cNvSpPr>
-            <a:spLocks noGrp="1"/>
-          </p:cNvSpPr>
-          <p:nvPr>
-            <p:ph type="dt" sz="half" idx="10"/>
-          </p:nvPr>
-        </p:nvSpPr>
-        <p:spPr/>
-        <p:txBody>
-          <a:bodyPr/>
-          <a:lstStyle/>
-          <a:p>
-            <a:fld id="{0F78D9C4-20C1-4B15-A116-16DC77AD9A1E}" type="datetime1">
-              <a:rPr lang="ko-KR" altLang="en-US" smtClean="0"/>
-              <a:t>2025-05-19</a:t>
-            </a:fld>
-            <a:endParaRPr lang="ko-KR" altLang="en-US"/>
-          </a:p>
-        </p:txBody>
-      </p:sp>
-      <p:sp>
-        <p:nvSpPr>
-          <p:cNvPr id="5" name="슬라이드 번호 개체 틀 4">
-            <a:extLst>
-              <a:ext uri="{FF2B5EF4-FFF2-40B4-BE49-F238E27FC236}">
-                <a16:creationId xmlns:a16="http://schemas.microsoft.com/office/drawing/2014/main" id="{5D6C70AD-0C32-393A-B55C-2C707CE64581}"/>
-              </a:ext>
-            </a:extLst>
-          </p:cNvPr>
-          <p:cNvSpPr>
-            <a:spLocks noGrp="1"/>
-          </p:cNvSpPr>
-          <p:nvPr>
-            <p:ph type="sldNum" sz="quarter" idx="12"/>
-          </p:nvPr>
-        </p:nvSpPr>
-        <p:spPr/>
-        <p:txBody>
-          <a:bodyPr/>
-          <a:lstStyle/>
-          <a:p>
-            <a:fld id="{083A2CE0-18CD-4102-B738-4ACFF9E68BA4}" type="slidenum">
-              <a:rPr lang="ko-KR" altLang="en-US" smtClean="0"/>
-              <a:t>8</a:t>
-            </a:fld>
-            <a:endParaRPr lang="ko-KR" altLang="en-US"/>
-          </a:p>
-        </p:txBody>
-      </p:sp>
-      <p:pic>
-        <p:nvPicPr>
-          <p:cNvPr id="13" name="그림 12">
-            <a:extLst>
-              <a:ext uri="{FF2B5EF4-FFF2-40B4-BE49-F238E27FC236}">
-                <a16:creationId xmlns:a16="http://schemas.microsoft.com/office/drawing/2014/main" id="{FD0597EF-4B70-9DC2-B545-6EAEFB8836FA}"/>
-              </a:ext>
-            </a:extLst>
-          </p:cNvPr>
-          <p:cNvPicPr>
-            <a:picLocks noChangeAspect="1"/>
-          </p:cNvPicPr>
-          <p:nvPr/>
-        </p:nvPicPr>
-        <p:blipFill rotWithShape="1">
-          <a:blip r:embed="rId2"/>
-          <a:srcRect b="55844"/>
-          <a:stretch/>
-        </p:blipFill>
-        <p:spPr>
-          <a:xfrm>
-            <a:off x="501044" y="2609491"/>
-            <a:ext cx="11189912" cy="3702409"/>
-          </a:xfrm>
-          <a:prstGeom prst="rect">
-            <a:avLst/>
-          </a:prstGeom>
-        </p:spPr>
-      </p:pic>
-    </p:spTree>
-    <p:extLst>
-      <p:ext uri="{BB962C8B-B14F-4D97-AF65-F5344CB8AC3E}">
-        <p14:creationId xmlns:p14="http://schemas.microsoft.com/office/powerpoint/2010/main" val="1664063214"/>
       </p:ext>
     </p:extLst>
   </p:cSld>
@@ -11960,6 +11427,43 @@
       </p:sp>
       <p:sp>
         <p:nvSpPr>
+          <p:cNvPr id="8" name="내용 개체 틀 7">
+            <a:extLst>
+              <a:ext uri="{FF2B5EF4-FFF2-40B4-BE49-F238E27FC236}">
+                <a16:creationId xmlns:a16="http://schemas.microsoft.com/office/drawing/2014/main" id="{F38B58EF-EFE1-CD74-A87B-94F17C1D73E0}"/>
+              </a:ext>
+            </a:extLst>
+          </p:cNvPr>
+          <p:cNvSpPr>
+            <a:spLocks noGrp="1"/>
+          </p:cNvSpPr>
+          <p:nvPr>
+            <p:ph idx="1"/>
+          </p:nvPr>
+        </p:nvSpPr>
+        <p:spPr/>
+        <p:txBody>
+          <a:bodyPr/>
+          <a:lstStyle/>
+          <a:p>
+            <a:r>
+              <a:rPr lang="en-US" altLang="ko-KR" dirty="0"/>
+              <a:t>C# </a:t>
+            </a:r>
+            <a:r>
+              <a:rPr lang="ko-KR" altLang="en-US" dirty="0"/>
+              <a:t>코드에서 </a:t>
+            </a:r>
+            <a:r>
+              <a:rPr lang="ko-KR" altLang="en-US" dirty="0" smtClean="0"/>
+              <a:t>변경하기</a:t>
+            </a:r>
+            <a:endParaRPr lang="en-US" altLang="ko-KR" dirty="0"/>
+          </a:p>
+        </p:txBody>
+      </p:sp>
+      <p:sp>
+        <p:nvSpPr>
           <p:cNvPr id="4" name="날짜 개체 틀 3">
             <a:extLst>
               <a:ext uri="{FF2B5EF4-FFF2-40B4-BE49-F238E27FC236}">
@@ -11981,7 +11485,7 @@
           <a:p>
             <a:fld id="{0F78D9C4-20C1-4B15-A116-16DC77AD9A1E}" type="datetime1">
               <a:rPr lang="ko-KR" altLang="en-US" smtClean="0"/>
-              <a:t>2025-05-19</a:t>
+              <a:t>2025-05-22</a:t>
             </a:fld>
             <a:endParaRPr lang="ko-KR" altLang="en-US"/>
           </a:p>
@@ -12031,14 +11535,14 @@
           <p:nvPr/>
         </p:nvPicPr>
         <p:blipFill rotWithShape="1">
-          <a:blip r:embed="rId2"/>
-          <a:srcRect t="45432" b="41"/>
+          <a:blip r:embed="rId3"/>
+          <a:srcRect b="55844"/>
           <a:stretch/>
         </p:blipFill>
         <p:spPr>
           <a:xfrm>
-            <a:off x="501044" y="1418605"/>
-            <a:ext cx="11189912" cy="4572000"/>
+            <a:off x="501044" y="2609491"/>
+            <a:ext cx="11189912" cy="3702409"/>
           </a:xfrm>
           <a:prstGeom prst="rect">
             <a:avLst/>
@@ -12048,7 +11552,7 @@
     </p:spTree>
     <p:extLst>
       <p:ext uri="{BB962C8B-B14F-4D97-AF65-F5344CB8AC3E}">
-        <p14:creationId xmlns:p14="http://schemas.microsoft.com/office/powerpoint/2010/main" val="1351243725"/>
+        <p14:creationId xmlns:p14="http://schemas.microsoft.com/office/powerpoint/2010/main" val="1664063214"/>
       </p:ext>
     </p:extLst>
   </p:cSld>
